--- a/Technische Dokumentation.pptx
+++ b/Technische Dokumentation.pptx
@@ -222,7 +222,7 @@
           <a:p>
             <a:fld id="{AD15ACE4-1D57-4669-8961-1BC4A3F30151}" type="datetimeFigureOut">
               <a:rPr lang="de-DE" smtClean="0"/>
-              <a:t>25.06.2021</a:t>
+              <a:t>02.07.2021</a:t>
             </a:fld>
             <a:endParaRPr lang="de-DE"/>
           </a:p>
@@ -720,7 +720,7 @@
           <a:p>
             <a:fld id="{6C0A2617-4F97-4686-BC46-F6A0AEBDDB52}" type="datetimeFigureOut">
               <a:rPr lang="de-DE" smtClean="0"/>
-              <a:t>25.06.2021</a:t>
+              <a:t>02.07.2021</a:t>
             </a:fld>
             <a:endParaRPr lang="de-DE"/>
           </a:p>
@@ -918,7 +918,7 @@
           <a:p>
             <a:fld id="{6C0A2617-4F97-4686-BC46-F6A0AEBDDB52}" type="datetimeFigureOut">
               <a:rPr lang="de-DE" smtClean="0"/>
-              <a:t>25.06.2021</a:t>
+              <a:t>02.07.2021</a:t>
             </a:fld>
             <a:endParaRPr lang="de-DE"/>
           </a:p>
@@ -1126,7 +1126,7 @@
           <a:p>
             <a:fld id="{6C0A2617-4F97-4686-BC46-F6A0AEBDDB52}" type="datetimeFigureOut">
               <a:rPr lang="de-DE" smtClean="0"/>
-              <a:t>25.06.2021</a:t>
+              <a:t>02.07.2021</a:t>
             </a:fld>
             <a:endParaRPr lang="de-DE"/>
           </a:p>
@@ -1324,7 +1324,7 @@
           <a:p>
             <a:fld id="{6C0A2617-4F97-4686-BC46-F6A0AEBDDB52}" type="datetimeFigureOut">
               <a:rPr lang="de-DE" smtClean="0"/>
-              <a:t>25.06.2021</a:t>
+              <a:t>02.07.2021</a:t>
             </a:fld>
             <a:endParaRPr lang="de-DE"/>
           </a:p>
@@ -1599,7 +1599,7 @@
           <a:p>
             <a:fld id="{6C0A2617-4F97-4686-BC46-F6A0AEBDDB52}" type="datetimeFigureOut">
               <a:rPr lang="de-DE" smtClean="0"/>
-              <a:t>25.06.2021</a:t>
+              <a:t>02.07.2021</a:t>
             </a:fld>
             <a:endParaRPr lang="de-DE"/>
           </a:p>
@@ -1864,7 +1864,7 @@
           <a:p>
             <a:fld id="{6C0A2617-4F97-4686-BC46-F6A0AEBDDB52}" type="datetimeFigureOut">
               <a:rPr lang="de-DE" smtClean="0"/>
-              <a:t>25.06.2021</a:t>
+              <a:t>02.07.2021</a:t>
             </a:fld>
             <a:endParaRPr lang="de-DE"/>
           </a:p>
@@ -2276,7 +2276,7 @@
           <a:p>
             <a:fld id="{6C0A2617-4F97-4686-BC46-F6A0AEBDDB52}" type="datetimeFigureOut">
               <a:rPr lang="de-DE" smtClean="0"/>
-              <a:t>25.06.2021</a:t>
+              <a:t>02.07.2021</a:t>
             </a:fld>
             <a:endParaRPr lang="de-DE"/>
           </a:p>
@@ -2417,7 +2417,7 @@
           <a:p>
             <a:fld id="{6C0A2617-4F97-4686-BC46-F6A0AEBDDB52}" type="datetimeFigureOut">
               <a:rPr lang="de-DE" smtClean="0"/>
-              <a:t>25.06.2021</a:t>
+              <a:t>02.07.2021</a:t>
             </a:fld>
             <a:endParaRPr lang="de-DE"/>
           </a:p>
@@ -2530,7 +2530,7 @@
           <a:p>
             <a:fld id="{6C0A2617-4F97-4686-BC46-F6A0AEBDDB52}" type="datetimeFigureOut">
               <a:rPr lang="de-DE" smtClean="0"/>
-              <a:t>25.06.2021</a:t>
+              <a:t>02.07.2021</a:t>
             </a:fld>
             <a:endParaRPr lang="de-DE"/>
           </a:p>
@@ -2841,7 +2841,7 @@
           <a:p>
             <a:fld id="{6C0A2617-4F97-4686-BC46-F6A0AEBDDB52}" type="datetimeFigureOut">
               <a:rPr lang="de-DE" smtClean="0"/>
-              <a:t>25.06.2021</a:t>
+              <a:t>02.07.2021</a:t>
             </a:fld>
             <a:endParaRPr lang="de-DE"/>
           </a:p>
@@ -3129,7 +3129,7 @@
           <a:p>
             <a:fld id="{6C0A2617-4F97-4686-BC46-F6A0AEBDDB52}" type="datetimeFigureOut">
               <a:rPr lang="de-DE" smtClean="0"/>
-              <a:t>25.06.2021</a:t>
+              <a:t>02.07.2021</a:t>
             </a:fld>
             <a:endParaRPr lang="de-DE"/>
           </a:p>
@@ -3370,7 +3370,7 @@
           <a:p>
             <a:fld id="{6C0A2617-4F97-4686-BC46-F6A0AEBDDB52}" type="datetimeFigureOut">
               <a:rPr lang="de-DE" smtClean="0"/>
-              <a:t>25.06.2021</a:t>
+              <a:t>02.07.2021</a:t>
             </a:fld>
             <a:endParaRPr lang="de-DE"/>
           </a:p>
@@ -5560,7 +5560,7 @@
             <a:schemeClr val="tx1">
               <a:lumMod val="75000"/>
               <a:lumOff val="25000"/>
-              <a:alpha val="81000"/>
+              <a:alpha val="97000"/>
             </a:schemeClr>
           </a:solidFill>
         </p:spPr>
@@ -9416,51 +9416,62 @@
       </p:grpSpPr>
       <p:sp>
         <p:nvSpPr>
-          <p:cNvPr id="2" name="Titel 1">
-            <a:extLst>
-              <a:ext uri="{FF2B5EF4-FFF2-40B4-BE49-F238E27FC236}">
-                <a16:creationId xmlns:a16="http://schemas.microsoft.com/office/drawing/2014/main" id="{0F50CB94-4FF2-472E-89AD-D83DA23186DA}"/>
-              </a:ext>
-            </a:extLst>
-          </p:cNvPr>
-          <p:cNvSpPr>
-            <a:spLocks noGrp="1"/>
-          </p:cNvSpPr>
-          <p:nvPr>
-            <p:ph type="title"/>
-          </p:nvPr>
-        </p:nvSpPr>
-        <p:spPr/>
-        <p:txBody>
-          <a:bodyPr/>
+          <p:cNvPr id="4" name="Textfeld 3">
+            <a:extLst>
+              <a:ext uri="{FF2B5EF4-FFF2-40B4-BE49-F238E27FC236}">
+                <a16:creationId xmlns:a16="http://schemas.microsoft.com/office/drawing/2014/main" id="{175B2BCC-7C5F-4816-9D12-D5E091085EB4}"/>
+              </a:ext>
+            </a:extLst>
+          </p:cNvPr>
+          <p:cNvSpPr txBox="1"/>
+          <p:nvPr/>
+        </p:nvSpPr>
+        <p:spPr>
+          <a:xfrm>
+            <a:off x="742950" y="445770"/>
+            <a:ext cx="1786771" cy="1200329"/>
+          </a:xfrm>
+          <a:prstGeom prst="rect">
+            <a:avLst/>
+          </a:prstGeom>
+          <a:noFill/>
+        </p:spPr>
+        <p:txBody>
+          <a:bodyPr wrap="none" rtlCol="0">
+            <a:spAutoFit/>
+          </a:bodyPr>
           <a:lstStyle/>
           <a:p>
-            <a:endParaRPr lang="de-DE"/>
-          </a:p>
-        </p:txBody>
-      </p:sp>
-      <p:sp>
-        <p:nvSpPr>
-          <p:cNvPr id="3" name="Inhaltsplatzhalter 2">
-            <a:extLst>
-              <a:ext uri="{FF2B5EF4-FFF2-40B4-BE49-F238E27FC236}">
-                <a16:creationId xmlns:a16="http://schemas.microsoft.com/office/drawing/2014/main" id="{ED9AA59A-D641-4CF3-973C-A329F619F101}"/>
-              </a:ext>
-            </a:extLst>
-          </p:cNvPr>
-          <p:cNvSpPr>
-            <a:spLocks noGrp="1"/>
-          </p:cNvSpPr>
-          <p:nvPr>
-            <p:ph idx="1"/>
-          </p:nvPr>
-        </p:nvSpPr>
-        <p:spPr/>
-        <p:txBody>
-          <a:bodyPr/>
-          <a:lstStyle/>
-          <a:p>
-            <a:endParaRPr lang="de-DE"/>
+            <a:r>
+              <a:rPr lang="de-DE" dirty="0"/>
+              <a:t>Betriebssysteme:</a:t>
+            </a:r>
+          </a:p>
+          <a:p>
+            <a:r>
+              <a:rPr lang="de-DE" dirty="0"/>
+              <a:t>Windows 10</a:t>
+            </a:r>
+          </a:p>
+          <a:p>
+            <a:r>
+              <a:rPr lang="de-DE" dirty="0"/>
+              <a:t>Software:</a:t>
+            </a:r>
+          </a:p>
+          <a:p>
+            <a:r>
+              <a:rPr lang="de-DE" dirty="0"/>
+              <a:t>Atom, </a:t>
+            </a:r>
+            <a:r>
+              <a:rPr lang="de-DE" dirty="0" err="1"/>
+              <a:t>Notpad</a:t>
+            </a:r>
+            <a:r>
+              <a:rPr lang="de-DE" dirty="0"/>
+              <a:t>++</a:t>
+            </a:r>
           </a:p>
         </p:txBody>
       </p:sp>
@@ -9508,8 +9519,8 @@
         </p:nvGrpSpPr>
         <p:grpSpPr>
           <a:xfrm>
-            <a:off x="1898448" y="236472"/>
-            <a:ext cx="8395103" cy="6385056"/>
+            <a:off x="2017486" y="118236"/>
+            <a:ext cx="8568166" cy="6621528"/>
             <a:chOff x="37697" y="-1453735"/>
             <a:chExt cx="16729331" cy="12723813"/>
           </a:xfrm>
@@ -10701,8 +10712,8 @@
           </p:nvSpPr>
           <p:spPr>
             <a:xfrm>
-              <a:off x="5582957" y="-322320"/>
-              <a:ext cx="764096" cy="429326"/>
+              <a:off x="5582957" y="-322321"/>
+              <a:ext cx="748662" cy="413993"/>
             </a:xfrm>
             <a:prstGeom prst="rect">
               <a:avLst/>
@@ -12421,8 +12432,8 @@
           </p:nvSpPr>
           <p:spPr>
             <a:xfrm>
-              <a:off x="2010311" y="3744462"/>
-              <a:ext cx="1667179" cy="674653"/>
+              <a:off x="2010310" y="3744461"/>
+              <a:ext cx="1667180" cy="650559"/>
             </a:xfrm>
             <a:prstGeom prst="rect">
               <a:avLst/>
@@ -13647,8 +13658,8 @@
           </p:nvSpPr>
           <p:spPr>
             <a:xfrm>
-              <a:off x="5321222" y="859327"/>
-              <a:ext cx="1182850" cy="595619"/>
+              <a:off x="5191196" y="873327"/>
+              <a:ext cx="1452493" cy="595619"/>
             </a:xfrm>
             <a:prstGeom prst="rect">
               <a:avLst/>
@@ -13696,83 +13707,7 @@
                     </a:schemeClr>
                   </a:solidFill>
                 </a:rPr>
-                <a:t>user.php</a:t>
-              </a:r>
-              <a:endParaRPr lang="en-GB" sz="800" dirty="0">
-                <a:solidFill>
-                  <a:schemeClr val="tx1">
-                    <a:lumMod val="85000"/>
-                    <a:lumOff val="15000"/>
-                  </a:schemeClr>
-                </a:solidFill>
-              </a:endParaRPr>
-            </a:p>
-          </p:txBody>
-        </p:sp>
-        <p:sp>
-          <p:nvSpPr>
-            <p:cNvPr id="245" name="Rechteck 244">
-              <a:extLst>
-                <a:ext uri="{FF2B5EF4-FFF2-40B4-BE49-F238E27FC236}">
-                  <a16:creationId xmlns:a16="http://schemas.microsoft.com/office/drawing/2014/main" id="{DDBDAC39-36AD-4ED5-BE6A-B1150144C4A5}"/>
-                </a:ext>
-              </a:extLst>
-            </p:cNvPr>
-            <p:cNvSpPr/>
-            <p:nvPr/>
-          </p:nvSpPr>
-          <p:spPr>
-            <a:xfrm>
-              <a:off x="5321222" y="1595086"/>
-              <a:ext cx="1182850" cy="595619"/>
-            </a:xfrm>
-            <a:prstGeom prst="rect">
-              <a:avLst/>
-            </a:prstGeom>
-            <a:solidFill>
-              <a:srgbClr val="FFC000">
-                <a:alpha val="28000"/>
-              </a:srgbClr>
-            </a:solidFill>
-            <a:ln>
-              <a:solidFill>
-                <a:schemeClr val="accent4">
-                  <a:lumMod val="75000"/>
-                </a:schemeClr>
-              </a:solidFill>
-            </a:ln>
-          </p:spPr>
-          <p:style>
-            <a:lnRef idx="2">
-              <a:schemeClr val="accent1">
-                <a:shade val="50000"/>
-              </a:schemeClr>
-            </a:lnRef>
-            <a:fillRef idx="1">
-              <a:schemeClr val="accent1"/>
-            </a:fillRef>
-            <a:effectRef idx="0">
-              <a:schemeClr val="accent1"/>
-            </a:effectRef>
-            <a:fontRef idx="minor">
-              <a:schemeClr val="lt1"/>
-            </a:fontRef>
-          </p:style>
-          <p:txBody>
-            <a:bodyPr rtlCol="0" anchor="ctr"/>
-            <a:lstStyle/>
-            <a:p>
-              <a:pPr algn="ctr"/>
-              <a:r>
-                <a:rPr lang="en-GB" sz="800" dirty="0" err="1">
-                  <a:solidFill>
-                    <a:schemeClr val="tx1">
-                      <a:lumMod val="85000"/>
-                      <a:lumOff val="15000"/>
-                    </a:schemeClr>
-                  </a:solidFill>
-                </a:rPr>
-                <a:t>code.php</a:t>
+                <a:t>getUser.php</a:t>
               </a:r>
               <a:endParaRPr lang="en-GB" sz="800" dirty="0">
                 <a:solidFill>
@@ -13799,7 +13734,7 @@
           </p:nvSpPr>
           <p:spPr>
             <a:xfrm>
-              <a:off x="5321222" y="2330845"/>
+              <a:off x="5321018" y="1721226"/>
               <a:ext cx="1182850" cy="595619"/>
             </a:xfrm>
             <a:prstGeom prst="rect">
@@ -13876,7 +13811,7 @@
           <p:spPr>
             <a:xfrm>
               <a:off x="2655605" y="965954"/>
-              <a:ext cx="2575311" cy="429326"/>
+              <a:ext cx="2523294" cy="413993"/>
             </a:xfrm>
             <a:prstGeom prst="rect">
               <a:avLst/>
@@ -13931,7 +13866,7 @@
           <p:spPr>
             <a:xfrm>
               <a:off x="2818213" y="1704148"/>
-              <a:ext cx="2434758" cy="429326"/>
+              <a:ext cx="2385580" cy="413993"/>
             </a:xfrm>
             <a:prstGeom prst="rect">
               <a:avLst/>
@@ -13989,8 +13924,8 @@
           </p:nvSpPr>
           <p:spPr>
             <a:xfrm>
-              <a:off x="1898089" y="2442340"/>
-              <a:ext cx="3262104" cy="429326"/>
+              <a:off x="1898088" y="2442339"/>
+              <a:ext cx="3196215" cy="413993"/>
             </a:xfrm>
             <a:prstGeom prst="rect">
               <a:avLst/>
@@ -14069,8 +14004,8 @@
           </p:nvCxnSpPr>
           <p:spPr>
             <a:xfrm>
-              <a:off x="5912443" y="476240"/>
-              <a:ext cx="204" cy="383087"/>
+              <a:off x="5912444" y="476240"/>
+              <a:ext cx="5000" cy="397087"/>
             </a:xfrm>
             <a:prstGeom prst="line">
               <a:avLst/>
@@ -14109,60 +14044,14 @@
             <p:cNvCxnSpPr>
               <a:cxnSpLocks/>
               <a:stCxn id="243" idx="2"/>
-              <a:endCxn id="245" idx="0"/>
-            </p:cNvCxnSpPr>
-            <p:nvPr/>
-          </p:nvCxnSpPr>
-          <p:spPr>
-            <a:xfrm>
-              <a:off x="5912647" y="1454946"/>
-              <a:ext cx="0" cy="140140"/>
-            </a:xfrm>
-            <a:prstGeom prst="line">
-              <a:avLst/>
-            </a:prstGeom>
-            <a:ln>
-              <a:solidFill>
-                <a:srgbClr val="FFC000"/>
-              </a:solidFill>
-              <a:tailEnd type="triangle" w="med" len="lg"/>
-            </a:ln>
-          </p:spPr>
-          <p:style>
-            <a:lnRef idx="1">
-              <a:schemeClr val="accent1"/>
-            </a:lnRef>
-            <a:fillRef idx="0">
-              <a:schemeClr val="accent1"/>
-            </a:fillRef>
-            <a:effectRef idx="0">
-              <a:schemeClr val="accent1"/>
-            </a:effectRef>
-            <a:fontRef idx="minor">
-              <a:schemeClr val="tx1"/>
-            </a:fontRef>
-          </p:style>
-        </p:cxnSp>
-        <p:cxnSp>
-          <p:nvCxnSpPr>
-            <p:cNvPr id="426" name="Gerader Verbinder 425">
-              <a:extLst>
-                <a:ext uri="{FF2B5EF4-FFF2-40B4-BE49-F238E27FC236}">
-                  <a16:creationId xmlns:a16="http://schemas.microsoft.com/office/drawing/2014/main" id="{36114600-1F85-49F2-AA55-3FE3D9D7DD05}"/>
-                </a:ext>
-              </a:extLst>
-            </p:cNvPr>
-            <p:cNvCxnSpPr>
-              <a:cxnSpLocks/>
-              <a:stCxn id="245" idx="2"/>
               <a:endCxn id="246" idx="0"/>
             </p:cNvCxnSpPr>
             <p:nvPr/>
           </p:nvCxnSpPr>
           <p:spPr>
-            <a:xfrm>
-              <a:off x="5912647" y="2190705"/>
-              <a:ext cx="0" cy="140140"/>
+            <a:xfrm flipH="1">
+              <a:off x="5912444" y="1468946"/>
+              <a:ext cx="5000" cy="252280"/>
             </a:xfrm>
             <a:prstGeom prst="line">
               <a:avLst/>
@@ -14255,3016 +14144,3945 @@
           </a:p>
         </p:txBody>
       </p:sp>
-      <p:grpSp>
-        <p:nvGrpSpPr>
-          <p:cNvPr id="52" name="Gruppieren 51">
-            <a:extLst>
-              <a:ext uri="{FF2B5EF4-FFF2-40B4-BE49-F238E27FC236}">
-                <a16:creationId xmlns:a16="http://schemas.microsoft.com/office/drawing/2014/main" id="{132C3627-B717-46FC-945B-DAF99F6EFE28}"/>
-              </a:ext>
-            </a:extLst>
-          </p:cNvPr>
-          <p:cNvGrpSpPr/>
+      <p:sp>
+        <p:nvSpPr>
+          <p:cNvPr id="6" name="Rechteck 5">
+            <a:extLst>
+              <a:ext uri="{FF2B5EF4-FFF2-40B4-BE49-F238E27FC236}">
+                <a16:creationId xmlns:a16="http://schemas.microsoft.com/office/drawing/2014/main" id="{5EF1C06A-6DFC-4995-9AB3-D0149E721585}"/>
+              </a:ext>
+            </a:extLst>
+          </p:cNvPr>
+          <p:cNvSpPr/>
           <p:nvPr/>
-        </p:nvGrpSpPr>
-        <p:grpSpPr>
+        </p:nvSpPr>
+        <p:spPr>
           <a:xfrm>
-            <a:off x="166344" y="453401"/>
-            <a:ext cx="11859312" cy="5636124"/>
-            <a:chOff x="-1852394" y="-1354410"/>
-            <a:chExt cx="17105012" cy="8129137"/>
-          </a:xfrm>
-        </p:grpSpPr>
-        <p:sp>
-          <p:nvSpPr>
-            <p:cNvPr id="6" name="Rechteck 5">
-              <a:extLst>
-                <a:ext uri="{FF2B5EF4-FFF2-40B4-BE49-F238E27FC236}">
-                  <a16:creationId xmlns:a16="http://schemas.microsoft.com/office/drawing/2014/main" id="{5EF1C06A-6DFC-4995-9AB3-D0149E721585}"/>
-                </a:ext>
-              </a:extLst>
-            </p:cNvPr>
-            <p:cNvSpPr/>
-            <p:nvPr/>
-          </p:nvSpPr>
-          <p:spPr>
-            <a:xfrm>
-              <a:off x="615152" y="3021189"/>
-              <a:ext cx="1080120" cy="396045"/>
-            </a:xfrm>
-            <a:prstGeom prst="rect">
-              <a:avLst/>
-            </a:prstGeom>
+            <a:off x="1877152" y="3644645"/>
+            <a:ext cx="748873" cy="274587"/>
+          </a:xfrm>
+          <a:prstGeom prst="rect">
+            <a:avLst/>
+          </a:prstGeom>
+          <a:solidFill>
+            <a:srgbClr val="E33546"/>
+          </a:solidFill>
+          <a:ln>
             <a:solidFill>
-              <a:srgbClr val="E33546"/>
+              <a:srgbClr val="EE0600"/>
             </a:solidFill>
-            <a:ln>
-              <a:solidFill>
-                <a:srgbClr val="EE0600"/>
-              </a:solidFill>
-            </a:ln>
-          </p:spPr>
-          <p:style>
-            <a:lnRef idx="2">
-              <a:schemeClr val="accent1">
-                <a:shade val="50000"/>
-              </a:schemeClr>
-            </a:lnRef>
-            <a:fillRef idx="1">
-              <a:schemeClr val="accent1"/>
-            </a:fillRef>
-            <a:effectRef idx="0">
-              <a:schemeClr val="accent1"/>
-            </a:effectRef>
-            <a:fontRef idx="minor">
-              <a:schemeClr val="lt1"/>
-            </a:fontRef>
-          </p:style>
-          <p:txBody>
-            <a:bodyPr rtlCol="0" anchor="ctr"/>
-            <a:lstStyle/>
-            <a:p>
-              <a:pPr algn="ctr"/>
-              <a:r>
-                <a:rPr lang="en-GB" sz="1200"/>
-                <a:t>user</a:t>
-              </a:r>
-            </a:p>
-          </p:txBody>
-        </p:sp>
-        <p:sp>
-          <p:nvSpPr>
-            <p:cNvPr id="7" name="Rechteck 6">
-              <a:extLst>
-                <a:ext uri="{FF2B5EF4-FFF2-40B4-BE49-F238E27FC236}">
-                  <a16:creationId xmlns:a16="http://schemas.microsoft.com/office/drawing/2014/main" id="{C08F767F-CCE4-4A90-ABD8-89794D25FE93}"/>
-                </a:ext>
-              </a:extLst>
-            </p:cNvPr>
-            <p:cNvSpPr/>
-            <p:nvPr/>
-          </p:nvSpPr>
-          <p:spPr>
-            <a:xfrm>
-              <a:off x="3709090" y="4109033"/>
-              <a:ext cx="1080120" cy="396045"/>
-            </a:xfrm>
-            <a:prstGeom prst="rect">
-              <a:avLst/>
-            </a:prstGeom>
+          </a:ln>
+        </p:spPr>
+        <p:style>
+          <a:lnRef idx="2">
+            <a:schemeClr val="accent1">
+              <a:shade val="50000"/>
+            </a:schemeClr>
+          </a:lnRef>
+          <a:fillRef idx="1">
+            <a:schemeClr val="accent1"/>
+          </a:fillRef>
+          <a:effectRef idx="0">
+            <a:schemeClr val="accent1"/>
+          </a:effectRef>
+          <a:fontRef idx="minor">
+            <a:schemeClr val="lt1"/>
+          </a:fontRef>
+        </p:style>
+        <p:txBody>
+          <a:bodyPr rtlCol="0" anchor="ctr"/>
+          <a:lstStyle/>
+          <a:p>
+            <a:pPr algn="ctr"/>
+            <a:r>
+              <a:rPr lang="en-GB" sz="1200"/>
+              <a:t>user</a:t>
+            </a:r>
+          </a:p>
+        </p:txBody>
+      </p:sp>
+      <p:sp>
+        <p:nvSpPr>
+          <p:cNvPr id="7" name="Rechteck 6">
+            <a:extLst>
+              <a:ext uri="{FF2B5EF4-FFF2-40B4-BE49-F238E27FC236}">
+                <a16:creationId xmlns:a16="http://schemas.microsoft.com/office/drawing/2014/main" id="{C08F767F-CCE4-4A90-ABD8-89794D25FE93}"/>
+              </a:ext>
+            </a:extLst>
+          </p:cNvPr>
+          <p:cNvSpPr/>
+          <p:nvPr/>
+        </p:nvSpPr>
+        <p:spPr>
+          <a:xfrm>
+            <a:off x="4022253" y="4398873"/>
+            <a:ext cx="748873" cy="274587"/>
+          </a:xfrm>
+          <a:prstGeom prst="rect">
+            <a:avLst/>
+          </a:prstGeom>
+          <a:solidFill>
+            <a:srgbClr val="9B0723"/>
+          </a:solidFill>
+        </p:spPr>
+        <p:style>
+          <a:lnRef idx="2">
+            <a:schemeClr val="accent1">
+              <a:shade val="50000"/>
+            </a:schemeClr>
+          </a:lnRef>
+          <a:fillRef idx="1">
+            <a:schemeClr val="accent1"/>
+          </a:fillRef>
+          <a:effectRef idx="0">
+            <a:schemeClr val="accent1"/>
+          </a:effectRef>
+          <a:fontRef idx="minor">
+            <a:schemeClr val="lt1"/>
+          </a:fontRef>
+        </p:style>
+        <p:txBody>
+          <a:bodyPr rtlCol="0" anchor="ctr"/>
+          <a:lstStyle/>
+          <a:p>
+            <a:pPr algn="ctr"/>
+            <a:r>
+              <a:rPr lang="en-GB" sz="1200"/>
+              <a:t>teacher</a:t>
+            </a:r>
+          </a:p>
+        </p:txBody>
+      </p:sp>
+      <p:sp>
+        <p:nvSpPr>
+          <p:cNvPr id="8" name="Rechteck 7">
+            <a:extLst>
+              <a:ext uri="{FF2B5EF4-FFF2-40B4-BE49-F238E27FC236}">
+                <a16:creationId xmlns:a16="http://schemas.microsoft.com/office/drawing/2014/main" id="{38524DDC-A19E-4D4D-B93D-6848310C8019}"/>
+              </a:ext>
+            </a:extLst>
+          </p:cNvPr>
+          <p:cNvSpPr/>
+          <p:nvPr/>
+        </p:nvSpPr>
+        <p:spPr>
+          <a:xfrm>
+            <a:off x="4022253" y="2945697"/>
+            <a:ext cx="748873" cy="274587"/>
+          </a:xfrm>
+          <a:prstGeom prst="rect">
+            <a:avLst/>
+          </a:prstGeom>
+          <a:solidFill>
+            <a:srgbClr val="9B0723"/>
+          </a:solidFill>
+        </p:spPr>
+        <p:style>
+          <a:lnRef idx="2">
+            <a:schemeClr val="accent1">
+              <a:shade val="50000"/>
+            </a:schemeClr>
+          </a:lnRef>
+          <a:fillRef idx="1">
+            <a:schemeClr val="accent1"/>
+          </a:fillRef>
+          <a:effectRef idx="0">
+            <a:schemeClr val="accent1"/>
+          </a:effectRef>
+          <a:fontRef idx="minor">
+            <a:schemeClr val="lt1"/>
+          </a:fontRef>
+        </p:style>
+        <p:txBody>
+          <a:bodyPr rtlCol="0" anchor="ctr"/>
+          <a:lstStyle/>
+          <a:p>
+            <a:pPr algn="ctr"/>
+            <a:r>
+              <a:rPr lang="en-GB" sz="1200"/>
+              <a:t>admin</a:t>
+            </a:r>
+          </a:p>
+        </p:txBody>
+      </p:sp>
+      <p:sp>
+        <p:nvSpPr>
+          <p:cNvPr id="9" name="Rechteck 8">
+            <a:extLst>
+              <a:ext uri="{FF2B5EF4-FFF2-40B4-BE49-F238E27FC236}">
+                <a16:creationId xmlns:a16="http://schemas.microsoft.com/office/drawing/2014/main" id="{2B0ED85C-4EDE-448C-B644-C60CF39ED89E}"/>
+              </a:ext>
+            </a:extLst>
+          </p:cNvPr>
+          <p:cNvSpPr/>
+          <p:nvPr/>
+        </p:nvSpPr>
+        <p:spPr>
+          <a:xfrm>
+            <a:off x="4022253" y="3644645"/>
+            <a:ext cx="748873" cy="274587"/>
+          </a:xfrm>
+          <a:prstGeom prst="rect">
+            <a:avLst/>
+          </a:prstGeom>
+          <a:solidFill>
+            <a:srgbClr val="9B0723"/>
+          </a:solidFill>
+        </p:spPr>
+        <p:style>
+          <a:lnRef idx="2">
+            <a:schemeClr val="accent1">
+              <a:shade val="50000"/>
+            </a:schemeClr>
+          </a:lnRef>
+          <a:fillRef idx="1">
+            <a:schemeClr val="accent1"/>
+          </a:fillRef>
+          <a:effectRef idx="0">
+            <a:schemeClr val="accent1"/>
+          </a:effectRef>
+          <a:fontRef idx="minor">
+            <a:schemeClr val="lt1"/>
+          </a:fontRef>
+        </p:style>
+        <p:txBody>
+          <a:bodyPr rtlCol="0" anchor="ctr"/>
+          <a:lstStyle/>
+          <a:p>
+            <a:pPr algn="ctr"/>
+            <a:r>
+              <a:rPr lang="en-GB" sz="1200"/>
+              <a:t>student</a:t>
+            </a:r>
+          </a:p>
+        </p:txBody>
+      </p:sp>
+      <p:sp>
+        <p:nvSpPr>
+          <p:cNvPr id="10" name="Rechteck 9">
+            <a:extLst>
+              <a:ext uri="{FF2B5EF4-FFF2-40B4-BE49-F238E27FC236}">
+                <a16:creationId xmlns:a16="http://schemas.microsoft.com/office/drawing/2014/main" id="{BE512772-65C8-4CA9-8C61-C77071289607}"/>
+              </a:ext>
+            </a:extLst>
+          </p:cNvPr>
+          <p:cNvSpPr/>
+          <p:nvPr/>
+        </p:nvSpPr>
+        <p:spPr>
+          <a:xfrm>
+            <a:off x="6408173" y="3519832"/>
+            <a:ext cx="748873" cy="274587"/>
+          </a:xfrm>
+          <a:prstGeom prst="rect">
+            <a:avLst/>
+          </a:prstGeom>
+          <a:solidFill>
+            <a:srgbClr val="072ABD"/>
+          </a:solidFill>
+        </p:spPr>
+        <p:style>
+          <a:lnRef idx="2">
+            <a:schemeClr val="accent1">
+              <a:shade val="50000"/>
+            </a:schemeClr>
+          </a:lnRef>
+          <a:fillRef idx="1">
+            <a:schemeClr val="accent1"/>
+          </a:fillRef>
+          <a:effectRef idx="0">
+            <a:schemeClr val="accent1"/>
+          </a:effectRef>
+          <a:fontRef idx="minor">
+            <a:schemeClr val="lt1"/>
+          </a:fontRef>
+        </p:style>
+        <p:txBody>
+          <a:bodyPr rtlCol="0" anchor="ctr"/>
+          <a:lstStyle/>
+          <a:p>
+            <a:pPr algn="ctr"/>
+            <a:r>
+              <a:rPr lang="en-GB" sz="1200"/>
+              <a:t>class</a:t>
+            </a:r>
+          </a:p>
+        </p:txBody>
+      </p:sp>
+      <p:sp>
+        <p:nvSpPr>
+          <p:cNvPr id="11" name="Raute 10">
+            <a:extLst>
+              <a:ext uri="{FF2B5EF4-FFF2-40B4-BE49-F238E27FC236}">
+                <a16:creationId xmlns:a16="http://schemas.microsoft.com/office/drawing/2014/main" id="{599C8013-F31F-42D3-B3F1-EF22759074CF}"/>
+              </a:ext>
+            </a:extLst>
+          </p:cNvPr>
+          <p:cNvSpPr/>
+          <p:nvPr/>
+        </p:nvSpPr>
+        <p:spPr>
+          <a:xfrm>
+            <a:off x="3042025" y="3567438"/>
+            <a:ext cx="861358" cy="424361"/>
+          </a:xfrm>
+          <a:prstGeom prst="diamond">
+            <a:avLst/>
+          </a:prstGeom>
+          <a:solidFill>
+            <a:srgbClr val="F098A5"/>
+          </a:solidFill>
+          <a:ln>
             <a:solidFill>
-              <a:srgbClr val="9B0723"/>
+              <a:srgbClr val="C876A3"/>
             </a:solidFill>
-          </p:spPr>
-          <p:style>
-            <a:lnRef idx="2">
-              <a:schemeClr val="accent1">
-                <a:shade val="50000"/>
-              </a:schemeClr>
-            </a:lnRef>
-            <a:fillRef idx="1">
-              <a:schemeClr val="accent1"/>
-            </a:fillRef>
-            <a:effectRef idx="0">
-              <a:schemeClr val="accent1"/>
-            </a:effectRef>
-            <a:fontRef idx="minor">
-              <a:schemeClr val="lt1"/>
-            </a:fontRef>
-          </p:style>
-          <p:txBody>
-            <a:bodyPr rtlCol="0" anchor="ctr"/>
-            <a:lstStyle/>
-            <a:p>
-              <a:pPr algn="ctr"/>
-              <a:r>
-                <a:rPr lang="en-GB" sz="1200"/>
-                <a:t>teacher</a:t>
-              </a:r>
-            </a:p>
-          </p:txBody>
-        </p:sp>
-        <p:sp>
-          <p:nvSpPr>
-            <p:cNvPr id="8" name="Rechteck 7">
-              <a:extLst>
-                <a:ext uri="{FF2B5EF4-FFF2-40B4-BE49-F238E27FC236}">
-                  <a16:creationId xmlns:a16="http://schemas.microsoft.com/office/drawing/2014/main" id="{38524DDC-A19E-4D4D-B93D-6848310C8019}"/>
-                </a:ext>
-              </a:extLst>
-            </p:cNvPr>
-            <p:cNvSpPr/>
-            <p:nvPr/>
-          </p:nvSpPr>
-          <p:spPr>
-            <a:xfrm>
-              <a:off x="3709090" y="2013077"/>
-              <a:ext cx="1080120" cy="396045"/>
-            </a:xfrm>
-            <a:prstGeom prst="rect">
-              <a:avLst/>
-            </a:prstGeom>
-            <a:solidFill>
-              <a:srgbClr val="9B0723"/>
-            </a:solidFill>
-          </p:spPr>
-          <p:style>
-            <a:lnRef idx="2">
-              <a:schemeClr val="accent1">
-                <a:shade val="50000"/>
-              </a:schemeClr>
-            </a:lnRef>
-            <a:fillRef idx="1">
-              <a:schemeClr val="accent1"/>
-            </a:fillRef>
-            <a:effectRef idx="0">
-              <a:schemeClr val="accent1"/>
-            </a:effectRef>
-            <a:fontRef idx="minor">
-              <a:schemeClr val="lt1"/>
-            </a:fontRef>
-          </p:style>
-          <p:txBody>
-            <a:bodyPr rtlCol="0" anchor="ctr"/>
-            <a:lstStyle/>
-            <a:p>
-              <a:pPr algn="ctr"/>
-              <a:r>
-                <a:rPr lang="en-GB" sz="1200"/>
-                <a:t>admin</a:t>
-              </a:r>
-            </a:p>
-          </p:txBody>
-        </p:sp>
-        <p:sp>
-          <p:nvSpPr>
-            <p:cNvPr id="9" name="Rechteck 8">
-              <a:extLst>
-                <a:ext uri="{FF2B5EF4-FFF2-40B4-BE49-F238E27FC236}">
-                  <a16:creationId xmlns:a16="http://schemas.microsoft.com/office/drawing/2014/main" id="{2B0ED85C-4EDE-448C-B644-C60CF39ED89E}"/>
-                </a:ext>
-              </a:extLst>
-            </p:cNvPr>
-            <p:cNvSpPr/>
-            <p:nvPr/>
-          </p:nvSpPr>
-          <p:spPr>
-            <a:xfrm>
-              <a:off x="3709090" y="3021189"/>
-              <a:ext cx="1080120" cy="396045"/>
-            </a:xfrm>
-            <a:prstGeom prst="rect">
-              <a:avLst/>
-            </a:prstGeom>
-            <a:solidFill>
-              <a:srgbClr val="9B0723"/>
-            </a:solidFill>
-          </p:spPr>
-          <p:style>
-            <a:lnRef idx="2">
-              <a:schemeClr val="accent1">
-                <a:shade val="50000"/>
-              </a:schemeClr>
-            </a:lnRef>
-            <a:fillRef idx="1">
-              <a:schemeClr val="accent1"/>
-            </a:fillRef>
-            <a:effectRef idx="0">
-              <a:schemeClr val="accent1"/>
-            </a:effectRef>
-            <a:fontRef idx="minor">
-              <a:schemeClr val="lt1"/>
-            </a:fontRef>
-          </p:style>
-          <p:txBody>
-            <a:bodyPr rtlCol="0" anchor="ctr"/>
-            <a:lstStyle/>
-            <a:p>
-              <a:pPr algn="ctr"/>
-              <a:r>
-                <a:rPr lang="en-GB" sz="1200"/>
-                <a:t>student</a:t>
-              </a:r>
-            </a:p>
-          </p:txBody>
-        </p:sp>
-        <p:sp>
-          <p:nvSpPr>
-            <p:cNvPr id="10" name="Rechteck 9">
-              <a:extLst>
-                <a:ext uri="{FF2B5EF4-FFF2-40B4-BE49-F238E27FC236}">
-                  <a16:creationId xmlns:a16="http://schemas.microsoft.com/office/drawing/2014/main" id="{BE512772-65C8-4CA9-8C61-C77071289607}"/>
-                </a:ext>
-              </a:extLst>
-            </p:cNvPr>
-            <p:cNvSpPr/>
-            <p:nvPr/>
-          </p:nvSpPr>
-          <p:spPr>
-            <a:xfrm>
-              <a:off x="7150368" y="2841168"/>
-              <a:ext cx="1080120" cy="396045"/>
-            </a:xfrm>
-            <a:prstGeom prst="rect">
-              <a:avLst/>
-            </a:prstGeom>
-            <a:solidFill>
-              <a:srgbClr val="072ABD"/>
-            </a:solidFill>
-          </p:spPr>
-          <p:style>
-            <a:lnRef idx="2">
-              <a:schemeClr val="accent1">
-                <a:shade val="50000"/>
-              </a:schemeClr>
-            </a:lnRef>
-            <a:fillRef idx="1">
-              <a:schemeClr val="accent1"/>
-            </a:fillRef>
-            <a:effectRef idx="0">
-              <a:schemeClr val="accent1"/>
-            </a:effectRef>
-            <a:fontRef idx="minor">
-              <a:schemeClr val="lt1"/>
-            </a:fontRef>
-          </p:style>
-          <p:txBody>
-            <a:bodyPr rtlCol="0" anchor="ctr"/>
-            <a:lstStyle/>
-            <a:p>
-              <a:pPr algn="ctr"/>
-              <a:r>
-                <a:rPr lang="en-GB" sz="1200"/>
-                <a:t>class</a:t>
-              </a:r>
-            </a:p>
-          </p:txBody>
-        </p:sp>
-        <p:sp>
-          <p:nvSpPr>
-            <p:cNvPr id="11" name="Raute 10">
-              <a:extLst>
-                <a:ext uri="{FF2B5EF4-FFF2-40B4-BE49-F238E27FC236}">
-                  <a16:creationId xmlns:a16="http://schemas.microsoft.com/office/drawing/2014/main" id="{599C8013-F31F-42D3-B3F1-EF22759074CF}"/>
-                </a:ext>
-              </a:extLst>
-            </p:cNvPr>
-            <p:cNvSpPr/>
-            <p:nvPr/>
-          </p:nvSpPr>
-          <p:spPr>
-            <a:xfrm>
-              <a:off x="2529528" y="2909832"/>
-              <a:ext cx="1008112" cy="612067"/>
-            </a:xfrm>
-            <a:prstGeom prst="diamond">
-              <a:avLst/>
-            </a:prstGeom>
-            <a:solidFill>
-              <a:srgbClr val="F098A5"/>
-            </a:solidFill>
-            <a:ln>
-              <a:solidFill>
-                <a:srgbClr val="C876A3"/>
-              </a:solidFill>
-            </a:ln>
-          </p:spPr>
-          <p:style>
-            <a:lnRef idx="2">
-              <a:schemeClr val="accent1">
-                <a:shade val="50000"/>
-              </a:schemeClr>
-            </a:lnRef>
-            <a:fillRef idx="1">
-              <a:schemeClr val="accent1"/>
-            </a:fillRef>
-            <a:effectRef idx="0">
-              <a:schemeClr val="accent1"/>
-            </a:effectRef>
-            <a:fontRef idx="minor">
-              <a:schemeClr val="lt1"/>
-            </a:fontRef>
-          </p:style>
-          <p:txBody>
-            <a:bodyPr rtlCol="0" anchor="ctr"/>
-            <a:lstStyle/>
-            <a:p>
-              <a:pPr algn="ctr"/>
-              <a:r>
-                <a:rPr lang="en-GB" sz="1050"/>
-                <a:t>Is_A</a:t>
-              </a:r>
-            </a:p>
-          </p:txBody>
-        </p:sp>
-        <p:sp>
-          <p:nvSpPr>
-            <p:cNvPr id="12" name="Raute 11">
-              <a:extLst>
-                <a:ext uri="{FF2B5EF4-FFF2-40B4-BE49-F238E27FC236}">
-                  <a16:creationId xmlns:a16="http://schemas.microsoft.com/office/drawing/2014/main" id="{55561BE3-278C-4C79-A7B3-A053A8C33B32}"/>
-                </a:ext>
-              </a:extLst>
-            </p:cNvPr>
-            <p:cNvSpPr/>
-            <p:nvPr/>
-          </p:nvSpPr>
-          <p:spPr>
-            <a:xfrm>
-              <a:off x="5234627" y="2350428"/>
-              <a:ext cx="1619644" cy="612067"/>
-            </a:xfrm>
-            <a:prstGeom prst="diamond">
-              <a:avLst/>
-            </a:prstGeom>
-            <a:solidFill>
-              <a:schemeClr val="accent4">
-                <a:lumMod val="60000"/>
-                <a:lumOff val="40000"/>
-              </a:schemeClr>
-            </a:solidFill>
-          </p:spPr>
-          <p:style>
-            <a:lnRef idx="2">
-              <a:schemeClr val="accent1">
-                <a:shade val="50000"/>
-              </a:schemeClr>
-            </a:lnRef>
-            <a:fillRef idx="1">
-              <a:schemeClr val="accent1"/>
-            </a:fillRef>
-            <a:effectRef idx="0">
-              <a:schemeClr val="accent1"/>
-            </a:effectRef>
-            <a:fontRef idx="minor">
-              <a:schemeClr val="lt1"/>
-            </a:fontRef>
-          </p:style>
-          <p:txBody>
-            <a:bodyPr rtlCol="0" anchor="ctr"/>
-            <a:lstStyle/>
-            <a:p>
-              <a:pPr algn="ctr"/>
-              <a:r>
-                <a:rPr lang="en-GB" sz="1200"/>
-                <a:t>take</a:t>
-              </a:r>
-            </a:p>
-          </p:txBody>
-        </p:sp>
-        <p:sp>
-          <p:nvSpPr>
-            <p:cNvPr id="13" name="Raute 12">
-              <a:extLst>
-                <a:ext uri="{FF2B5EF4-FFF2-40B4-BE49-F238E27FC236}">
-                  <a16:creationId xmlns:a16="http://schemas.microsoft.com/office/drawing/2014/main" id="{F7D5039B-F542-4A04-A030-E348978ADF0C}"/>
-                </a:ext>
-              </a:extLst>
-            </p:cNvPr>
-            <p:cNvSpPr/>
-            <p:nvPr/>
-          </p:nvSpPr>
-          <p:spPr>
-            <a:xfrm>
-              <a:off x="4925284" y="3259078"/>
-              <a:ext cx="2238331" cy="612067"/>
-            </a:xfrm>
-            <a:prstGeom prst="diamond">
-              <a:avLst/>
-            </a:prstGeom>
-            <a:solidFill>
-              <a:schemeClr val="accent4">
-                <a:lumMod val="60000"/>
-                <a:lumOff val="40000"/>
-              </a:schemeClr>
-            </a:solidFill>
-          </p:spPr>
-          <p:style>
-            <a:lnRef idx="2">
-              <a:schemeClr val="accent1">
-                <a:shade val="50000"/>
-              </a:schemeClr>
-            </a:lnRef>
-            <a:fillRef idx="1">
-              <a:schemeClr val="accent1"/>
-            </a:fillRef>
-            <a:effectRef idx="0">
-              <a:schemeClr val="accent1"/>
-            </a:effectRef>
-            <a:fontRef idx="minor">
-              <a:schemeClr val="lt1"/>
-            </a:fontRef>
-          </p:style>
-          <p:txBody>
-            <a:bodyPr rtlCol="0" anchor="ctr"/>
-            <a:lstStyle/>
-            <a:p>
-              <a:pPr algn="ctr"/>
-              <a:r>
-                <a:rPr lang="en-GB" sz="1100" dirty="0"/>
-                <a:t>represents</a:t>
-              </a:r>
-            </a:p>
-          </p:txBody>
-        </p:sp>
-        <p:sp>
-          <p:nvSpPr>
-            <p:cNvPr id="14" name="Raute 13">
-              <a:extLst>
-                <a:ext uri="{FF2B5EF4-FFF2-40B4-BE49-F238E27FC236}">
-                  <a16:creationId xmlns:a16="http://schemas.microsoft.com/office/drawing/2014/main" id="{4074688C-51DB-4C7B-A094-7BD7F82F3D64}"/>
-                </a:ext>
-              </a:extLst>
-            </p:cNvPr>
-            <p:cNvSpPr/>
-            <p:nvPr/>
-          </p:nvSpPr>
-          <p:spPr>
-            <a:xfrm>
-              <a:off x="6944101" y="3975812"/>
-              <a:ext cx="1511280" cy="665681"/>
-            </a:xfrm>
-            <a:prstGeom prst="diamond">
-              <a:avLst/>
-            </a:prstGeom>
-            <a:solidFill>
-              <a:schemeClr val="accent4">
-                <a:lumMod val="60000"/>
-                <a:lumOff val="40000"/>
-              </a:schemeClr>
-            </a:solidFill>
-          </p:spPr>
-          <p:style>
-            <a:lnRef idx="2">
-              <a:schemeClr val="accent1">
-                <a:shade val="50000"/>
-              </a:schemeClr>
-            </a:lnRef>
-            <a:fillRef idx="1">
-              <a:schemeClr val="accent1"/>
-            </a:fillRef>
-            <a:effectRef idx="0">
-              <a:schemeClr val="accent1"/>
-            </a:effectRef>
-            <a:fontRef idx="minor">
-              <a:schemeClr val="lt1"/>
-            </a:fontRef>
-          </p:style>
-          <p:txBody>
-            <a:bodyPr rtlCol="0" anchor="ctr"/>
-            <a:lstStyle/>
-            <a:p>
-              <a:pPr algn="ctr"/>
-              <a:r>
-                <a:rPr lang="en-GB" sz="1050"/>
-                <a:t>teaches</a:t>
-              </a:r>
-            </a:p>
-          </p:txBody>
-        </p:sp>
-        <p:cxnSp>
-          <p:nvCxnSpPr>
-            <p:cNvPr id="15" name="Gerade Verbindung 14">
-              <a:extLst>
-                <a:ext uri="{FF2B5EF4-FFF2-40B4-BE49-F238E27FC236}">
-                  <a16:creationId xmlns:a16="http://schemas.microsoft.com/office/drawing/2014/main" id="{EC85601B-D569-4172-938F-75E16810D3FD}"/>
-                </a:ext>
-              </a:extLst>
-            </p:cNvPr>
-            <p:cNvCxnSpPr>
-              <a:cxnSpLocks/>
-              <a:stCxn id="7" idx="3"/>
-              <a:endCxn id="14" idx="1"/>
-            </p:cNvCxnSpPr>
-            <p:nvPr/>
-          </p:nvCxnSpPr>
-          <p:spPr>
-            <a:xfrm>
-              <a:off x="4789210" y="4307056"/>
-              <a:ext cx="2154891" cy="1597"/>
-            </a:xfrm>
-            <a:prstGeom prst="line">
-              <a:avLst/>
-            </a:prstGeom>
-          </p:spPr>
-          <p:style>
-            <a:lnRef idx="1">
-              <a:schemeClr val="accent1"/>
-            </a:lnRef>
-            <a:fillRef idx="0">
-              <a:schemeClr val="accent1"/>
-            </a:fillRef>
-            <a:effectRef idx="0">
-              <a:schemeClr val="accent1"/>
-            </a:effectRef>
-            <a:fontRef idx="minor">
-              <a:schemeClr val="tx1"/>
-            </a:fontRef>
-          </p:style>
-        </p:cxnSp>
-        <p:cxnSp>
-          <p:nvCxnSpPr>
-            <p:cNvPr id="16" name="Gerade Verbindung 16">
-              <a:extLst>
-                <a:ext uri="{FF2B5EF4-FFF2-40B4-BE49-F238E27FC236}">
-                  <a16:creationId xmlns:a16="http://schemas.microsoft.com/office/drawing/2014/main" id="{25A59ADA-85AF-43A2-AEFA-B02D05BC2D2D}"/>
-                </a:ext>
-              </a:extLst>
-            </p:cNvPr>
-            <p:cNvCxnSpPr>
-              <a:cxnSpLocks/>
-              <a:stCxn id="14" idx="0"/>
-              <a:endCxn id="10" idx="2"/>
-            </p:cNvCxnSpPr>
-            <p:nvPr/>
-          </p:nvCxnSpPr>
-          <p:spPr>
-            <a:xfrm flipH="1" flipV="1">
-              <a:off x="7690428" y="3237213"/>
-              <a:ext cx="9313" cy="738599"/>
-            </a:xfrm>
-            <a:prstGeom prst="line">
-              <a:avLst/>
-            </a:prstGeom>
-          </p:spPr>
-          <p:style>
-            <a:lnRef idx="1">
-              <a:schemeClr val="accent1"/>
-            </a:lnRef>
-            <a:fillRef idx="0">
-              <a:schemeClr val="accent1"/>
-            </a:fillRef>
-            <a:effectRef idx="0">
-              <a:schemeClr val="accent1"/>
-            </a:effectRef>
-            <a:fontRef idx="minor">
-              <a:schemeClr val="tx1"/>
-            </a:fontRef>
-          </p:style>
-        </p:cxnSp>
-        <p:cxnSp>
-          <p:nvCxnSpPr>
-            <p:cNvPr id="17" name="Gerade Verbindung 18">
-              <a:extLst>
-                <a:ext uri="{FF2B5EF4-FFF2-40B4-BE49-F238E27FC236}">
-                  <a16:creationId xmlns:a16="http://schemas.microsoft.com/office/drawing/2014/main" id="{6E91DA89-B0F2-48CD-93FF-5DF509EC0AE2}"/>
-                </a:ext>
-              </a:extLst>
-            </p:cNvPr>
-            <p:cNvCxnSpPr>
-              <a:cxnSpLocks/>
-              <a:stCxn id="9" idx="3"/>
-              <a:endCxn id="13" idx="1"/>
-            </p:cNvCxnSpPr>
-            <p:nvPr/>
-          </p:nvCxnSpPr>
-          <p:spPr>
-            <a:xfrm>
-              <a:off x="4789210" y="3219212"/>
-              <a:ext cx="136074" cy="345900"/>
-            </a:xfrm>
-            <a:prstGeom prst="line">
-              <a:avLst/>
-            </a:prstGeom>
-          </p:spPr>
-          <p:style>
-            <a:lnRef idx="1">
-              <a:schemeClr val="accent1"/>
-            </a:lnRef>
-            <a:fillRef idx="0">
-              <a:schemeClr val="accent1"/>
-            </a:fillRef>
-            <a:effectRef idx="0">
-              <a:schemeClr val="accent1"/>
-            </a:effectRef>
-            <a:fontRef idx="minor">
-              <a:schemeClr val="tx1"/>
-            </a:fontRef>
-          </p:style>
-        </p:cxnSp>
-        <p:cxnSp>
-          <p:nvCxnSpPr>
-            <p:cNvPr id="18" name="Gerade Verbindung 21">
-              <a:extLst>
-                <a:ext uri="{FF2B5EF4-FFF2-40B4-BE49-F238E27FC236}">
-                  <a16:creationId xmlns:a16="http://schemas.microsoft.com/office/drawing/2014/main" id="{A9BADF41-8746-4755-A660-8C89A0D6B1AE}"/>
-                </a:ext>
-              </a:extLst>
-            </p:cNvPr>
-            <p:cNvCxnSpPr>
-              <a:stCxn id="9" idx="3"/>
-              <a:endCxn id="12" idx="1"/>
-            </p:cNvCxnSpPr>
-            <p:nvPr/>
-          </p:nvCxnSpPr>
-          <p:spPr>
-            <a:xfrm flipV="1">
-              <a:off x="4789210" y="2656462"/>
-              <a:ext cx="445417" cy="562750"/>
-            </a:xfrm>
-            <a:prstGeom prst="line">
-              <a:avLst/>
-            </a:prstGeom>
-          </p:spPr>
-          <p:style>
-            <a:lnRef idx="1">
-              <a:schemeClr val="accent1"/>
-            </a:lnRef>
-            <a:fillRef idx="0">
-              <a:schemeClr val="accent1"/>
-            </a:fillRef>
-            <a:effectRef idx="0">
-              <a:schemeClr val="accent1"/>
-            </a:effectRef>
-            <a:fontRef idx="minor">
-              <a:schemeClr val="tx1"/>
-            </a:fontRef>
-          </p:style>
-        </p:cxnSp>
-        <p:cxnSp>
-          <p:nvCxnSpPr>
-            <p:cNvPr id="19" name="Gerade Verbindung 24">
-              <a:extLst>
-                <a:ext uri="{FF2B5EF4-FFF2-40B4-BE49-F238E27FC236}">
-                  <a16:creationId xmlns:a16="http://schemas.microsoft.com/office/drawing/2014/main" id="{893B2B93-357E-43F6-8B5E-2C091EE41EA0}"/>
-                </a:ext>
-              </a:extLst>
-            </p:cNvPr>
-            <p:cNvCxnSpPr>
-              <a:stCxn id="12" idx="3"/>
-              <a:endCxn id="10" idx="1"/>
-            </p:cNvCxnSpPr>
-            <p:nvPr/>
-          </p:nvCxnSpPr>
-          <p:spPr>
-            <a:xfrm>
-              <a:off x="6854271" y="2656462"/>
-              <a:ext cx="296097" cy="382729"/>
-            </a:xfrm>
-            <a:prstGeom prst="line">
-              <a:avLst/>
-            </a:prstGeom>
-          </p:spPr>
-          <p:style>
-            <a:lnRef idx="1">
-              <a:schemeClr val="accent1"/>
-            </a:lnRef>
-            <a:fillRef idx="0">
-              <a:schemeClr val="accent1"/>
-            </a:fillRef>
-            <a:effectRef idx="0">
-              <a:schemeClr val="accent1"/>
-            </a:effectRef>
-            <a:fontRef idx="minor">
-              <a:schemeClr val="tx1"/>
-            </a:fontRef>
-          </p:style>
-        </p:cxnSp>
-        <p:cxnSp>
-          <p:nvCxnSpPr>
-            <p:cNvPr id="20" name="Gerade Verbindung 26">
-              <a:extLst>
-                <a:ext uri="{FF2B5EF4-FFF2-40B4-BE49-F238E27FC236}">
-                  <a16:creationId xmlns:a16="http://schemas.microsoft.com/office/drawing/2014/main" id="{F4BCB205-3952-4C1E-8BFA-D839FD64E8C4}"/>
-                </a:ext>
-              </a:extLst>
-            </p:cNvPr>
-            <p:cNvCxnSpPr>
-              <a:cxnSpLocks/>
-              <a:stCxn id="13" idx="3"/>
-              <a:endCxn id="10" idx="1"/>
-            </p:cNvCxnSpPr>
-            <p:nvPr/>
-          </p:nvCxnSpPr>
-          <p:spPr>
-            <a:xfrm flipH="1" flipV="1">
-              <a:off x="7150368" y="3039191"/>
-              <a:ext cx="13247" cy="525921"/>
-            </a:xfrm>
-            <a:prstGeom prst="line">
-              <a:avLst/>
-            </a:prstGeom>
-          </p:spPr>
-          <p:style>
-            <a:lnRef idx="1">
-              <a:schemeClr val="accent1"/>
-            </a:lnRef>
-            <a:fillRef idx="0">
-              <a:schemeClr val="accent1"/>
-            </a:fillRef>
-            <a:effectRef idx="0">
-              <a:schemeClr val="accent1"/>
-            </a:effectRef>
-            <a:fontRef idx="minor">
-              <a:schemeClr val="tx1"/>
-            </a:fontRef>
-          </p:style>
-        </p:cxnSp>
-        <p:cxnSp>
-          <p:nvCxnSpPr>
-            <p:cNvPr id="21" name="Gerade Verbindung 28">
-              <a:extLst>
-                <a:ext uri="{FF2B5EF4-FFF2-40B4-BE49-F238E27FC236}">
-                  <a16:creationId xmlns:a16="http://schemas.microsoft.com/office/drawing/2014/main" id="{92915D86-6CF3-469F-86A1-A9ACAD225569}"/>
-                </a:ext>
-              </a:extLst>
-            </p:cNvPr>
-            <p:cNvCxnSpPr>
-              <a:stCxn id="11" idx="2"/>
-              <a:endCxn id="7" idx="1"/>
-            </p:cNvCxnSpPr>
-            <p:nvPr/>
-          </p:nvCxnSpPr>
-          <p:spPr>
-            <a:xfrm>
-              <a:off x="3033584" y="3521899"/>
-              <a:ext cx="675506" cy="785157"/>
-            </a:xfrm>
-            <a:prstGeom prst="line">
-              <a:avLst/>
-            </a:prstGeom>
-          </p:spPr>
-          <p:style>
-            <a:lnRef idx="1">
-              <a:schemeClr val="accent1"/>
-            </a:lnRef>
-            <a:fillRef idx="0">
-              <a:schemeClr val="accent1"/>
-            </a:fillRef>
-            <a:effectRef idx="0">
-              <a:schemeClr val="accent1"/>
-            </a:effectRef>
-            <a:fontRef idx="minor">
-              <a:schemeClr val="tx1"/>
-            </a:fontRef>
-          </p:style>
-        </p:cxnSp>
-        <p:cxnSp>
-          <p:nvCxnSpPr>
-            <p:cNvPr id="22" name="Gerade Verbindung 1027">
-              <a:extLst>
-                <a:ext uri="{FF2B5EF4-FFF2-40B4-BE49-F238E27FC236}">
-                  <a16:creationId xmlns:a16="http://schemas.microsoft.com/office/drawing/2014/main" id="{3D3469AC-A1F7-44DA-89E2-80DFF033ED8C}"/>
-                </a:ext>
-              </a:extLst>
-            </p:cNvPr>
-            <p:cNvCxnSpPr>
-              <a:stCxn id="11" idx="3"/>
-              <a:endCxn id="9" idx="1"/>
-            </p:cNvCxnSpPr>
-            <p:nvPr/>
-          </p:nvCxnSpPr>
-          <p:spPr>
-            <a:xfrm>
-              <a:off x="3537640" y="3215866"/>
-              <a:ext cx="171450" cy="3346"/>
-            </a:xfrm>
-            <a:prstGeom prst="line">
-              <a:avLst/>
-            </a:prstGeom>
-          </p:spPr>
-          <p:style>
-            <a:lnRef idx="1">
-              <a:schemeClr val="accent1"/>
-            </a:lnRef>
-            <a:fillRef idx="0">
-              <a:schemeClr val="accent1"/>
-            </a:fillRef>
-            <a:effectRef idx="0">
-              <a:schemeClr val="accent1"/>
-            </a:effectRef>
-            <a:fontRef idx="minor">
-              <a:schemeClr val="tx1"/>
-            </a:fontRef>
-          </p:style>
-        </p:cxnSp>
-        <p:cxnSp>
-          <p:nvCxnSpPr>
-            <p:cNvPr id="23" name="Gerade Verbindung 1029">
-              <a:extLst>
-                <a:ext uri="{FF2B5EF4-FFF2-40B4-BE49-F238E27FC236}">
-                  <a16:creationId xmlns:a16="http://schemas.microsoft.com/office/drawing/2014/main" id="{695A2663-9481-49A1-A3FB-6792BA20E2D8}"/>
-                </a:ext>
-              </a:extLst>
-            </p:cNvPr>
-            <p:cNvCxnSpPr>
-              <a:stCxn id="11" idx="0"/>
-              <a:endCxn id="8" idx="1"/>
-            </p:cNvCxnSpPr>
-            <p:nvPr/>
-          </p:nvCxnSpPr>
-          <p:spPr>
-            <a:xfrm flipV="1">
-              <a:off x="3033584" y="2211100"/>
-              <a:ext cx="675506" cy="698732"/>
-            </a:xfrm>
-            <a:prstGeom prst="line">
-              <a:avLst/>
-            </a:prstGeom>
-          </p:spPr>
-          <p:style>
-            <a:lnRef idx="1">
-              <a:schemeClr val="accent1"/>
-            </a:lnRef>
-            <a:fillRef idx="0">
-              <a:schemeClr val="accent1"/>
-            </a:fillRef>
-            <a:effectRef idx="0">
-              <a:schemeClr val="accent1"/>
-            </a:effectRef>
-            <a:fontRef idx="minor">
-              <a:schemeClr val="tx1"/>
-            </a:fontRef>
-          </p:style>
-        </p:cxnSp>
-        <p:cxnSp>
-          <p:nvCxnSpPr>
-            <p:cNvPr id="24" name="Gerade Verbindung 1031">
-              <a:extLst>
-                <a:ext uri="{FF2B5EF4-FFF2-40B4-BE49-F238E27FC236}">
-                  <a16:creationId xmlns:a16="http://schemas.microsoft.com/office/drawing/2014/main" id="{EA7FBD50-A58C-428B-BB38-014C99B7CB6E}"/>
-                </a:ext>
-              </a:extLst>
-            </p:cNvPr>
-            <p:cNvCxnSpPr>
-              <a:stCxn id="11" idx="1"/>
-              <a:endCxn id="6" idx="3"/>
-            </p:cNvCxnSpPr>
-            <p:nvPr/>
-          </p:nvCxnSpPr>
-          <p:spPr>
-            <a:xfrm flipH="1">
-              <a:off x="1695272" y="3215866"/>
-              <a:ext cx="834256" cy="3346"/>
-            </a:xfrm>
-            <a:prstGeom prst="line">
-              <a:avLst/>
-            </a:prstGeom>
-          </p:spPr>
-          <p:style>
-            <a:lnRef idx="1">
-              <a:schemeClr val="accent1"/>
-            </a:lnRef>
-            <a:fillRef idx="0">
-              <a:schemeClr val="accent1"/>
-            </a:fillRef>
-            <a:effectRef idx="0">
-              <a:schemeClr val="accent1"/>
-            </a:effectRef>
-            <a:fontRef idx="minor">
-              <a:schemeClr val="tx1"/>
-            </a:fontRef>
-          </p:style>
-        </p:cxnSp>
-        <p:sp>
-          <p:nvSpPr>
-            <p:cNvPr id="25" name="Ellipse 24">
-              <a:extLst>
-                <a:ext uri="{FF2B5EF4-FFF2-40B4-BE49-F238E27FC236}">
-                  <a16:creationId xmlns:a16="http://schemas.microsoft.com/office/drawing/2014/main" id="{BC49C530-1768-4395-889E-9BCE646617B5}"/>
-                </a:ext>
-              </a:extLst>
-            </p:cNvPr>
-            <p:cNvSpPr/>
-            <p:nvPr/>
-          </p:nvSpPr>
-          <p:spPr>
-            <a:xfrm>
-              <a:off x="6209828" y="1257900"/>
-              <a:ext cx="864096" cy="504056"/>
-            </a:xfrm>
-            <a:prstGeom prst="ellipse">
-              <a:avLst/>
-            </a:prstGeom>
-            <a:solidFill>
-              <a:srgbClr val="6269FE"/>
-            </a:solidFill>
-          </p:spPr>
-          <p:style>
-            <a:lnRef idx="2">
-              <a:schemeClr val="accent1">
-                <a:shade val="50000"/>
-              </a:schemeClr>
-            </a:lnRef>
-            <a:fillRef idx="1">
-              <a:schemeClr val="accent1"/>
-            </a:fillRef>
-            <a:effectRef idx="0">
-              <a:schemeClr val="accent1"/>
-            </a:effectRef>
-            <a:fontRef idx="minor">
-              <a:schemeClr val="lt1"/>
-            </a:fontRef>
-          </p:style>
-          <p:txBody>
-            <a:bodyPr rtlCol="0" anchor="ctr"/>
-            <a:lstStyle/>
-            <a:p>
-              <a:pPr algn="ctr"/>
-              <a:r>
-                <a:rPr lang="en-GB" sz="1200" u="sng"/>
-                <a:t>KID</a:t>
-              </a:r>
-            </a:p>
-          </p:txBody>
-        </p:sp>
-        <p:sp>
-          <p:nvSpPr>
-            <p:cNvPr id="26" name="Ellipse 25">
-              <a:extLst>
-                <a:ext uri="{FF2B5EF4-FFF2-40B4-BE49-F238E27FC236}">
-                  <a16:creationId xmlns:a16="http://schemas.microsoft.com/office/drawing/2014/main" id="{6D6CF4A6-D011-416A-B1A0-172C9DA814C8}"/>
-                </a:ext>
-              </a:extLst>
-            </p:cNvPr>
-            <p:cNvSpPr/>
-            <p:nvPr/>
-          </p:nvSpPr>
-          <p:spPr>
-            <a:xfrm>
-              <a:off x="723164" y="2175095"/>
-              <a:ext cx="864096" cy="504056"/>
-            </a:xfrm>
-            <a:prstGeom prst="ellipse">
-              <a:avLst/>
-            </a:prstGeom>
+          </a:ln>
+        </p:spPr>
+        <p:style>
+          <a:lnRef idx="2">
+            <a:schemeClr val="accent1">
+              <a:shade val="50000"/>
+            </a:schemeClr>
+          </a:lnRef>
+          <a:fillRef idx="1">
+            <a:schemeClr val="accent1"/>
+          </a:fillRef>
+          <a:effectRef idx="0">
+            <a:schemeClr val="accent1"/>
+          </a:effectRef>
+          <a:fontRef idx="minor">
+            <a:schemeClr val="lt1"/>
+          </a:fontRef>
+        </p:style>
+        <p:txBody>
+          <a:bodyPr rtlCol="0" anchor="ctr"/>
+          <a:lstStyle/>
+          <a:p>
+            <a:pPr algn="ctr"/>
+            <a:r>
+              <a:rPr lang="en-GB" sz="1050" dirty="0" err="1"/>
+              <a:t>Is_A</a:t>
+            </a:r>
+            <a:endParaRPr lang="en-GB" sz="1050" dirty="0"/>
+          </a:p>
+        </p:txBody>
+      </p:sp>
+      <p:sp>
+        <p:nvSpPr>
+          <p:cNvPr id="12" name="Raute 11">
+            <a:extLst>
+              <a:ext uri="{FF2B5EF4-FFF2-40B4-BE49-F238E27FC236}">
+                <a16:creationId xmlns:a16="http://schemas.microsoft.com/office/drawing/2014/main" id="{55561BE3-278C-4C79-A7B3-A053A8C33B32}"/>
+              </a:ext>
+            </a:extLst>
+          </p:cNvPr>
+          <p:cNvSpPr/>
+          <p:nvPr/>
+        </p:nvSpPr>
+        <p:spPr>
+          <a:xfrm>
+            <a:off x="5079944" y="3179590"/>
+            <a:ext cx="1122938" cy="424361"/>
+          </a:xfrm>
+          <a:prstGeom prst="diamond">
+            <a:avLst/>
+          </a:prstGeom>
+          <a:solidFill>
+            <a:schemeClr val="accent4">
+              <a:lumMod val="60000"/>
+              <a:lumOff val="40000"/>
+            </a:schemeClr>
+          </a:solidFill>
+        </p:spPr>
+        <p:style>
+          <a:lnRef idx="2">
+            <a:schemeClr val="accent1">
+              <a:shade val="50000"/>
+            </a:schemeClr>
+          </a:lnRef>
+          <a:fillRef idx="1">
+            <a:schemeClr val="accent1"/>
+          </a:fillRef>
+          <a:effectRef idx="0">
+            <a:schemeClr val="accent1"/>
+          </a:effectRef>
+          <a:fontRef idx="minor">
+            <a:schemeClr val="lt1"/>
+          </a:fontRef>
+        </p:style>
+        <p:txBody>
+          <a:bodyPr rtlCol="0" anchor="ctr"/>
+          <a:lstStyle/>
+          <a:p>
+            <a:pPr algn="ctr"/>
+            <a:r>
+              <a:rPr lang="en-GB" sz="1200"/>
+              <a:t>take</a:t>
+            </a:r>
+          </a:p>
+        </p:txBody>
+      </p:sp>
+      <p:sp>
+        <p:nvSpPr>
+          <p:cNvPr id="13" name="Raute 12">
+            <a:extLst>
+              <a:ext uri="{FF2B5EF4-FFF2-40B4-BE49-F238E27FC236}">
+                <a16:creationId xmlns:a16="http://schemas.microsoft.com/office/drawing/2014/main" id="{F7D5039B-F542-4A04-A030-E348978ADF0C}"/>
+              </a:ext>
+            </a:extLst>
+          </p:cNvPr>
+          <p:cNvSpPr/>
+          <p:nvPr/>
+        </p:nvSpPr>
+        <p:spPr>
+          <a:xfrm>
+            <a:off x="4865469" y="3809579"/>
+            <a:ext cx="1551888" cy="424361"/>
+          </a:xfrm>
+          <a:prstGeom prst="diamond">
+            <a:avLst/>
+          </a:prstGeom>
+          <a:solidFill>
+            <a:schemeClr val="accent4">
+              <a:lumMod val="60000"/>
+              <a:lumOff val="40000"/>
+            </a:schemeClr>
+          </a:solidFill>
+        </p:spPr>
+        <p:style>
+          <a:lnRef idx="2">
+            <a:schemeClr val="accent1">
+              <a:shade val="50000"/>
+            </a:schemeClr>
+          </a:lnRef>
+          <a:fillRef idx="1">
+            <a:schemeClr val="accent1"/>
+          </a:fillRef>
+          <a:effectRef idx="0">
+            <a:schemeClr val="accent1"/>
+          </a:effectRef>
+          <a:fontRef idx="minor">
+            <a:schemeClr val="lt1"/>
+          </a:fontRef>
+        </p:style>
+        <p:txBody>
+          <a:bodyPr rtlCol="0" anchor="ctr"/>
+          <a:lstStyle/>
+          <a:p>
+            <a:pPr algn="ctr"/>
+            <a:r>
+              <a:rPr lang="en-GB" sz="1100" dirty="0"/>
+              <a:t>represents</a:t>
+            </a:r>
+          </a:p>
+        </p:txBody>
+      </p:sp>
+      <p:sp>
+        <p:nvSpPr>
+          <p:cNvPr id="14" name="Raute 13">
+            <a:extLst>
+              <a:ext uri="{FF2B5EF4-FFF2-40B4-BE49-F238E27FC236}">
+                <a16:creationId xmlns:a16="http://schemas.microsoft.com/office/drawing/2014/main" id="{4074688C-51DB-4C7B-A094-7BD7F82F3D64}"/>
+              </a:ext>
+            </a:extLst>
+          </p:cNvPr>
+          <p:cNvSpPr/>
+          <p:nvPr/>
+        </p:nvSpPr>
+        <p:spPr>
+          <a:xfrm>
+            <a:off x="6265163" y="4306508"/>
+            <a:ext cx="1047806" cy="461532"/>
+          </a:xfrm>
+          <a:prstGeom prst="diamond">
+            <a:avLst/>
+          </a:prstGeom>
+          <a:solidFill>
+            <a:schemeClr val="accent4">
+              <a:lumMod val="60000"/>
+              <a:lumOff val="40000"/>
+            </a:schemeClr>
+          </a:solidFill>
+        </p:spPr>
+        <p:style>
+          <a:lnRef idx="2">
+            <a:schemeClr val="accent1">
+              <a:shade val="50000"/>
+            </a:schemeClr>
+          </a:lnRef>
+          <a:fillRef idx="1">
+            <a:schemeClr val="accent1"/>
+          </a:fillRef>
+          <a:effectRef idx="0">
+            <a:schemeClr val="accent1"/>
+          </a:effectRef>
+          <a:fontRef idx="minor">
+            <a:schemeClr val="lt1"/>
+          </a:fontRef>
+        </p:style>
+        <p:txBody>
+          <a:bodyPr rtlCol="0" anchor="ctr"/>
+          <a:lstStyle/>
+          <a:p>
+            <a:pPr algn="ctr"/>
+            <a:r>
+              <a:rPr lang="en-GB" sz="1050"/>
+              <a:t>teaches</a:t>
+            </a:r>
+          </a:p>
+        </p:txBody>
+      </p:sp>
+      <p:cxnSp>
+        <p:nvCxnSpPr>
+          <p:cNvPr id="15" name="Gerade Verbindung 14">
+            <a:extLst>
+              <a:ext uri="{FF2B5EF4-FFF2-40B4-BE49-F238E27FC236}">
+                <a16:creationId xmlns:a16="http://schemas.microsoft.com/office/drawing/2014/main" id="{EC85601B-D569-4172-938F-75E16810D3FD}"/>
+              </a:ext>
+            </a:extLst>
+          </p:cNvPr>
+          <p:cNvCxnSpPr>
+            <a:cxnSpLocks/>
+            <a:stCxn id="7" idx="3"/>
+            <a:endCxn id="14" idx="1"/>
+          </p:cNvCxnSpPr>
+          <p:nvPr/>
+        </p:nvCxnSpPr>
+        <p:spPr>
+          <a:xfrm>
+            <a:off x="4771126" y="4536167"/>
+            <a:ext cx="1494037" cy="1107"/>
+          </a:xfrm>
+          <a:prstGeom prst="line">
+            <a:avLst/>
+          </a:prstGeom>
+        </p:spPr>
+        <p:style>
+          <a:lnRef idx="1">
+            <a:schemeClr val="accent1"/>
+          </a:lnRef>
+          <a:fillRef idx="0">
+            <a:schemeClr val="accent1"/>
+          </a:fillRef>
+          <a:effectRef idx="0">
+            <a:schemeClr val="accent1"/>
+          </a:effectRef>
+          <a:fontRef idx="minor">
+            <a:schemeClr val="tx1"/>
+          </a:fontRef>
+        </p:style>
+      </p:cxnSp>
+      <p:cxnSp>
+        <p:nvCxnSpPr>
+          <p:cNvPr id="16" name="Gerade Verbindung 16">
+            <a:extLst>
+              <a:ext uri="{FF2B5EF4-FFF2-40B4-BE49-F238E27FC236}">
+                <a16:creationId xmlns:a16="http://schemas.microsoft.com/office/drawing/2014/main" id="{25A59ADA-85AF-43A2-AEFA-B02D05BC2D2D}"/>
+              </a:ext>
+            </a:extLst>
+          </p:cNvPr>
+          <p:cNvCxnSpPr>
+            <a:cxnSpLocks/>
+            <a:stCxn id="14" idx="0"/>
+            <a:endCxn id="10" idx="2"/>
+          </p:cNvCxnSpPr>
+          <p:nvPr/>
+        </p:nvCxnSpPr>
+        <p:spPr>
+          <a:xfrm flipH="1" flipV="1">
+            <a:off x="6782610" y="3794419"/>
+            <a:ext cx="6457" cy="512088"/>
+          </a:xfrm>
+          <a:prstGeom prst="line">
+            <a:avLst/>
+          </a:prstGeom>
+        </p:spPr>
+        <p:style>
+          <a:lnRef idx="1">
+            <a:schemeClr val="accent1"/>
+          </a:lnRef>
+          <a:fillRef idx="0">
+            <a:schemeClr val="accent1"/>
+          </a:fillRef>
+          <a:effectRef idx="0">
+            <a:schemeClr val="accent1"/>
+          </a:effectRef>
+          <a:fontRef idx="minor">
+            <a:schemeClr val="tx1"/>
+          </a:fontRef>
+        </p:style>
+      </p:cxnSp>
+      <p:cxnSp>
+        <p:nvCxnSpPr>
+          <p:cNvPr id="17" name="Gerade Verbindung 18">
+            <a:extLst>
+              <a:ext uri="{FF2B5EF4-FFF2-40B4-BE49-F238E27FC236}">
+                <a16:creationId xmlns:a16="http://schemas.microsoft.com/office/drawing/2014/main" id="{6E91DA89-B0F2-48CD-93FF-5DF509EC0AE2}"/>
+              </a:ext>
+            </a:extLst>
+          </p:cNvPr>
+          <p:cNvCxnSpPr>
+            <a:cxnSpLocks/>
+            <a:stCxn id="9" idx="3"/>
+            <a:endCxn id="13" idx="1"/>
+          </p:cNvCxnSpPr>
+          <p:nvPr/>
+        </p:nvCxnSpPr>
+        <p:spPr>
+          <a:xfrm>
+            <a:off x="4771126" y="3781939"/>
+            <a:ext cx="94343" cy="239821"/>
+          </a:xfrm>
+          <a:prstGeom prst="line">
+            <a:avLst/>
+          </a:prstGeom>
+        </p:spPr>
+        <p:style>
+          <a:lnRef idx="1">
+            <a:schemeClr val="accent1"/>
+          </a:lnRef>
+          <a:fillRef idx="0">
+            <a:schemeClr val="accent1"/>
+          </a:fillRef>
+          <a:effectRef idx="0">
+            <a:schemeClr val="accent1"/>
+          </a:effectRef>
+          <a:fontRef idx="minor">
+            <a:schemeClr val="tx1"/>
+          </a:fontRef>
+        </p:style>
+      </p:cxnSp>
+      <p:cxnSp>
+        <p:nvCxnSpPr>
+          <p:cNvPr id="18" name="Gerade Verbindung 21">
+            <a:extLst>
+              <a:ext uri="{FF2B5EF4-FFF2-40B4-BE49-F238E27FC236}">
+                <a16:creationId xmlns:a16="http://schemas.microsoft.com/office/drawing/2014/main" id="{A9BADF41-8746-4755-A660-8C89A0D6B1AE}"/>
+              </a:ext>
+            </a:extLst>
+          </p:cNvPr>
+          <p:cNvCxnSpPr>
+            <a:stCxn id="9" idx="3"/>
+            <a:endCxn id="12" idx="1"/>
+          </p:cNvCxnSpPr>
+          <p:nvPr/>
+        </p:nvCxnSpPr>
+        <p:spPr>
+          <a:xfrm flipV="1">
+            <a:off x="4771126" y="3391771"/>
+            <a:ext cx="308818" cy="390168"/>
+          </a:xfrm>
+          <a:prstGeom prst="line">
+            <a:avLst/>
+          </a:prstGeom>
+        </p:spPr>
+        <p:style>
+          <a:lnRef idx="1">
+            <a:schemeClr val="accent1"/>
+          </a:lnRef>
+          <a:fillRef idx="0">
+            <a:schemeClr val="accent1"/>
+          </a:fillRef>
+          <a:effectRef idx="0">
+            <a:schemeClr val="accent1"/>
+          </a:effectRef>
+          <a:fontRef idx="minor">
+            <a:schemeClr val="tx1"/>
+          </a:fontRef>
+        </p:style>
+      </p:cxnSp>
+      <p:cxnSp>
+        <p:nvCxnSpPr>
+          <p:cNvPr id="19" name="Gerade Verbindung 24">
+            <a:extLst>
+              <a:ext uri="{FF2B5EF4-FFF2-40B4-BE49-F238E27FC236}">
+                <a16:creationId xmlns:a16="http://schemas.microsoft.com/office/drawing/2014/main" id="{893B2B93-357E-43F6-8B5E-2C091EE41EA0}"/>
+              </a:ext>
+            </a:extLst>
+          </p:cNvPr>
+          <p:cNvCxnSpPr>
+            <a:stCxn id="12" idx="3"/>
+            <a:endCxn id="10" idx="1"/>
+          </p:cNvCxnSpPr>
+          <p:nvPr/>
+        </p:nvCxnSpPr>
+        <p:spPr>
+          <a:xfrm>
+            <a:off x="6202882" y="3391771"/>
+            <a:ext cx="205291" cy="265355"/>
+          </a:xfrm>
+          <a:prstGeom prst="line">
+            <a:avLst/>
+          </a:prstGeom>
+        </p:spPr>
+        <p:style>
+          <a:lnRef idx="1">
+            <a:schemeClr val="accent1"/>
+          </a:lnRef>
+          <a:fillRef idx="0">
+            <a:schemeClr val="accent1"/>
+          </a:fillRef>
+          <a:effectRef idx="0">
+            <a:schemeClr val="accent1"/>
+          </a:effectRef>
+          <a:fontRef idx="minor">
+            <a:schemeClr val="tx1"/>
+          </a:fontRef>
+        </p:style>
+      </p:cxnSp>
+      <p:cxnSp>
+        <p:nvCxnSpPr>
+          <p:cNvPr id="20" name="Gerade Verbindung 26">
+            <a:extLst>
+              <a:ext uri="{FF2B5EF4-FFF2-40B4-BE49-F238E27FC236}">
+                <a16:creationId xmlns:a16="http://schemas.microsoft.com/office/drawing/2014/main" id="{F4BCB205-3952-4C1E-8BFA-D839FD64E8C4}"/>
+              </a:ext>
+            </a:extLst>
+          </p:cNvPr>
+          <p:cNvCxnSpPr>
+            <a:cxnSpLocks/>
+            <a:stCxn id="13" idx="3"/>
+            <a:endCxn id="10" idx="1"/>
+          </p:cNvCxnSpPr>
+          <p:nvPr/>
+        </p:nvCxnSpPr>
+        <p:spPr>
+          <a:xfrm flipH="1" flipV="1">
+            <a:off x="6408173" y="3657126"/>
+            <a:ext cx="9184" cy="364634"/>
+          </a:xfrm>
+          <a:prstGeom prst="line">
+            <a:avLst/>
+          </a:prstGeom>
+        </p:spPr>
+        <p:style>
+          <a:lnRef idx="1">
+            <a:schemeClr val="accent1"/>
+          </a:lnRef>
+          <a:fillRef idx="0">
+            <a:schemeClr val="accent1"/>
+          </a:fillRef>
+          <a:effectRef idx="0">
+            <a:schemeClr val="accent1"/>
+          </a:effectRef>
+          <a:fontRef idx="minor">
+            <a:schemeClr val="tx1"/>
+          </a:fontRef>
+        </p:style>
+      </p:cxnSp>
+      <p:cxnSp>
+        <p:nvCxnSpPr>
+          <p:cNvPr id="21" name="Gerade Verbindung 28">
+            <a:extLst>
+              <a:ext uri="{FF2B5EF4-FFF2-40B4-BE49-F238E27FC236}">
+                <a16:creationId xmlns:a16="http://schemas.microsoft.com/office/drawing/2014/main" id="{92915D86-6CF3-469F-86A1-A9ACAD225569}"/>
+              </a:ext>
+            </a:extLst>
+          </p:cNvPr>
+          <p:cNvCxnSpPr>
+            <a:cxnSpLocks/>
+            <a:stCxn id="11" idx="2"/>
+            <a:endCxn id="7" idx="1"/>
+          </p:cNvCxnSpPr>
+          <p:nvPr/>
+        </p:nvCxnSpPr>
+        <p:spPr>
+          <a:xfrm>
+            <a:off x="3472704" y="3991799"/>
+            <a:ext cx="549549" cy="544368"/>
+          </a:xfrm>
+          <a:prstGeom prst="line">
+            <a:avLst/>
+          </a:prstGeom>
+        </p:spPr>
+        <p:style>
+          <a:lnRef idx="1">
+            <a:schemeClr val="accent1"/>
+          </a:lnRef>
+          <a:fillRef idx="0">
+            <a:schemeClr val="accent1"/>
+          </a:fillRef>
+          <a:effectRef idx="0">
+            <a:schemeClr val="accent1"/>
+          </a:effectRef>
+          <a:fontRef idx="minor">
+            <a:schemeClr val="tx1"/>
+          </a:fontRef>
+        </p:style>
+      </p:cxnSp>
+      <p:cxnSp>
+        <p:nvCxnSpPr>
+          <p:cNvPr id="22" name="Gerade Verbindung 1027">
+            <a:extLst>
+              <a:ext uri="{FF2B5EF4-FFF2-40B4-BE49-F238E27FC236}">
+                <a16:creationId xmlns:a16="http://schemas.microsoft.com/office/drawing/2014/main" id="{3D3469AC-A1F7-44DA-89E2-80DFF033ED8C}"/>
+              </a:ext>
+            </a:extLst>
+          </p:cNvPr>
+          <p:cNvCxnSpPr>
+            <a:cxnSpLocks/>
+            <a:stCxn id="11" idx="3"/>
+            <a:endCxn id="9" idx="1"/>
+          </p:cNvCxnSpPr>
+          <p:nvPr/>
+        </p:nvCxnSpPr>
+        <p:spPr>
+          <a:xfrm>
+            <a:off x="3903383" y="3779619"/>
+            <a:ext cx="118870" cy="2320"/>
+          </a:xfrm>
+          <a:prstGeom prst="line">
+            <a:avLst/>
+          </a:prstGeom>
+        </p:spPr>
+        <p:style>
+          <a:lnRef idx="1">
+            <a:schemeClr val="accent1"/>
+          </a:lnRef>
+          <a:fillRef idx="0">
+            <a:schemeClr val="accent1"/>
+          </a:fillRef>
+          <a:effectRef idx="0">
+            <a:schemeClr val="accent1"/>
+          </a:effectRef>
+          <a:fontRef idx="minor">
+            <a:schemeClr val="tx1"/>
+          </a:fontRef>
+        </p:style>
+      </p:cxnSp>
+      <p:cxnSp>
+        <p:nvCxnSpPr>
+          <p:cNvPr id="23" name="Gerade Verbindung 1029">
+            <a:extLst>
+              <a:ext uri="{FF2B5EF4-FFF2-40B4-BE49-F238E27FC236}">
+                <a16:creationId xmlns:a16="http://schemas.microsoft.com/office/drawing/2014/main" id="{695A2663-9481-49A1-A3FB-6792BA20E2D8}"/>
+              </a:ext>
+            </a:extLst>
+          </p:cNvPr>
+          <p:cNvCxnSpPr>
+            <a:cxnSpLocks/>
+            <a:stCxn id="11" idx="0"/>
+            <a:endCxn id="8" idx="1"/>
+          </p:cNvCxnSpPr>
+          <p:nvPr/>
+        </p:nvCxnSpPr>
+        <p:spPr>
+          <a:xfrm flipV="1">
+            <a:off x="3472704" y="3082991"/>
+            <a:ext cx="549549" cy="484447"/>
+          </a:xfrm>
+          <a:prstGeom prst="line">
+            <a:avLst/>
+          </a:prstGeom>
+        </p:spPr>
+        <p:style>
+          <a:lnRef idx="1">
+            <a:schemeClr val="accent1"/>
+          </a:lnRef>
+          <a:fillRef idx="0">
+            <a:schemeClr val="accent1"/>
+          </a:fillRef>
+          <a:effectRef idx="0">
+            <a:schemeClr val="accent1"/>
+          </a:effectRef>
+          <a:fontRef idx="minor">
+            <a:schemeClr val="tx1"/>
+          </a:fontRef>
+        </p:style>
+      </p:cxnSp>
+      <p:cxnSp>
+        <p:nvCxnSpPr>
+          <p:cNvPr id="24" name="Gerade Verbindung 1031">
+            <a:extLst>
+              <a:ext uri="{FF2B5EF4-FFF2-40B4-BE49-F238E27FC236}">
+                <a16:creationId xmlns:a16="http://schemas.microsoft.com/office/drawing/2014/main" id="{EA7FBD50-A58C-428B-BB38-014C99B7CB6E}"/>
+              </a:ext>
+            </a:extLst>
+          </p:cNvPr>
+          <p:cNvCxnSpPr>
+            <a:cxnSpLocks/>
+            <a:stCxn id="11" idx="1"/>
+            <a:endCxn id="6" idx="3"/>
+          </p:cNvCxnSpPr>
+          <p:nvPr/>
+        </p:nvCxnSpPr>
+        <p:spPr>
+          <a:xfrm flipH="1">
+            <a:off x="2626025" y="3779619"/>
+            <a:ext cx="416000" cy="2320"/>
+          </a:xfrm>
+          <a:prstGeom prst="line">
+            <a:avLst/>
+          </a:prstGeom>
+        </p:spPr>
+        <p:style>
+          <a:lnRef idx="1">
+            <a:schemeClr val="accent1"/>
+          </a:lnRef>
+          <a:fillRef idx="0">
+            <a:schemeClr val="accent1"/>
+          </a:fillRef>
+          <a:effectRef idx="0">
+            <a:schemeClr val="accent1"/>
+          </a:effectRef>
+          <a:fontRef idx="minor">
+            <a:schemeClr val="tx1"/>
+          </a:fontRef>
+        </p:style>
+      </p:cxnSp>
+      <p:sp>
+        <p:nvSpPr>
+          <p:cNvPr id="25" name="Ellipse 24">
+            <a:extLst>
+              <a:ext uri="{FF2B5EF4-FFF2-40B4-BE49-F238E27FC236}">
+                <a16:creationId xmlns:a16="http://schemas.microsoft.com/office/drawing/2014/main" id="{BC49C530-1768-4395-889E-9BCE646617B5}"/>
+              </a:ext>
+            </a:extLst>
+          </p:cNvPr>
+          <p:cNvSpPr/>
+          <p:nvPr/>
+        </p:nvSpPr>
+        <p:spPr>
+          <a:xfrm>
+            <a:off x="5641413" y="2640690"/>
+            <a:ext cx="599098" cy="349474"/>
+          </a:xfrm>
+          <a:prstGeom prst="ellipse">
+            <a:avLst/>
+          </a:prstGeom>
+          <a:solidFill>
+            <a:srgbClr val="6269FE"/>
+          </a:solidFill>
+        </p:spPr>
+        <p:style>
+          <a:lnRef idx="2">
+            <a:schemeClr val="accent1">
+              <a:shade val="50000"/>
+            </a:schemeClr>
+          </a:lnRef>
+          <a:fillRef idx="1">
+            <a:schemeClr val="accent1"/>
+          </a:fillRef>
+          <a:effectRef idx="0">
+            <a:schemeClr val="accent1"/>
+          </a:effectRef>
+          <a:fontRef idx="minor">
+            <a:schemeClr val="lt1"/>
+          </a:fontRef>
+        </p:style>
+        <p:txBody>
+          <a:bodyPr rtlCol="0" anchor="ctr"/>
+          <a:lstStyle/>
+          <a:p>
+            <a:pPr algn="ctr"/>
+            <a:r>
+              <a:rPr lang="en-GB" sz="1200" u="sng"/>
+              <a:t>KID</a:t>
+            </a:r>
+          </a:p>
+        </p:txBody>
+      </p:sp>
+      <p:sp>
+        <p:nvSpPr>
+          <p:cNvPr id="26" name="Ellipse 25">
+            <a:extLst>
+              <a:ext uri="{FF2B5EF4-FFF2-40B4-BE49-F238E27FC236}">
+                <a16:creationId xmlns:a16="http://schemas.microsoft.com/office/drawing/2014/main" id="{6D6CF4A6-D011-416A-B1A0-172C9DA814C8}"/>
+              </a:ext>
+            </a:extLst>
+          </p:cNvPr>
+          <p:cNvSpPr/>
+          <p:nvPr/>
+        </p:nvSpPr>
+        <p:spPr>
+          <a:xfrm>
+            <a:off x="2648133" y="2912282"/>
+            <a:ext cx="599098" cy="349474"/>
+          </a:xfrm>
+          <a:prstGeom prst="ellipse">
+            <a:avLst/>
+          </a:prstGeom>
+          <a:solidFill>
+            <a:srgbClr val="FC6142"/>
+          </a:solidFill>
+          <a:ln>
             <a:solidFill>
               <a:srgbClr val="FC6142"/>
             </a:solidFill>
-            <a:ln>
-              <a:solidFill>
-                <a:srgbClr val="FC6142"/>
-              </a:solidFill>
-            </a:ln>
-          </p:spPr>
-          <p:style>
-            <a:lnRef idx="2">
-              <a:schemeClr val="accent1">
-                <a:shade val="50000"/>
-              </a:schemeClr>
-            </a:lnRef>
-            <a:fillRef idx="1">
-              <a:schemeClr val="accent1"/>
-            </a:fillRef>
-            <a:effectRef idx="0">
-              <a:schemeClr val="accent1"/>
-            </a:effectRef>
-            <a:fontRef idx="minor">
-              <a:schemeClr val="lt1"/>
-            </a:fontRef>
-          </p:style>
-          <p:txBody>
-            <a:bodyPr rtlCol="0" anchor="ctr"/>
-            <a:lstStyle/>
-            <a:p>
-              <a:pPr algn="ctr"/>
-              <a:r>
-                <a:rPr lang="en-GB" sz="1200" u="sng"/>
-                <a:t>UID</a:t>
-              </a:r>
-            </a:p>
-          </p:txBody>
-        </p:sp>
-        <p:sp>
-          <p:nvSpPr>
-            <p:cNvPr id="27" name="Ellipse 26">
-              <a:extLst>
-                <a:ext uri="{FF2B5EF4-FFF2-40B4-BE49-F238E27FC236}">
-                  <a16:creationId xmlns:a16="http://schemas.microsoft.com/office/drawing/2014/main" id="{58814A05-B5AD-48DE-BFAD-B9A6316BC81C}"/>
-                </a:ext>
-              </a:extLst>
-            </p:cNvPr>
-            <p:cNvSpPr/>
-            <p:nvPr/>
-          </p:nvSpPr>
-          <p:spPr>
-            <a:xfrm>
-              <a:off x="644022" y="3810752"/>
-              <a:ext cx="1051250" cy="414046"/>
-            </a:xfrm>
-            <a:prstGeom prst="ellipse">
-              <a:avLst/>
-            </a:prstGeom>
+          </a:ln>
+        </p:spPr>
+        <p:style>
+          <a:lnRef idx="2">
+            <a:schemeClr val="accent1">
+              <a:shade val="50000"/>
+            </a:schemeClr>
+          </a:lnRef>
+          <a:fillRef idx="1">
+            <a:schemeClr val="accent1"/>
+          </a:fillRef>
+          <a:effectRef idx="0">
+            <a:schemeClr val="accent1"/>
+          </a:effectRef>
+          <a:fontRef idx="minor">
+            <a:schemeClr val="lt1"/>
+          </a:fontRef>
+        </p:style>
+        <p:txBody>
+          <a:bodyPr rtlCol="0" anchor="ctr"/>
+          <a:lstStyle/>
+          <a:p>
+            <a:pPr algn="ctr"/>
+            <a:r>
+              <a:rPr lang="en-GB" sz="1200" u="sng"/>
+              <a:t>UID</a:t>
+            </a:r>
+          </a:p>
+        </p:txBody>
+      </p:sp>
+      <p:sp>
+        <p:nvSpPr>
+          <p:cNvPr id="27" name="Ellipse 26">
+            <a:extLst>
+              <a:ext uri="{FF2B5EF4-FFF2-40B4-BE49-F238E27FC236}">
+                <a16:creationId xmlns:a16="http://schemas.microsoft.com/office/drawing/2014/main" id="{58814A05-B5AD-48DE-BFAD-B9A6316BC81C}"/>
+              </a:ext>
+            </a:extLst>
+          </p:cNvPr>
+          <p:cNvSpPr/>
+          <p:nvPr/>
+        </p:nvSpPr>
+        <p:spPr>
+          <a:xfrm>
+            <a:off x="1897169" y="4192068"/>
+            <a:ext cx="728857" cy="287068"/>
+          </a:xfrm>
+          <a:prstGeom prst="ellipse">
+            <a:avLst/>
+          </a:prstGeom>
+          <a:solidFill>
+            <a:srgbClr val="FC6142"/>
+          </a:solidFill>
+          <a:ln>
             <a:solidFill>
               <a:srgbClr val="FC6142"/>
             </a:solidFill>
-            <a:ln>
-              <a:solidFill>
-                <a:srgbClr val="FC6142"/>
-              </a:solidFill>
-            </a:ln>
-          </p:spPr>
-          <p:style>
-            <a:lnRef idx="2">
-              <a:schemeClr val="accent1">
-                <a:shade val="50000"/>
-              </a:schemeClr>
-            </a:lnRef>
-            <a:fillRef idx="1">
-              <a:schemeClr val="accent1"/>
-            </a:fillRef>
-            <a:effectRef idx="0">
-              <a:schemeClr val="accent1"/>
-            </a:effectRef>
-            <a:fontRef idx="minor">
-              <a:schemeClr val="lt1"/>
-            </a:fontRef>
-          </p:style>
-          <p:txBody>
-            <a:bodyPr rtlCol="0" anchor="ctr"/>
-            <a:lstStyle/>
-            <a:p>
-              <a:pPr algn="ctr"/>
-              <a:r>
-                <a:rPr lang="en-GB" sz="1200"/>
-                <a:t>login</a:t>
-              </a:r>
-            </a:p>
-          </p:txBody>
-        </p:sp>
-        <p:sp>
-          <p:nvSpPr>
-            <p:cNvPr id="28" name="Ellipse 27">
-              <a:extLst>
-                <a:ext uri="{FF2B5EF4-FFF2-40B4-BE49-F238E27FC236}">
-                  <a16:creationId xmlns:a16="http://schemas.microsoft.com/office/drawing/2014/main" id="{0A36BFFE-F303-44A3-9E10-FD4B63931802}"/>
-                </a:ext>
-              </a:extLst>
-            </p:cNvPr>
-            <p:cNvSpPr/>
-            <p:nvPr/>
-          </p:nvSpPr>
-          <p:spPr>
-            <a:xfrm>
-              <a:off x="1374522" y="4431690"/>
-              <a:ext cx="1580890" cy="594065"/>
-            </a:xfrm>
-            <a:prstGeom prst="ellipse">
-              <a:avLst/>
-            </a:prstGeom>
+          </a:ln>
+        </p:spPr>
+        <p:style>
+          <a:lnRef idx="2">
+            <a:schemeClr val="accent1">
+              <a:shade val="50000"/>
+            </a:schemeClr>
+          </a:lnRef>
+          <a:fillRef idx="1">
+            <a:schemeClr val="accent1"/>
+          </a:fillRef>
+          <a:effectRef idx="0">
+            <a:schemeClr val="accent1"/>
+          </a:effectRef>
+          <a:fontRef idx="minor">
+            <a:schemeClr val="lt1"/>
+          </a:fontRef>
+        </p:style>
+        <p:txBody>
+          <a:bodyPr rtlCol="0" anchor="ctr"/>
+          <a:lstStyle/>
+          <a:p>
+            <a:pPr algn="ctr"/>
+            <a:r>
+              <a:rPr lang="en-GB" sz="1200"/>
+              <a:t>login</a:t>
+            </a:r>
+          </a:p>
+        </p:txBody>
+      </p:sp>
+      <p:sp>
+        <p:nvSpPr>
+          <p:cNvPr id="28" name="Ellipse 27">
+            <a:extLst>
+              <a:ext uri="{FF2B5EF4-FFF2-40B4-BE49-F238E27FC236}">
+                <a16:creationId xmlns:a16="http://schemas.microsoft.com/office/drawing/2014/main" id="{0A36BFFE-F303-44A3-9E10-FD4B63931802}"/>
+              </a:ext>
+            </a:extLst>
+          </p:cNvPr>
+          <p:cNvSpPr/>
+          <p:nvPr/>
+        </p:nvSpPr>
+        <p:spPr>
+          <a:xfrm>
+            <a:off x="2403642" y="4622579"/>
+            <a:ext cx="1096069" cy="411879"/>
+          </a:xfrm>
+          <a:prstGeom prst="ellipse">
+            <a:avLst/>
+          </a:prstGeom>
+          <a:solidFill>
+            <a:srgbClr val="FC6142"/>
+          </a:solidFill>
+          <a:ln>
             <a:solidFill>
               <a:srgbClr val="FC6142"/>
             </a:solidFill>
-            <a:ln>
-              <a:solidFill>
-                <a:srgbClr val="FC6142"/>
-              </a:solidFill>
-            </a:ln>
-          </p:spPr>
-          <p:style>
-            <a:lnRef idx="2">
-              <a:schemeClr val="accent1">
-                <a:shade val="50000"/>
-              </a:schemeClr>
-            </a:lnRef>
-            <a:fillRef idx="1">
-              <a:schemeClr val="accent1"/>
-            </a:fillRef>
-            <a:effectRef idx="0">
-              <a:schemeClr val="accent1"/>
-            </a:effectRef>
-            <a:fontRef idx="minor">
-              <a:schemeClr val="lt1"/>
-            </a:fontRef>
-          </p:style>
-          <p:txBody>
-            <a:bodyPr rtlCol="0" anchor="ctr"/>
-            <a:lstStyle/>
-            <a:p>
-              <a:pPr algn="ctr"/>
-              <a:r>
-                <a:rPr lang="en-GB" sz="1200"/>
-                <a:t>password</a:t>
-              </a:r>
-            </a:p>
-          </p:txBody>
-        </p:sp>
-        <p:sp>
-          <p:nvSpPr>
-            <p:cNvPr id="29" name="Ellipse 28">
-              <a:extLst>
-                <a:ext uri="{FF2B5EF4-FFF2-40B4-BE49-F238E27FC236}">
-                  <a16:creationId xmlns:a16="http://schemas.microsoft.com/office/drawing/2014/main" id="{43FB1AC1-BE9C-4132-ABE3-56EED863AD1A}"/>
-                </a:ext>
-              </a:extLst>
-            </p:cNvPr>
-            <p:cNvSpPr/>
-            <p:nvPr/>
-          </p:nvSpPr>
-          <p:spPr>
-            <a:xfrm>
-              <a:off x="-486958" y="4431691"/>
-              <a:ext cx="1704822" cy="594065"/>
-            </a:xfrm>
-            <a:prstGeom prst="ellipse">
-              <a:avLst/>
-            </a:prstGeom>
+          </a:ln>
+        </p:spPr>
+        <p:style>
+          <a:lnRef idx="2">
+            <a:schemeClr val="accent1">
+              <a:shade val="50000"/>
+            </a:schemeClr>
+          </a:lnRef>
+          <a:fillRef idx="1">
+            <a:schemeClr val="accent1"/>
+          </a:fillRef>
+          <a:effectRef idx="0">
+            <a:schemeClr val="accent1"/>
+          </a:effectRef>
+          <a:fontRef idx="minor">
+            <a:schemeClr val="lt1"/>
+          </a:fontRef>
+        </p:style>
+        <p:txBody>
+          <a:bodyPr rtlCol="0" anchor="ctr"/>
+          <a:lstStyle/>
+          <a:p>
+            <a:pPr algn="ctr"/>
+            <a:r>
+              <a:rPr lang="en-GB" sz="1200"/>
+              <a:t>password</a:t>
+            </a:r>
+          </a:p>
+        </p:txBody>
+      </p:sp>
+      <p:sp>
+        <p:nvSpPr>
+          <p:cNvPr id="29" name="Ellipse 28">
+            <a:extLst>
+              <a:ext uri="{FF2B5EF4-FFF2-40B4-BE49-F238E27FC236}">
+                <a16:creationId xmlns:a16="http://schemas.microsoft.com/office/drawing/2014/main" id="{43FB1AC1-BE9C-4132-ABE3-56EED863AD1A}"/>
+              </a:ext>
+            </a:extLst>
+          </p:cNvPr>
+          <p:cNvSpPr/>
+          <p:nvPr/>
+        </p:nvSpPr>
+        <p:spPr>
+          <a:xfrm>
+            <a:off x="1113033" y="4622579"/>
+            <a:ext cx="1181994" cy="411879"/>
+          </a:xfrm>
+          <a:prstGeom prst="ellipse">
+            <a:avLst/>
+          </a:prstGeom>
+          <a:solidFill>
+            <a:srgbClr val="FC6142"/>
+          </a:solidFill>
+          <a:ln>
             <a:solidFill>
               <a:srgbClr val="FC6142"/>
             </a:solidFill>
-            <a:ln>
-              <a:solidFill>
-                <a:srgbClr val="FC6142"/>
-              </a:solidFill>
-            </a:ln>
-          </p:spPr>
-          <p:style>
-            <a:lnRef idx="2">
-              <a:schemeClr val="accent1">
-                <a:shade val="50000"/>
-              </a:schemeClr>
-            </a:lnRef>
-            <a:fillRef idx="1">
-              <a:schemeClr val="accent1"/>
-            </a:fillRef>
-            <a:effectRef idx="0">
-              <a:schemeClr val="accent1"/>
-            </a:effectRef>
-            <a:fontRef idx="minor">
-              <a:schemeClr val="lt1"/>
-            </a:fontRef>
-          </p:style>
-          <p:txBody>
-            <a:bodyPr rtlCol="0" anchor="ctr"/>
-            <a:lstStyle/>
-            <a:p>
-              <a:pPr algn="ctr"/>
-              <a:r>
-                <a:rPr lang="en-GB" sz="1200" dirty="0"/>
-                <a:t>username</a:t>
-              </a:r>
-            </a:p>
-          </p:txBody>
-        </p:sp>
-        <p:cxnSp>
-          <p:nvCxnSpPr>
-            <p:cNvPr id="30" name="Gerade Verbindung 1036">
-              <a:extLst>
-                <a:ext uri="{FF2B5EF4-FFF2-40B4-BE49-F238E27FC236}">
-                  <a16:creationId xmlns:a16="http://schemas.microsoft.com/office/drawing/2014/main" id="{944C4D2F-F52C-4D4E-9E3D-867467D81E4D}"/>
-                </a:ext>
-              </a:extLst>
-            </p:cNvPr>
-            <p:cNvCxnSpPr>
-              <a:cxnSpLocks/>
-              <a:stCxn id="29" idx="0"/>
-              <a:endCxn id="27" idx="3"/>
-            </p:cNvCxnSpPr>
-            <p:nvPr/>
-          </p:nvCxnSpPr>
-          <p:spPr>
-            <a:xfrm flipV="1">
-              <a:off x="365453" y="4164162"/>
-              <a:ext cx="432521" cy="267529"/>
-            </a:xfrm>
-            <a:prstGeom prst="line">
-              <a:avLst/>
-            </a:prstGeom>
-          </p:spPr>
-          <p:style>
-            <a:lnRef idx="1">
-              <a:schemeClr val="accent1"/>
-            </a:lnRef>
-            <a:fillRef idx="0">
-              <a:schemeClr val="accent1"/>
-            </a:fillRef>
-            <a:effectRef idx="0">
-              <a:schemeClr val="accent1"/>
-            </a:effectRef>
-            <a:fontRef idx="minor">
-              <a:schemeClr val="tx1"/>
-            </a:fontRef>
-          </p:style>
-        </p:cxnSp>
-        <p:cxnSp>
-          <p:nvCxnSpPr>
-            <p:cNvPr id="31" name="Gerade Verbindung 1038">
-              <a:extLst>
-                <a:ext uri="{FF2B5EF4-FFF2-40B4-BE49-F238E27FC236}">
-                  <a16:creationId xmlns:a16="http://schemas.microsoft.com/office/drawing/2014/main" id="{C15468A9-D327-4463-88BB-A649F64CCCC9}"/>
-                </a:ext>
-              </a:extLst>
-            </p:cNvPr>
-            <p:cNvCxnSpPr>
-              <a:cxnSpLocks/>
-              <a:stCxn id="28" idx="0"/>
-              <a:endCxn id="27" idx="5"/>
-            </p:cNvCxnSpPr>
-            <p:nvPr/>
-          </p:nvCxnSpPr>
-          <p:spPr>
-            <a:xfrm flipH="1" flipV="1">
-              <a:off x="1541320" y="4164162"/>
-              <a:ext cx="623647" cy="267528"/>
-            </a:xfrm>
-            <a:prstGeom prst="line">
-              <a:avLst/>
-            </a:prstGeom>
-          </p:spPr>
-          <p:style>
-            <a:lnRef idx="1">
-              <a:schemeClr val="accent1"/>
-            </a:lnRef>
-            <a:fillRef idx="0">
-              <a:schemeClr val="accent1"/>
-            </a:fillRef>
-            <a:effectRef idx="0">
-              <a:schemeClr val="accent1"/>
-            </a:effectRef>
-            <a:fontRef idx="minor">
-              <a:schemeClr val="tx1"/>
-            </a:fontRef>
-          </p:style>
-        </p:cxnSp>
-        <p:cxnSp>
-          <p:nvCxnSpPr>
-            <p:cNvPr id="32" name="Gerade Verbindung 1040">
-              <a:extLst>
-                <a:ext uri="{FF2B5EF4-FFF2-40B4-BE49-F238E27FC236}">
-                  <a16:creationId xmlns:a16="http://schemas.microsoft.com/office/drawing/2014/main" id="{64177E30-9339-4AB7-9E71-CA5200AE1E09}"/>
-                </a:ext>
-              </a:extLst>
-            </p:cNvPr>
-            <p:cNvCxnSpPr>
-              <a:stCxn id="6" idx="2"/>
-              <a:endCxn id="27" idx="0"/>
-            </p:cNvCxnSpPr>
-            <p:nvPr/>
-          </p:nvCxnSpPr>
-          <p:spPr>
-            <a:xfrm>
-              <a:off x="1155212" y="3417234"/>
-              <a:ext cx="14435" cy="393518"/>
-            </a:xfrm>
-            <a:prstGeom prst="line">
-              <a:avLst/>
-            </a:prstGeom>
-          </p:spPr>
-          <p:style>
-            <a:lnRef idx="1">
-              <a:schemeClr val="accent1"/>
-            </a:lnRef>
-            <a:fillRef idx="0">
-              <a:schemeClr val="accent1"/>
-            </a:fillRef>
-            <a:effectRef idx="0">
-              <a:schemeClr val="accent1"/>
-            </a:effectRef>
-            <a:fontRef idx="minor">
-              <a:schemeClr val="tx1"/>
-            </a:fontRef>
-          </p:style>
-        </p:cxnSp>
-        <p:cxnSp>
-          <p:nvCxnSpPr>
-            <p:cNvPr id="33" name="Gerade Verbindung 1042">
-              <a:extLst>
-                <a:ext uri="{FF2B5EF4-FFF2-40B4-BE49-F238E27FC236}">
-                  <a16:creationId xmlns:a16="http://schemas.microsoft.com/office/drawing/2014/main" id="{1C96C3FA-F814-441D-BE88-746C053EBE73}"/>
-                </a:ext>
-              </a:extLst>
-            </p:cNvPr>
-            <p:cNvCxnSpPr>
-              <a:stCxn id="6" idx="0"/>
-              <a:endCxn id="26" idx="4"/>
-            </p:cNvCxnSpPr>
-            <p:nvPr/>
-          </p:nvCxnSpPr>
-          <p:spPr>
-            <a:xfrm flipV="1">
-              <a:off x="1155212" y="2679151"/>
-              <a:ext cx="0" cy="342038"/>
-            </a:xfrm>
-            <a:prstGeom prst="line">
-              <a:avLst/>
-            </a:prstGeom>
-          </p:spPr>
-          <p:style>
-            <a:lnRef idx="1">
-              <a:schemeClr val="accent1"/>
-            </a:lnRef>
-            <a:fillRef idx="0">
-              <a:schemeClr val="accent1"/>
-            </a:fillRef>
-            <a:effectRef idx="0">
-              <a:schemeClr val="accent1"/>
-            </a:effectRef>
-            <a:fontRef idx="minor">
-              <a:schemeClr val="tx1"/>
-            </a:fontRef>
-          </p:style>
-        </p:cxnSp>
-        <p:sp>
-          <p:nvSpPr>
-            <p:cNvPr id="34" name="Ellipse 33">
-              <a:extLst>
-                <a:ext uri="{FF2B5EF4-FFF2-40B4-BE49-F238E27FC236}">
-                  <a16:creationId xmlns:a16="http://schemas.microsoft.com/office/drawing/2014/main" id="{5F6019B8-9517-4A1C-A263-B759D82FAE31}"/>
-                </a:ext>
-              </a:extLst>
-            </p:cNvPr>
-            <p:cNvSpPr/>
-            <p:nvPr/>
-          </p:nvSpPr>
-          <p:spPr>
-            <a:xfrm>
-              <a:off x="3367750" y="4890053"/>
-              <a:ext cx="1116660" cy="479117"/>
-            </a:xfrm>
-            <a:prstGeom prst="ellipse">
-              <a:avLst/>
-            </a:prstGeom>
-            <a:solidFill>
-              <a:srgbClr val="B66A62"/>
-            </a:solidFill>
-          </p:spPr>
-          <p:style>
-            <a:lnRef idx="2">
-              <a:schemeClr val="accent1">
-                <a:shade val="50000"/>
-              </a:schemeClr>
-            </a:lnRef>
-            <a:fillRef idx="1">
-              <a:schemeClr val="accent1"/>
-            </a:fillRef>
-            <a:effectRef idx="0">
-              <a:schemeClr val="accent1"/>
-            </a:effectRef>
-            <a:fontRef idx="minor">
-              <a:schemeClr val="lt1"/>
-            </a:fontRef>
-          </p:style>
-          <p:txBody>
-            <a:bodyPr rtlCol="0" anchor="ctr"/>
-            <a:lstStyle/>
-            <a:p>
-              <a:pPr algn="ctr"/>
-              <a:r>
-                <a:rPr lang="en-GB" sz="1200"/>
-                <a:t>token</a:t>
-              </a:r>
-            </a:p>
-          </p:txBody>
-        </p:sp>
-        <p:sp>
-          <p:nvSpPr>
-            <p:cNvPr id="37" name="Ellipse 36">
-              <a:extLst>
-                <a:ext uri="{FF2B5EF4-FFF2-40B4-BE49-F238E27FC236}">
-                  <a16:creationId xmlns:a16="http://schemas.microsoft.com/office/drawing/2014/main" id="{3E1531F3-70C0-4FCF-BE48-F34DECE100B0}"/>
-                </a:ext>
-              </a:extLst>
-            </p:cNvPr>
-            <p:cNvSpPr/>
-            <p:nvPr/>
-          </p:nvSpPr>
-          <p:spPr>
-            <a:xfrm>
-              <a:off x="8725974" y="1657032"/>
-              <a:ext cx="2088232" cy="648072"/>
-            </a:xfrm>
-            <a:prstGeom prst="ellipse">
-              <a:avLst/>
-            </a:prstGeom>
-            <a:solidFill>
-              <a:srgbClr val="6269FE"/>
-            </a:solidFill>
-          </p:spPr>
-          <p:style>
-            <a:lnRef idx="2">
-              <a:schemeClr val="accent1">
-                <a:shade val="50000"/>
-              </a:schemeClr>
-            </a:lnRef>
-            <a:fillRef idx="1">
-              <a:schemeClr val="accent1"/>
-            </a:fillRef>
-            <a:effectRef idx="0">
-              <a:schemeClr val="accent1"/>
-            </a:effectRef>
-            <a:fontRef idx="minor">
-              <a:schemeClr val="lt1"/>
-            </a:fontRef>
-          </p:style>
-          <p:txBody>
-            <a:bodyPr rtlCol="0" anchor="ctr"/>
-            <a:lstStyle/>
-            <a:p>
-              <a:pPr algn="ctr"/>
-              <a:r>
-                <a:rPr lang="en-GB" sz="1200" dirty="0" err="1"/>
-                <a:t>lk</a:t>
-              </a:r>
-              <a:endParaRPr lang="en-GB" sz="1200" dirty="0"/>
-            </a:p>
-          </p:txBody>
-        </p:sp>
-        <p:sp>
-          <p:nvSpPr>
-            <p:cNvPr id="38" name="Ellipse 37">
-              <a:extLst>
-                <a:ext uri="{FF2B5EF4-FFF2-40B4-BE49-F238E27FC236}">
-                  <a16:creationId xmlns:a16="http://schemas.microsoft.com/office/drawing/2014/main" id="{A280D4FA-E4E2-4ED3-8435-8A58115D5758}"/>
-                </a:ext>
-              </a:extLst>
-            </p:cNvPr>
-            <p:cNvSpPr/>
-            <p:nvPr/>
-          </p:nvSpPr>
-          <p:spPr>
-            <a:xfrm>
-              <a:off x="10211488" y="6126655"/>
-              <a:ext cx="2088232" cy="648072"/>
-            </a:xfrm>
-            <a:prstGeom prst="ellipse">
-              <a:avLst/>
-            </a:prstGeom>
-            <a:solidFill>
-              <a:srgbClr val="6269FE"/>
-            </a:solidFill>
-          </p:spPr>
-          <p:style>
-            <a:lnRef idx="2">
-              <a:schemeClr val="accent1">
-                <a:shade val="50000"/>
-              </a:schemeClr>
-            </a:lnRef>
-            <a:fillRef idx="1">
-              <a:schemeClr val="accent1"/>
-            </a:fillRef>
-            <a:effectRef idx="0">
-              <a:schemeClr val="accent1"/>
-            </a:effectRef>
-            <a:fontRef idx="minor">
-              <a:schemeClr val="lt1"/>
-            </a:fontRef>
-          </p:style>
-          <p:txBody>
-            <a:bodyPr rtlCol="0" anchor="ctr"/>
-            <a:lstStyle/>
-            <a:p>
-              <a:pPr algn="ctr"/>
-              <a:r>
-                <a:rPr lang="en-GB" sz="1200" dirty="0"/>
-                <a:t>timeslot</a:t>
-              </a:r>
-            </a:p>
-          </p:txBody>
-        </p:sp>
-        <p:sp>
-          <p:nvSpPr>
-            <p:cNvPr id="40" name="Ellipse 39">
-              <a:extLst>
-                <a:ext uri="{FF2B5EF4-FFF2-40B4-BE49-F238E27FC236}">
-                  <a16:creationId xmlns:a16="http://schemas.microsoft.com/office/drawing/2014/main" id="{7B9267B3-D2CF-4476-BA94-E685FB140B1A}"/>
-                </a:ext>
-              </a:extLst>
-            </p:cNvPr>
-            <p:cNvSpPr/>
-            <p:nvPr/>
-          </p:nvSpPr>
-          <p:spPr>
-            <a:xfrm>
-              <a:off x="11511126" y="3632019"/>
-              <a:ext cx="1653261" cy="458576"/>
-            </a:xfrm>
-            <a:prstGeom prst="ellipse">
-              <a:avLst/>
-            </a:prstGeom>
-            <a:solidFill>
-              <a:srgbClr val="6269FE"/>
-            </a:solidFill>
-          </p:spPr>
-          <p:style>
-            <a:lnRef idx="2">
-              <a:schemeClr val="accent1">
-                <a:shade val="50000"/>
-              </a:schemeClr>
-            </a:lnRef>
-            <a:fillRef idx="1">
-              <a:schemeClr val="accent1"/>
-            </a:fillRef>
-            <a:effectRef idx="0">
-              <a:schemeClr val="accent1"/>
-            </a:effectRef>
-            <a:fontRef idx="minor">
-              <a:schemeClr val="lt1"/>
-            </a:fontRef>
-          </p:style>
-          <p:txBody>
-            <a:bodyPr rtlCol="0" anchor="ctr"/>
-            <a:lstStyle/>
-            <a:p>
-              <a:pPr algn="ctr"/>
-              <a:r>
-                <a:rPr lang="en-GB" sz="1200"/>
-                <a:t>date</a:t>
-              </a:r>
-            </a:p>
-          </p:txBody>
-        </p:sp>
-        <p:cxnSp>
-          <p:nvCxnSpPr>
-            <p:cNvPr id="41" name="Gerade Verbindung 60">
-              <a:extLst>
-                <a:ext uri="{FF2B5EF4-FFF2-40B4-BE49-F238E27FC236}">
-                  <a16:creationId xmlns:a16="http://schemas.microsoft.com/office/drawing/2014/main" id="{1D66896D-E043-4901-B496-1AF38032ED95}"/>
-                </a:ext>
-              </a:extLst>
-            </p:cNvPr>
-            <p:cNvCxnSpPr>
-              <a:cxnSpLocks/>
-              <a:stCxn id="10" idx="3"/>
-              <a:endCxn id="74" idx="1"/>
-            </p:cNvCxnSpPr>
-            <p:nvPr/>
-          </p:nvCxnSpPr>
-          <p:spPr>
-            <a:xfrm>
-              <a:off x="8230488" y="3039191"/>
-              <a:ext cx="864876" cy="1427358"/>
-            </a:xfrm>
-            <a:prstGeom prst="line">
-              <a:avLst/>
-            </a:prstGeom>
-          </p:spPr>
-          <p:style>
-            <a:lnRef idx="1">
-              <a:schemeClr val="accent1"/>
-            </a:lnRef>
-            <a:fillRef idx="0">
-              <a:schemeClr val="accent1"/>
-            </a:fillRef>
-            <a:effectRef idx="0">
-              <a:schemeClr val="accent1"/>
-            </a:effectRef>
-            <a:fontRef idx="minor">
-              <a:schemeClr val="tx1"/>
-            </a:fontRef>
-          </p:style>
-        </p:cxnSp>
-        <p:cxnSp>
-          <p:nvCxnSpPr>
-            <p:cNvPr id="42" name="Gerade Verbindung 62">
-              <a:extLst>
-                <a:ext uri="{FF2B5EF4-FFF2-40B4-BE49-F238E27FC236}">
-                  <a16:creationId xmlns:a16="http://schemas.microsoft.com/office/drawing/2014/main" id="{43DA6AF6-A526-437F-B6F0-FE3890C8C9E5}"/>
-                </a:ext>
-              </a:extLst>
-            </p:cNvPr>
-            <p:cNvCxnSpPr>
-              <a:cxnSpLocks/>
-              <a:stCxn id="10" idx="0"/>
-              <a:endCxn id="66" idx="1"/>
-            </p:cNvCxnSpPr>
-            <p:nvPr/>
-          </p:nvCxnSpPr>
-          <p:spPr>
-            <a:xfrm flipV="1">
-              <a:off x="7690428" y="-100235"/>
-              <a:ext cx="1264793" cy="2941403"/>
-            </a:xfrm>
-            <a:prstGeom prst="line">
-              <a:avLst/>
-            </a:prstGeom>
-          </p:spPr>
-          <p:style>
-            <a:lnRef idx="1">
-              <a:schemeClr val="accent1"/>
-            </a:lnRef>
-            <a:fillRef idx="0">
-              <a:schemeClr val="accent1"/>
-            </a:fillRef>
-            <a:effectRef idx="0">
-              <a:schemeClr val="accent1"/>
-            </a:effectRef>
-            <a:fontRef idx="minor">
-              <a:schemeClr val="tx1"/>
-            </a:fontRef>
-          </p:style>
-        </p:cxnSp>
-        <p:cxnSp>
-          <p:nvCxnSpPr>
-            <p:cNvPr id="43" name="Gerade Verbindung 64">
-              <a:extLst>
-                <a:ext uri="{FF2B5EF4-FFF2-40B4-BE49-F238E27FC236}">
-                  <a16:creationId xmlns:a16="http://schemas.microsoft.com/office/drawing/2014/main" id="{4EF57E4B-D8C3-4AC2-9696-C2345DAA17AB}"/>
-                </a:ext>
-              </a:extLst>
-            </p:cNvPr>
-            <p:cNvCxnSpPr>
-              <a:cxnSpLocks/>
-              <a:stCxn id="10" idx="3"/>
-              <a:endCxn id="37" idx="2"/>
-            </p:cNvCxnSpPr>
-            <p:nvPr/>
-          </p:nvCxnSpPr>
-          <p:spPr>
-            <a:xfrm flipV="1">
-              <a:off x="8230488" y="1981068"/>
-              <a:ext cx="495486" cy="1058123"/>
-            </a:xfrm>
-            <a:prstGeom prst="line">
-              <a:avLst/>
-            </a:prstGeom>
-          </p:spPr>
-          <p:style>
-            <a:lnRef idx="1">
-              <a:schemeClr val="accent1"/>
-            </a:lnRef>
-            <a:fillRef idx="0">
-              <a:schemeClr val="accent1"/>
-            </a:fillRef>
-            <a:effectRef idx="0">
-              <a:schemeClr val="accent1"/>
-            </a:effectRef>
-            <a:fontRef idx="minor">
-              <a:schemeClr val="tx1"/>
-            </a:fontRef>
-          </p:style>
-        </p:cxnSp>
-        <p:cxnSp>
-          <p:nvCxnSpPr>
-            <p:cNvPr id="44" name="Gerade Verbindung 66">
-              <a:extLst>
-                <a:ext uri="{FF2B5EF4-FFF2-40B4-BE49-F238E27FC236}">
-                  <a16:creationId xmlns:a16="http://schemas.microsoft.com/office/drawing/2014/main" id="{C051FFED-D558-43B5-8666-B72C827EE45E}"/>
-                </a:ext>
-              </a:extLst>
-            </p:cNvPr>
-            <p:cNvCxnSpPr>
-              <a:cxnSpLocks/>
-              <a:stCxn id="65" idx="2"/>
-              <a:endCxn id="38" idx="0"/>
-            </p:cNvCxnSpPr>
-            <p:nvPr/>
-          </p:nvCxnSpPr>
-          <p:spPr>
-            <a:xfrm flipH="1">
-              <a:off x="11255604" y="5765215"/>
-              <a:ext cx="3495" cy="361440"/>
-            </a:xfrm>
-            <a:prstGeom prst="line">
-              <a:avLst/>
-            </a:prstGeom>
-          </p:spPr>
-          <p:style>
-            <a:lnRef idx="1">
-              <a:schemeClr val="accent1"/>
-            </a:lnRef>
-            <a:fillRef idx="0">
-              <a:schemeClr val="accent1"/>
-            </a:fillRef>
-            <a:effectRef idx="0">
-              <a:schemeClr val="accent1"/>
-            </a:effectRef>
-            <a:fontRef idx="minor">
-              <a:schemeClr val="tx1"/>
-            </a:fontRef>
-          </p:style>
-        </p:cxnSp>
-        <p:cxnSp>
-          <p:nvCxnSpPr>
-            <p:cNvPr id="46" name="Gerade Verbindung 70">
-              <a:extLst>
-                <a:ext uri="{FF2B5EF4-FFF2-40B4-BE49-F238E27FC236}">
-                  <a16:creationId xmlns:a16="http://schemas.microsoft.com/office/drawing/2014/main" id="{0DBCAD10-6B2F-4D02-A37B-42CCC0E39C5A}"/>
-                </a:ext>
-              </a:extLst>
-            </p:cNvPr>
-            <p:cNvCxnSpPr>
-              <a:cxnSpLocks/>
-              <a:stCxn id="64" idx="2"/>
-              <a:endCxn id="40" idx="0"/>
-            </p:cNvCxnSpPr>
-            <p:nvPr/>
-          </p:nvCxnSpPr>
-          <p:spPr>
-            <a:xfrm>
-              <a:off x="12337757" y="3273218"/>
-              <a:ext cx="0" cy="358801"/>
-            </a:xfrm>
-            <a:prstGeom prst="line">
-              <a:avLst/>
-            </a:prstGeom>
-          </p:spPr>
-          <p:style>
-            <a:lnRef idx="1">
-              <a:schemeClr val="accent1"/>
-            </a:lnRef>
-            <a:fillRef idx="0">
-              <a:schemeClr val="accent1"/>
-            </a:fillRef>
-            <a:effectRef idx="0">
-              <a:schemeClr val="accent1"/>
-            </a:effectRef>
-            <a:fontRef idx="minor">
-              <a:schemeClr val="tx1"/>
-            </a:fontRef>
-          </p:style>
-        </p:cxnSp>
-        <p:cxnSp>
-          <p:nvCxnSpPr>
-            <p:cNvPr id="47" name="Gerade Verbindung 73">
-              <a:extLst>
-                <a:ext uri="{FF2B5EF4-FFF2-40B4-BE49-F238E27FC236}">
-                  <a16:creationId xmlns:a16="http://schemas.microsoft.com/office/drawing/2014/main" id="{1F800A60-FC8C-4281-96C0-436D71D1AF22}"/>
-                </a:ext>
-              </a:extLst>
-            </p:cNvPr>
-            <p:cNvCxnSpPr>
-              <a:stCxn id="10" idx="0"/>
-              <a:endCxn id="25" idx="4"/>
-            </p:cNvCxnSpPr>
-            <p:nvPr/>
-          </p:nvCxnSpPr>
-          <p:spPr>
-            <a:xfrm flipH="1" flipV="1">
-              <a:off x="6641876" y="1761956"/>
-              <a:ext cx="1048552" cy="1079212"/>
-            </a:xfrm>
-            <a:prstGeom prst="line">
-              <a:avLst/>
-            </a:prstGeom>
-          </p:spPr>
-          <p:style>
-            <a:lnRef idx="1">
-              <a:schemeClr val="accent1"/>
-            </a:lnRef>
-            <a:fillRef idx="0">
-              <a:schemeClr val="accent1"/>
-            </a:fillRef>
-            <a:effectRef idx="0">
-              <a:schemeClr val="accent1"/>
-            </a:effectRef>
-            <a:fontRef idx="minor">
-              <a:schemeClr val="tx1"/>
-            </a:fontRef>
-          </p:style>
-        </p:cxnSp>
-        <p:cxnSp>
-          <p:nvCxnSpPr>
-            <p:cNvPr id="49" name="Gerade Verbindung 77">
-              <a:extLst>
-                <a:ext uri="{FF2B5EF4-FFF2-40B4-BE49-F238E27FC236}">
-                  <a16:creationId xmlns:a16="http://schemas.microsoft.com/office/drawing/2014/main" id="{87822DC7-FD18-4B45-90C2-1D4028E49DF8}"/>
-                </a:ext>
-              </a:extLst>
-            </p:cNvPr>
-            <p:cNvCxnSpPr>
-              <a:stCxn id="34" idx="0"/>
-              <a:endCxn id="7" idx="2"/>
-            </p:cNvCxnSpPr>
-            <p:nvPr/>
-          </p:nvCxnSpPr>
-          <p:spPr>
-            <a:xfrm flipV="1">
-              <a:off x="3926080" y="4505078"/>
-              <a:ext cx="323070" cy="384975"/>
-            </a:xfrm>
-            <a:prstGeom prst="line">
-              <a:avLst/>
-            </a:prstGeom>
-          </p:spPr>
-          <p:style>
-            <a:lnRef idx="1">
-              <a:schemeClr val="accent1"/>
-            </a:lnRef>
-            <a:fillRef idx="0">
-              <a:schemeClr val="accent1"/>
-            </a:fillRef>
-            <a:effectRef idx="0">
-              <a:schemeClr val="accent1"/>
-            </a:effectRef>
-            <a:fontRef idx="minor">
-              <a:schemeClr val="tx1"/>
-            </a:fontRef>
-          </p:style>
-        </p:cxnSp>
-        <p:sp>
-          <p:nvSpPr>
-            <p:cNvPr id="62" name="Ellipse 61">
-              <a:extLst>
-                <a:ext uri="{FF2B5EF4-FFF2-40B4-BE49-F238E27FC236}">
-                  <a16:creationId xmlns:a16="http://schemas.microsoft.com/office/drawing/2014/main" id="{B71EFE4B-BD85-4820-86D2-294BD0AF60AC}"/>
-                </a:ext>
-              </a:extLst>
-            </p:cNvPr>
-            <p:cNvSpPr/>
-            <p:nvPr/>
-          </p:nvSpPr>
-          <p:spPr>
-            <a:xfrm>
-              <a:off x="-1852394" y="2962494"/>
-              <a:ext cx="1690388" cy="536341"/>
-            </a:xfrm>
-            <a:prstGeom prst="ellipse">
-              <a:avLst/>
-            </a:prstGeom>
+          </a:ln>
+        </p:spPr>
+        <p:style>
+          <a:lnRef idx="2">
+            <a:schemeClr val="accent1">
+              <a:shade val="50000"/>
+            </a:schemeClr>
+          </a:lnRef>
+          <a:fillRef idx="1">
+            <a:schemeClr val="accent1"/>
+          </a:fillRef>
+          <a:effectRef idx="0">
+            <a:schemeClr val="accent1"/>
+          </a:effectRef>
+          <a:fontRef idx="minor">
+            <a:schemeClr val="lt1"/>
+          </a:fontRef>
+        </p:style>
+        <p:txBody>
+          <a:bodyPr rtlCol="0" anchor="ctr"/>
+          <a:lstStyle/>
+          <a:p>
+            <a:pPr algn="ctr"/>
+            <a:r>
+              <a:rPr lang="en-GB" sz="1200" dirty="0"/>
+              <a:t>username</a:t>
+            </a:r>
+          </a:p>
+        </p:txBody>
+      </p:sp>
+      <p:cxnSp>
+        <p:nvCxnSpPr>
+          <p:cNvPr id="30" name="Gerade Verbindung 1036">
+            <a:extLst>
+              <a:ext uri="{FF2B5EF4-FFF2-40B4-BE49-F238E27FC236}">
+                <a16:creationId xmlns:a16="http://schemas.microsoft.com/office/drawing/2014/main" id="{944C4D2F-F52C-4D4E-9E3D-867467D81E4D}"/>
+              </a:ext>
+            </a:extLst>
+          </p:cNvPr>
+          <p:cNvCxnSpPr>
+            <a:cxnSpLocks/>
+            <a:stCxn id="29" idx="0"/>
+            <a:endCxn id="27" idx="3"/>
+          </p:cNvCxnSpPr>
+          <p:nvPr/>
+        </p:nvCxnSpPr>
+        <p:spPr>
+          <a:xfrm flipV="1">
+            <a:off x="1704030" y="4437095"/>
+            <a:ext cx="299877" cy="185484"/>
+          </a:xfrm>
+          <a:prstGeom prst="line">
+            <a:avLst/>
+          </a:prstGeom>
+        </p:spPr>
+        <p:style>
+          <a:lnRef idx="1">
+            <a:schemeClr val="accent1"/>
+          </a:lnRef>
+          <a:fillRef idx="0">
+            <a:schemeClr val="accent1"/>
+          </a:fillRef>
+          <a:effectRef idx="0">
+            <a:schemeClr val="accent1"/>
+          </a:effectRef>
+          <a:fontRef idx="minor">
+            <a:schemeClr val="tx1"/>
+          </a:fontRef>
+        </p:style>
+      </p:cxnSp>
+      <p:cxnSp>
+        <p:nvCxnSpPr>
+          <p:cNvPr id="31" name="Gerade Verbindung 1038">
+            <a:extLst>
+              <a:ext uri="{FF2B5EF4-FFF2-40B4-BE49-F238E27FC236}">
+                <a16:creationId xmlns:a16="http://schemas.microsoft.com/office/drawing/2014/main" id="{C15468A9-D327-4463-88BB-A649F64CCCC9}"/>
+              </a:ext>
+            </a:extLst>
+          </p:cNvPr>
+          <p:cNvCxnSpPr>
+            <a:cxnSpLocks/>
+            <a:stCxn id="28" idx="0"/>
+            <a:endCxn id="27" idx="5"/>
+          </p:cNvCxnSpPr>
+          <p:nvPr/>
+        </p:nvCxnSpPr>
+        <p:spPr>
+          <a:xfrm flipH="1" flipV="1">
+            <a:off x="2519287" y="4437095"/>
+            <a:ext cx="432389" cy="185484"/>
+          </a:xfrm>
+          <a:prstGeom prst="line">
+            <a:avLst/>
+          </a:prstGeom>
+        </p:spPr>
+        <p:style>
+          <a:lnRef idx="1">
+            <a:schemeClr val="accent1"/>
+          </a:lnRef>
+          <a:fillRef idx="0">
+            <a:schemeClr val="accent1"/>
+          </a:fillRef>
+          <a:effectRef idx="0">
+            <a:schemeClr val="accent1"/>
+          </a:effectRef>
+          <a:fontRef idx="minor">
+            <a:schemeClr val="tx1"/>
+          </a:fontRef>
+        </p:style>
+      </p:cxnSp>
+      <p:cxnSp>
+        <p:nvCxnSpPr>
+          <p:cNvPr id="32" name="Gerade Verbindung 1040">
+            <a:extLst>
+              <a:ext uri="{FF2B5EF4-FFF2-40B4-BE49-F238E27FC236}">
+                <a16:creationId xmlns:a16="http://schemas.microsoft.com/office/drawing/2014/main" id="{64177E30-9339-4AB7-9E71-CA5200AE1E09}"/>
+              </a:ext>
+            </a:extLst>
+          </p:cNvPr>
+          <p:cNvCxnSpPr>
+            <a:stCxn id="6" idx="2"/>
+            <a:endCxn id="27" idx="0"/>
+          </p:cNvCxnSpPr>
+          <p:nvPr/>
+        </p:nvCxnSpPr>
+        <p:spPr>
+          <a:xfrm>
+            <a:off x="2251589" y="3919232"/>
+            <a:ext cx="10008" cy="272835"/>
+          </a:xfrm>
+          <a:prstGeom prst="line">
+            <a:avLst/>
+          </a:prstGeom>
+        </p:spPr>
+        <p:style>
+          <a:lnRef idx="1">
+            <a:schemeClr val="accent1"/>
+          </a:lnRef>
+          <a:fillRef idx="0">
+            <a:schemeClr val="accent1"/>
+          </a:fillRef>
+          <a:effectRef idx="0">
+            <a:schemeClr val="accent1"/>
+          </a:effectRef>
+          <a:fontRef idx="minor">
+            <a:schemeClr val="tx1"/>
+          </a:fontRef>
+        </p:style>
+      </p:cxnSp>
+      <p:cxnSp>
+        <p:nvCxnSpPr>
+          <p:cNvPr id="33" name="Gerade Verbindung 1042">
+            <a:extLst>
+              <a:ext uri="{FF2B5EF4-FFF2-40B4-BE49-F238E27FC236}">
+                <a16:creationId xmlns:a16="http://schemas.microsoft.com/office/drawing/2014/main" id="{1C96C3FA-F814-441D-BE88-746C053EBE73}"/>
+              </a:ext>
+            </a:extLst>
+          </p:cNvPr>
+          <p:cNvCxnSpPr>
+            <a:stCxn id="6" idx="0"/>
+            <a:endCxn id="26" idx="4"/>
+          </p:cNvCxnSpPr>
+          <p:nvPr/>
+        </p:nvCxnSpPr>
+        <p:spPr>
+          <a:xfrm flipV="1">
+            <a:off x="2251589" y="3261756"/>
+            <a:ext cx="696093" cy="382889"/>
+          </a:xfrm>
+          <a:prstGeom prst="line">
+            <a:avLst/>
+          </a:prstGeom>
+        </p:spPr>
+        <p:style>
+          <a:lnRef idx="1">
+            <a:schemeClr val="accent1"/>
+          </a:lnRef>
+          <a:fillRef idx="0">
+            <a:schemeClr val="accent1"/>
+          </a:fillRef>
+          <a:effectRef idx="0">
+            <a:schemeClr val="accent1"/>
+          </a:effectRef>
+          <a:fontRef idx="minor">
+            <a:schemeClr val="tx1"/>
+          </a:fontRef>
+        </p:style>
+      </p:cxnSp>
+      <p:sp>
+        <p:nvSpPr>
+          <p:cNvPr id="34" name="Ellipse 33">
+            <a:extLst>
+              <a:ext uri="{FF2B5EF4-FFF2-40B4-BE49-F238E27FC236}">
+                <a16:creationId xmlns:a16="http://schemas.microsoft.com/office/drawing/2014/main" id="{5F6019B8-9517-4A1C-A263-B759D82FAE31}"/>
+              </a:ext>
+            </a:extLst>
+          </p:cNvPr>
+          <p:cNvSpPr/>
+          <p:nvPr/>
+        </p:nvSpPr>
+        <p:spPr>
+          <a:xfrm>
+            <a:off x="4006963" y="5087798"/>
+            <a:ext cx="774207" cy="332183"/>
+          </a:xfrm>
+          <a:prstGeom prst="ellipse">
+            <a:avLst/>
+          </a:prstGeom>
+          <a:solidFill>
+            <a:srgbClr val="B66A62"/>
+          </a:solidFill>
+        </p:spPr>
+        <p:style>
+          <a:lnRef idx="2">
+            <a:schemeClr val="accent1">
+              <a:shade val="50000"/>
+            </a:schemeClr>
+          </a:lnRef>
+          <a:fillRef idx="1">
+            <a:schemeClr val="accent1"/>
+          </a:fillRef>
+          <a:effectRef idx="0">
+            <a:schemeClr val="accent1"/>
+          </a:effectRef>
+          <a:fontRef idx="minor">
+            <a:schemeClr val="lt1"/>
+          </a:fontRef>
+        </p:style>
+        <p:txBody>
+          <a:bodyPr rtlCol="0" anchor="ctr"/>
+          <a:lstStyle/>
+          <a:p>
+            <a:pPr algn="ctr"/>
+            <a:r>
+              <a:rPr lang="en-GB" sz="1200"/>
+              <a:t>token</a:t>
+            </a:r>
+          </a:p>
+        </p:txBody>
+      </p:sp>
+      <p:sp>
+        <p:nvSpPr>
+          <p:cNvPr id="37" name="Ellipse 36">
+            <a:extLst>
+              <a:ext uri="{FF2B5EF4-FFF2-40B4-BE49-F238E27FC236}">
+                <a16:creationId xmlns:a16="http://schemas.microsoft.com/office/drawing/2014/main" id="{3E1531F3-70C0-4FCF-BE48-F34DECE100B0}"/>
+              </a:ext>
+            </a:extLst>
+          </p:cNvPr>
+          <p:cNvSpPr/>
+          <p:nvPr/>
+        </p:nvSpPr>
+        <p:spPr>
+          <a:xfrm>
+            <a:off x="7420758" y="2764251"/>
+            <a:ext cx="1447821" cy="449324"/>
+          </a:xfrm>
+          <a:prstGeom prst="ellipse">
+            <a:avLst/>
+          </a:prstGeom>
+          <a:solidFill>
+            <a:srgbClr val="6269FE"/>
+          </a:solidFill>
+        </p:spPr>
+        <p:style>
+          <a:lnRef idx="2">
+            <a:schemeClr val="accent1">
+              <a:shade val="50000"/>
+            </a:schemeClr>
+          </a:lnRef>
+          <a:fillRef idx="1">
+            <a:schemeClr val="accent1"/>
+          </a:fillRef>
+          <a:effectRef idx="0">
+            <a:schemeClr val="accent1"/>
+          </a:effectRef>
+          <a:fontRef idx="minor">
+            <a:schemeClr val="lt1"/>
+          </a:fontRef>
+        </p:style>
+        <p:txBody>
+          <a:bodyPr rtlCol="0" anchor="ctr"/>
+          <a:lstStyle/>
+          <a:p>
+            <a:pPr algn="ctr"/>
+            <a:r>
+              <a:rPr lang="en-GB" sz="1200" dirty="0" err="1"/>
+              <a:t>lk</a:t>
+            </a:r>
+            <a:endParaRPr lang="en-GB" sz="1200" dirty="0"/>
+          </a:p>
+        </p:txBody>
+      </p:sp>
+      <p:sp>
+        <p:nvSpPr>
+          <p:cNvPr id="38" name="Ellipse 37">
+            <a:extLst>
+              <a:ext uri="{FF2B5EF4-FFF2-40B4-BE49-F238E27FC236}">
+                <a16:creationId xmlns:a16="http://schemas.microsoft.com/office/drawing/2014/main" id="{A280D4FA-E4E2-4ED3-8435-8A58115D5758}"/>
+              </a:ext>
+            </a:extLst>
+          </p:cNvPr>
+          <p:cNvSpPr/>
+          <p:nvPr/>
+        </p:nvSpPr>
+        <p:spPr>
+          <a:xfrm>
+            <a:off x="8530521" y="5797738"/>
+            <a:ext cx="1447821" cy="449324"/>
+          </a:xfrm>
+          <a:prstGeom prst="ellipse">
+            <a:avLst/>
+          </a:prstGeom>
+          <a:solidFill>
+            <a:srgbClr val="6269FE"/>
+          </a:solidFill>
+        </p:spPr>
+        <p:style>
+          <a:lnRef idx="2">
+            <a:schemeClr val="accent1">
+              <a:shade val="50000"/>
+            </a:schemeClr>
+          </a:lnRef>
+          <a:fillRef idx="1">
+            <a:schemeClr val="accent1"/>
+          </a:fillRef>
+          <a:effectRef idx="0">
+            <a:schemeClr val="accent1"/>
+          </a:effectRef>
+          <a:fontRef idx="minor">
+            <a:schemeClr val="lt1"/>
+          </a:fontRef>
+        </p:style>
+        <p:txBody>
+          <a:bodyPr rtlCol="0" anchor="ctr"/>
+          <a:lstStyle/>
+          <a:p>
+            <a:pPr algn="ctr"/>
+            <a:r>
+              <a:rPr lang="en-GB" sz="1200" dirty="0"/>
+              <a:t>timeslot</a:t>
+            </a:r>
+          </a:p>
+        </p:txBody>
+      </p:sp>
+      <p:sp>
+        <p:nvSpPr>
+          <p:cNvPr id="40" name="Ellipse 39">
+            <a:extLst>
+              <a:ext uri="{FF2B5EF4-FFF2-40B4-BE49-F238E27FC236}">
+                <a16:creationId xmlns:a16="http://schemas.microsoft.com/office/drawing/2014/main" id="{7B9267B3-D2CF-4476-BA94-E685FB140B1A}"/>
+              </a:ext>
+            </a:extLst>
+          </p:cNvPr>
+          <p:cNvSpPr/>
+          <p:nvPr/>
+        </p:nvSpPr>
+        <p:spPr>
+          <a:xfrm>
+            <a:off x="9431591" y="4068148"/>
+            <a:ext cx="1146245" cy="317942"/>
+          </a:xfrm>
+          <a:prstGeom prst="ellipse">
+            <a:avLst/>
+          </a:prstGeom>
+          <a:solidFill>
+            <a:srgbClr val="6269FE"/>
+          </a:solidFill>
+        </p:spPr>
+        <p:style>
+          <a:lnRef idx="2">
+            <a:schemeClr val="accent1">
+              <a:shade val="50000"/>
+            </a:schemeClr>
+          </a:lnRef>
+          <a:fillRef idx="1">
+            <a:schemeClr val="accent1"/>
+          </a:fillRef>
+          <a:effectRef idx="0">
+            <a:schemeClr val="accent1"/>
+          </a:effectRef>
+          <a:fontRef idx="minor">
+            <a:schemeClr val="lt1"/>
+          </a:fontRef>
+        </p:style>
+        <p:txBody>
+          <a:bodyPr rtlCol="0" anchor="ctr"/>
+          <a:lstStyle/>
+          <a:p>
+            <a:pPr algn="ctr"/>
+            <a:r>
+              <a:rPr lang="en-GB" sz="1200"/>
+              <a:t>date</a:t>
+            </a:r>
+          </a:p>
+        </p:txBody>
+      </p:sp>
+      <p:cxnSp>
+        <p:nvCxnSpPr>
+          <p:cNvPr id="41" name="Gerade Verbindung 60">
+            <a:extLst>
+              <a:ext uri="{FF2B5EF4-FFF2-40B4-BE49-F238E27FC236}">
+                <a16:creationId xmlns:a16="http://schemas.microsoft.com/office/drawing/2014/main" id="{1D66896D-E043-4901-B496-1AF38032ED95}"/>
+              </a:ext>
+            </a:extLst>
+          </p:cNvPr>
+          <p:cNvCxnSpPr>
+            <a:cxnSpLocks/>
+            <a:stCxn id="10" idx="3"/>
+            <a:endCxn id="74" idx="1"/>
+          </p:cNvCxnSpPr>
+          <p:nvPr/>
+        </p:nvCxnSpPr>
+        <p:spPr>
+          <a:xfrm>
+            <a:off x="7157046" y="3657126"/>
+            <a:ext cx="558902" cy="979503"/>
+          </a:xfrm>
+          <a:prstGeom prst="line">
+            <a:avLst/>
+          </a:prstGeom>
+        </p:spPr>
+        <p:style>
+          <a:lnRef idx="1">
+            <a:schemeClr val="accent1"/>
+          </a:lnRef>
+          <a:fillRef idx="0">
+            <a:schemeClr val="accent1"/>
+          </a:fillRef>
+          <a:effectRef idx="0">
+            <a:schemeClr val="accent1"/>
+          </a:effectRef>
+          <a:fontRef idx="minor">
+            <a:schemeClr val="tx1"/>
+          </a:fontRef>
+        </p:style>
+      </p:cxnSp>
+      <p:cxnSp>
+        <p:nvCxnSpPr>
+          <p:cNvPr id="42" name="Gerade Verbindung 62">
+            <a:extLst>
+              <a:ext uri="{FF2B5EF4-FFF2-40B4-BE49-F238E27FC236}">
+                <a16:creationId xmlns:a16="http://schemas.microsoft.com/office/drawing/2014/main" id="{43DA6AF6-A526-437F-B6F0-FE3890C8C9E5}"/>
+              </a:ext>
+            </a:extLst>
+          </p:cNvPr>
+          <p:cNvCxnSpPr>
+            <a:cxnSpLocks/>
+            <a:stCxn id="10" idx="0"/>
+            <a:endCxn id="119" idx="2"/>
+          </p:cNvCxnSpPr>
+          <p:nvPr/>
+        </p:nvCxnSpPr>
+        <p:spPr>
+          <a:xfrm flipV="1">
+            <a:off x="6782610" y="2486711"/>
+            <a:ext cx="929247" cy="1033121"/>
+          </a:xfrm>
+          <a:prstGeom prst="line">
+            <a:avLst/>
+          </a:prstGeom>
+        </p:spPr>
+        <p:style>
+          <a:lnRef idx="1">
+            <a:schemeClr val="accent1"/>
+          </a:lnRef>
+          <a:fillRef idx="0">
+            <a:schemeClr val="accent1"/>
+          </a:fillRef>
+          <a:effectRef idx="0">
+            <a:schemeClr val="accent1"/>
+          </a:effectRef>
+          <a:fontRef idx="minor">
+            <a:schemeClr val="tx1"/>
+          </a:fontRef>
+        </p:style>
+      </p:cxnSp>
+      <p:cxnSp>
+        <p:nvCxnSpPr>
+          <p:cNvPr id="43" name="Gerade Verbindung 64">
+            <a:extLst>
+              <a:ext uri="{FF2B5EF4-FFF2-40B4-BE49-F238E27FC236}">
+                <a16:creationId xmlns:a16="http://schemas.microsoft.com/office/drawing/2014/main" id="{4EF57E4B-D8C3-4AC2-9696-C2345DAA17AB}"/>
+              </a:ext>
+            </a:extLst>
+          </p:cNvPr>
+          <p:cNvCxnSpPr>
+            <a:cxnSpLocks/>
+            <a:stCxn id="10" idx="3"/>
+            <a:endCxn id="37" idx="3"/>
+          </p:cNvCxnSpPr>
+          <p:nvPr/>
+        </p:nvCxnSpPr>
+        <p:spPr>
+          <a:xfrm flipV="1">
+            <a:off x="7157046" y="3147773"/>
+            <a:ext cx="475740" cy="509353"/>
+          </a:xfrm>
+          <a:prstGeom prst="line">
+            <a:avLst/>
+          </a:prstGeom>
+        </p:spPr>
+        <p:style>
+          <a:lnRef idx="1">
+            <a:schemeClr val="accent1"/>
+          </a:lnRef>
+          <a:fillRef idx="0">
+            <a:schemeClr val="accent1"/>
+          </a:fillRef>
+          <a:effectRef idx="0">
+            <a:schemeClr val="accent1"/>
+          </a:effectRef>
+          <a:fontRef idx="minor">
+            <a:schemeClr val="tx1"/>
+          </a:fontRef>
+        </p:style>
+      </p:cxnSp>
+      <p:cxnSp>
+        <p:nvCxnSpPr>
+          <p:cNvPr id="44" name="Gerade Verbindung 66">
+            <a:extLst>
+              <a:ext uri="{FF2B5EF4-FFF2-40B4-BE49-F238E27FC236}">
+                <a16:creationId xmlns:a16="http://schemas.microsoft.com/office/drawing/2014/main" id="{C051FFED-D558-43B5-8666-B72C827EE45E}"/>
+              </a:ext>
+            </a:extLst>
+          </p:cNvPr>
+          <p:cNvCxnSpPr>
+            <a:cxnSpLocks/>
+            <a:stCxn id="65" idx="2"/>
+            <a:endCxn id="38" idx="0"/>
+          </p:cNvCxnSpPr>
+          <p:nvPr/>
+        </p:nvCxnSpPr>
+        <p:spPr>
+          <a:xfrm flipH="1">
+            <a:off x="9254431" y="5547143"/>
+            <a:ext cx="2423" cy="250595"/>
+          </a:xfrm>
+          <a:prstGeom prst="line">
+            <a:avLst/>
+          </a:prstGeom>
+        </p:spPr>
+        <p:style>
+          <a:lnRef idx="1">
+            <a:schemeClr val="accent1"/>
+          </a:lnRef>
+          <a:fillRef idx="0">
+            <a:schemeClr val="accent1"/>
+          </a:fillRef>
+          <a:effectRef idx="0">
+            <a:schemeClr val="accent1"/>
+          </a:effectRef>
+          <a:fontRef idx="minor">
+            <a:schemeClr val="tx1"/>
+          </a:fontRef>
+        </p:style>
+      </p:cxnSp>
+      <p:cxnSp>
+        <p:nvCxnSpPr>
+          <p:cNvPr id="46" name="Gerade Verbindung 70">
+            <a:extLst>
+              <a:ext uri="{FF2B5EF4-FFF2-40B4-BE49-F238E27FC236}">
+                <a16:creationId xmlns:a16="http://schemas.microsoft.com/office/drawing/2014/main" id="{0DBCAD10-6B2F-4D02-A37B-42CCC0E39C5A}"/>
+              </a:ext>
+            </a:extLst>
+          </p:cNvPr>
+          <p:cNvCxnSpPr>
+            <a:cxnSpLocks/>
+            <a:stCxn id="64" idx="2"/>
+            <a:endCxn id="40" idx="0"/>
+          </p:cNvCxnSpPr>
+          <p:nvPr/>
+        </p:nvCxnSpPr>
+        <p:spPr>
+          <a:xfrm>
+            <a:off x="10004713" y="3819383"/>
+            <a:ext cx="0" cy="248765"/>
+          </a:xfrm>
+          <a:prstGeom prst="line">
+            <a:avLst/>
+          </a:prstGeom>
+        </p:spPr>
+        <p:style>
+          <a:lnRef idx="1">
+            <a:schemeClr val="accent1"/>
+          </a:lnRef>
+          <a:fillRef idx="0">
+            <a:schemeClr val="accent1"/>
+          </a:fillRef>
+          <a:effectRef idx="0">
+            <a:schemeClr val="accent1"/>
+          </a:effectRef>
+          <a:fontRef idx="minor">
+            <a:schemeClr val="tx1"/>
+          </a:fontRef>
+        </p:style>
+      </p:cxnSp>
+      <p:cxnSp>
+        <p:nvCxnSpPr>
+          <p:cNvPr id="47" name="Gerade Verbindung 73">
+            <a:extLst>
+              <a:ext uri="{FF2B5EF4-FFF2-40B4-BE49-F238E27FC236}">
+                <a16:creationId xmlns:a16="http://schemas.microsoft.com/office/drawing/2014/main" id="{1F800A60-FC8C-4281-96C0-436D71D1AF22}"/>
+              </a:ext>
+            </a:extLst>
+          </p:cNvPr>
+          <p:cNvCxnSpPr>
+            <a:cxnSpLocks/>
+            <a:stCxn id="10" idx="0"/>
+            <a:endCxn id="25" idx="5"/>
+          </p:cNvCxnSpPr>
+          <p:nvPr/>
+        </p:nvCxnSpPr>
+        <p:spPr>
+          <a:xfrm flipH="1" flipV="1">
+            <a:off x="6152775" y="2938985"/>
+            <a:ext cx="629835" cy="580847"/>
+          </a:xfrm>
+          <a:prstGeom prst="line">
+            <a:avLst/>
+          </a:prstGeom>
+        </p:spPr>
+        <p:style>
+          <a:lnRef idx="1">
+            <a:schemeClr val="accent1"/>
+          </a:lnRef>
+          <a:fillRef idx="0">
+            <a:schemeClr val="accent1"/>
+          </a:fillRef>
+          <a:effectRef idx="0">
+            <a:schemeClr val="accent1"/>
+          </a:effectRef>
+          <a:fontRef idx="minor">
+            <a:schemeClr val="tx1"/>
+          </a:fontRef>
+        </p:style>
+      </p:cxnSp>
+      <p:cxnSp>
+        <p:nvCxnSpPr>
+          <p:cNvPr id="49" name="Gerade Verbindung 77">
+            <a:extLst>
+              <a:ext uri="{FF2B5EF4-FFF2-40B4-BE49-F238E27FC236}">
+                <a16:creationId xmlns:a16="http://schemas.microsoft.com/office/drawing/2014/main" id="{87822DC7-FD18-4B45-90C2-1D4028E49DF8}"/>
+              </a:ext>
+            </a:extLst>
+          </p:cNvPr>
+          <p:cNvCxnSpPr>
+            <a:stCxn id="34" idx="0"/>
+            <a:endCxn id="7" idx="2"/>
+          </p:cNvCxnSpPr>
+          <p:nvPr/>
+        </p:nvCxnSpPr>
+        <p:spPr>
+          <a:xfrm flipV="1">
+            <a:off x="4394067" y="4673460"/>
+            <a:ext cx="2623" cy="414338"/>
+          </a:xfrm>
+          <a:prstGeom prst="line">
+            <a:avLst/>
+          </a:prstGeom>
+        </p:spPr>
+        <p:style>
+          <a:lnRef idx="1">
+            <a:schemeClr val="accent1"/>
+          </a:lnRef>
+          <a:fillRef idx="0">
+            <a:schemeClr val="accent1"/>
+          </a:fillRef>
+          <a:effectRef idx="0">
+            <a:schemeClr val="accent1"/>
+          </a:effectRef>
+          <a:fontRef idx="minor">
+            <a:schemeClr val="tx1"/>
+          </a:fontRef>
+        </p:style>
+      </p:cxnSp>
+      <p:sp>
+        <p:nvSpPr>
+          <p:cNvPr id="62" name="Ellipse 61">
+            <a:extLst>
+              <a:ext uri="{FF2B5EF4-FFF2-40B4-BE49-F238E27FC236}">
+                <a16:creationId xmlns:a16="http://schemas.microsoft.com/office/drawing/2014/main" id="{B71EFE4B-BD85-4820-86D2-294BD0AF60AC}"/>
+              </a:ext>
+            </a:extLst>
+          </p:cNvPr>
+          <p:cNvSpPr/>
+          <p:nvPr/>
+        </p:nvSpPr>
+        <p:spPr>
+          <a:xfrm>
+            <a:off x="166344" y="3603950"/>
+            <a:ext cx="1171986" cy="371858"/>
+          </a:xfrm>
+          <a:prstGeom prst="ellipse">
+            <a:avLst/>
+          </a:prstGeom>
+          <a:solidFill>
+            <a:srgbClr val="FC6142"/>
+          </a:solidFill>
+          <a:ln>
             <a:solidFill>
               <a:srgbClr val="FC6142"/>
             </a:solidFill>
-            <a:ln>
-              <a:solidFill>
-                <a:srgbClr val="FC6142"/>
-              </a:solidFill>
-            </a:ln>
-          </p:spPr>
-          <p:style>
-            <a:lnRef idx="2">
-              <a:schemeClr val="accent1">
-                <a:shade val="50000"/>
-              </a:schemeClr>
-            </a:lnRef>
-            <a:fillRef idx="1">
-              <a:schemeClr val="accent1"/>
-            </a:fillRef>
-            <a:effectRef idx="0">
-              <a:schemeClr val="accent1"/>
-            </a:effectRef>
-            <a:fontRef idx="minor">
-              <a:schemeClr val="lt1"/>
-            </a:fontRef>
-          </p:style>
-          <p:txBody>
-            <a:bodyPr rot="0" spcFirstLastPara="0" vertOverflow="overflow" horzOverflow="overflow" vert="horz" wrap="square" lIns="91440" tIns="45720" rIns="91440" bIns="45720" numCol="1" spcCol="0" rtlCol="0" fromWordArt="0" anchor="ctr" anchorCtr="0" forceAA="0" compatLnSpc="1">
-              <a:prstTxWarp prst="textNoShape">
-                <a:avLst/>
-              </a:prstTxWarp>
-              <a:noAutofit/>
-            </a:bodyPr>
-            <a:lstStyle/>
-            <a:p>
-              <a:pPr algn="ctr"/>
-              <a:r>
-                <a:rPr lang="en-GB" sz="1200" dirty="0"/>
-                <a:t>nickname</a:t>
-              </a:r>
-            </a:p>
-          </p:txBody>
-        </p:sp>
-        <p:sp>
-          <p:nvSpPr>
-            <p:cNvPr id="63" name="Ellipse 62">
-              <a:extLst>
-                <a:ext uri="{FF2B5EF4-FFF2-40B4-BE49-F238E27FC236}">
-                  <a16:creationId xmlns:a16="http://schemas.microsoft.com/office/drawing/2014/main" id="{3A9189BE-3FE3-41F2-A9F1-106DDDC5BBAC}"/>
-                </a:ext>
-              </a:extLst>
-            </p:cNvPr>
-            <p:cNvSpPr/>
-            <p:nvPr/>
-          </p:nvSpPr>
-          <p:spPr>
-            <a:xfrm>
-              <a:off x="-853706" y="2086865"/>
-              <a:ext cx="1293123" cy="479117"/>
-            </a:xfrm>
-            <a:prstGeom prst="ellipse">
+          </a:ln>
+        </p:spPr>
+        <p:style>
+          <a:lnRef idx="2">
+            <a:schemeClr val="accent1">
+              <a:shade val="50000"/>
+            </a:schemeClr>
+          </a:lnRef>
+          <a:fillRef idx="1">
+            <a:schemeClr val="accent1"/>
+          </a:fillRef>
+          <a:effectRef idx="0">
+            <a:schemeClr val="accent1"/>
+          </a:effectRef>
+          <a:fontRef idx="minor">
+            <a:schemeClr val="lt1"/>
+          </a:fontRef>
+        </p:style>
+        <p:txBody>
+          <a:bodyPr rot="0" spcFirstLastPara="0" vertOverflow="overflow" horzOverflow="overflow" vert="horz" wrap="square" lIns="91440" tIns="45720" rIns="91440" bIns="45720" numCol="1" spcCol="0" rtlCol="0" fromWordArt="0" anchor="ctr" anchorCtr="0" forceAA="0" compatLnSpc="1">
+            <a:prstTxWarp prst="textNoShape">
               <a:avLst/>
-            </a:prstGeom>
+            </a:prstTxWarp>
+            <a:noAutofit/>
+          </a:bodyPr>
+          <a:lstStyle/>
+          <a:p>
+            <a:pPr algn="ctr"/>
+            <a:r>
+              <a:rPr lang="en-GB" sz="1200" dirty="0"/>
+              <a:t>nickname</a:t>
+            </a:r>
+          </a:p>
+        </p:txBody>
+      </p:sp>
+      <p:sp>
+        <p:nvSpPr>
+          <p:cNvPr id="63" name="Ellipse 62">
+            <a:extLst>
+              <a:ext uri="{FF2B5EF4-FFF2-40B4-BE49-F238E27FC236}">
+                <a16:creationId xmlns:a16="http://schemas.microsoft.com/office/drawing/2014/main" id="{3A9189BE-3FE3-41F2-A9F1-106DDDC5BBAC}"/>
+              </a:ext>
+            </a:extLst>
+          </p:cNvPr>
+          <p:cNvSpPr/>
+          <p:nvPr/>
+        </p:nvSpPr>
+        <p:spPr>
+          <a:xfrm>
+            <a:off x="858758" y="2996856"/>
+            <a:ext cx="896553" cy="332183"/>
+          </a:xfrm>
+          <a:prstGeom prst="ellipse">
+            <a:avLst/>
+          </a:prstGeom>
+          <a:solidFill>
+            <a:srgbClr val="FC6142"/>
+          </a:solidFill>
+          <a:ln>
             <a:solidFill>
               <a:srgbClr val="FC6142"/>
             </a:solidFill>
-            <a:ln>
-              <a:solidFill>
-                <a:srgbClr val="FC6142"/>
-              </a:solidFill>
-            </a:ln>
-          </p:spPr>
-          <p:style>
-            <a:lnRef idx="2">
-              <a:schemeClr val="accent1">
-                <a:shade val="50000"/>
-              </a:schemeClr>
-            </a:lnRef>
-            <a:fillRef idx="1">
-              <a:schemeClr val="accent1"/>
-            </a:fillRef>
-            <a:effectRef idx="0">
-              <a:schemeClr val="accent1"/>
-            </a:effectRef>
-            <a:fontRef idx="minor">
-              <a:schemeClr val="lt1"/>
-            </a:fontRef>
-          </p:style>
-          <p:txBody>
-            <a:bodyPr rtlCol="0" anchor="ctr"/>
-            <a:lstStyle/>
-            <a:p>
-              <a:pPr algn="ctr"/>
-              <a:r>
-                <a:rPr lang="en-GB" sz="1200"/>
-                <a:t>email</a:t>
-              </a:r>
-            </a:p>
-          </p:txBody>
-        </p:sp>
-        <p:sp>
-          <p:nvSpPr>
-            <p:cNvPr id="64" name="Rechteck 63">
-              <a:extLst>
-                <a:ext uri="{FF2B5EF4-FFF2-40B4-BE49-F238E27FC236}">
-                  <a16:creationId xmlns:a16="http://schemas.microsoft.com/office/drawing/2014/main" id="{93FB4286-CABE-445C-8E96-31CEF9153A81}"/>
-                </a:ext>
-              </a:extLst>
-            </p:cNvPr>
-            <p:cNvSpPr/>
-            <p:nvPr/>
-          </p:nvSpPr>
-          <p:spPr>
-            <a:xfrm>
-              <a:off x="11797697" y="2877173"/>
-              <a:ext cx="1080120" cy="396045"/>
-            </a:xfrm>
-            <a:prstGeom prst="rect">
-              <a:avLst/>
-            </a:prstGeom>
+          </a:ln>
+        </p:spPr>
+        <p:style>
+          <a:lnRef idx="2">
+            <a:schemeClr val="accent1">
+              <a:shade val="50000"/>
+            </a:schemeClr>
+          </a:lnRef>
+          <a:fillRef idx="1">
+            <a:schemeClr val="accent1"/>
+          </a:fillRef>
+          <a:effectRef idx="0">
+            <a:schemeClr val="accent1"/>
+          </a:effectRef>
+          <a:fontRef idx="minor">
+            <a:schemeClr val="lt1"/>
+          </a:fontRef>
+        </p:style>
+        <p:txBody>
+          <a:bodyPr rtlCol="0" anchor="ctr"/>
+          <a:lstStyle/>
+          <a:p>
+            <a:pPr algn="ctr"/>
+            <a:r>
+              <a:rPr lang="en-GB" sz="1200"/>
+              <a:t>email</a:t>
+            </a:r>
+          </a:p>
+        </p:txBody>
+      </p:sp>
+      <p:sp>
+        <p:nvSpPr>
+          <p:cNvPr id="64" name="Rechteck 63">
+            <a:extLst>
+              <a:ext uri="{FF2B5EF4-FFF2-40B4-BE49-F238E27FC236}">
+                <a16:creationId xmlns:a16="http://schemas.microsoft.com/office/drawing/2014/main" id="{93FB4286-CABE-445C-8E96-31CEF9153A81}"/>
+              </a:ext>
+            </a:extLst>
+          </p:cNvPr>
+          <p:cNvSpPr/>
+          <p:nvPr/>
+        </p:nvSpPr>
+        <p:spPr>
+          <a:xfrm>
+            <a:off x="9630277" y="3544795"/>
+            <a:ext cx="748873" cy="274587"/>
+          </a:xfrm>
+          <a:prstGeom prst="rect">
+            <a:avLst/>
+          </a:prstGeom>
+          <a:solidFill>
+            <a:srgbClr val="072ABD"/>
+          </a:solidFill>
+        </p:spPr>
+        <p:style>
+          <a:lnRef idx="2">
+            <a:schemeClr val="accent1">
+              <a:shade val="50000"/>
+            </a:schemeClr>
+          </a:lnRef>
+          <a:fillRef idx="1">
+            <a:schemeClr val="accent1"/>
+          </a:fillRef>
+          <a:effectRef idx="0">
+            <a:schemeClr val="accent1"/>
+          </a:effectRef>
+          <a:fontRef idx="minor">
+            <a:schemeClr val="lt1"/>
+          </a:fontRef>
+        </p:style>
+        <p:txBody>
+          <a:bodyPr rtlCol="0" anchor="ctr"/>
+          <a:lstStyle/>
+          <a:p>
+            <a:pPr algn="ctr"/>
+            <a:r>
+              <a:rPr lang="en-GB" sz="1200" dirty="0"/>
+              <a:t>exam</a:t>
+            </a:r>
+          </a:p>
+        </p:txBody>
+      </p:sp>
+      <p:sp>
+        <p:nvSpPr>
+          <p:cNvPr id="65" name="Rechteck 64">
+            <a:extLst>
+              <a:ext uri="{FF2B5EF4-FFF2-40B4-BE49-F238E27FC236}">
+                <a16:creationId xmlns:a16="http://schemas.microsoft.com/office/drawing/2014/main" id="{8AA59865-F877-4E67-AFE3-ECB1B814804D}"/>
+              </a:ext>
+            </a:extLst>
+          </p:cNvPr>
+          <p:cNvSpPr/>
+          <p:nvPr/>
+        </p:nvSpPr>
+        <p:spPr>
+          <a:xfrm>
+            <a:off x="8707681" y="5272556"/>
+            <a:ext cx="1098347" cy="274587"/>
+          </a:xfrm>
+          <a:prstGeom prst="rect">
+            <a:avLst/>
+          </a:prstGeom>
+          <a:solidFill>
+            <a:srgbClr val="072ABD"/>
+          </a:solidFill>
+        </p:spPr>
+        <p:style>
+          <a:lnRef idx="2">
+            <a:schemeClr val="accent1">
+              <a:shade val="50000"/>
+            </a:schemeClr>
+          </a:lnRef>
+          <a:fillRef idx="1">
+            <a:schemeClr val="accent1"/>
+          </a:fillRef>
+          <a:effectRef idx="0">
+            <a:schemeClr val="accent1"/>
+          </a:effectRef>
+          <a:fontRef idx="minor">
+            <a:schemeClr val="lt1"/>
+          </a:fontRef>
+        </p:style>
+        <p:txBody>
+          <a:bodyPr rtlCol="0" anchor="ctr"/>
+          <a:lstStyle/>
+          <a:p>
+            <a:pPr algn="ctr"/>
+            <a:r>
+              <a:rPr lang="en-GB" sz="1200" dirty="0"/>
+              <a:t>appointment</a:t>
+            </a:r>
+          </a:p>
+        </p:txBody>
+      </p:sp>
+      <p:sp>
+        <p:nvSpPr>
+          <p:cNvPr id="74" name="Raute 73">
+            <a:extLst>
+              <a:ext uri="{FF2B5EF4-FFF2-40B4-BE49-F238E27FC236}">
+                <a16:creationId xmlns:a16="http://schemas.microsoft.com/office/drawing/2014/main" id="{EA498901-AADA-427E-93F1-546BBE02E5DA}"/>
+              </a:ext>
+            </a:extLst>
+          </p:cNvPr>
+          <p:cNvSpPr/>
+          <p:nvPr/>
+        </p:nvSpPr>
+        <p:spPr>
+          <a:xfrm>
+            <a:off x="7715948" y="4405863"/>
+            <a:ext cx="1538483" cy="461532"/>
+          </a:xfrm>
+          <a:prstGeom prst="diamond">
+            <a:avLst/>
+          </a:prstGeom>
+          <a:solidFill>
+            <a:schemeClr val="accent4">
+              <a:lumMod val="60000"/>
+              <a:lumOff val="40000"/>
+            </a:schemeClr>
+          </a:solidFill>
+        </p:spPr>
+        <p:style>
+          <a:lnRef idx="2">
+            <a:schemeClr val="accent1">
+              <a:shade val="50000"/>
+            </a:schemeClr>
+          </a:lnRef>
+          <a:fillRef idx="1">
+            <a:schemeClr val="accent1"/>
+          </a:fillRef>
+          <a:effectRef idx="0">
+            <a:schemeClr val="accent1"/>
+          </a:effectRef>
+          <a:fontRef idx="minor">
+            <a:schemeClr val="lt1"/>
+          </a:fontRef>
+        </p:style>
+        <p:txBody>
+          <a:bodyPr rtlCol="0" anchor="ctr"/>
+          <a:lstStyle/>
+          <a:p>
+            <a:pPr algn="ctr"/>
+            <a:r>
+              <a:rPr lang="en-GB" sz="1050" dirty="0" err="1"/>
+              <a:t>takesPlace</a:t>
+            </a:r>
+            <a:endParaRPr lang="en-GB" sz="1050" dirty="0"/>
+          </a:p>
+        </p:txBody>
+      </p:sp>
+      <p:sp>
+        <p:nvSpPr>
+          <p:cNvPr id="84" name="Raute 83">
+            <a:extLst>
+              <a:ext uri="{FF2B5EF4-FFF2-40B4-BE49-F238E27FC236}">
+                <a16:creationId xmlns:a16="http://schemas.microsoft.com/office/drawing/2014/main" id="{382E3398-492F-406B-BDD0-FAF81E08328A}"/>
+              </a:ext>
+            </a:extLst>
+          </p:cNvPr>
+          <p:cNvSpPr/>
+          <p:nvPr/>
+        </p:nvSpPr>
+        <p:spPr>
+          <a:xfrm>
+            <a:off x="7800045" y="3441475"/>
+            <a:ext cx="1497746" cy="461532"/>
+          </a:xfrm>
+          <a:prstGeom prst="diamond">
+            <a:avLst/>
+          </a:prstGeom>
+          <a:solidFill>
+            <a:schemeClr val="accent4">
+              <a:lumMod val="60000"/>
+              <a:lumOff val="40000"/>
+            </a:schemeClr>
+          </a:solidFill>
+        </p:spPr>
+        <p:style>
+          <a:lnRef idx="2">
+            <a:schemeClr val="accent1">
+              <a:shade val="50000"/>
+            </a:schemeClr>
+          </a:lnRef>
+          <a:fillRef idx="1">
+            <a:schemeClr val="accent1"/>
+          </a:fillRef>
+          <a:effectRef idx="0">
+            <a:schemeClr val="accent1"/>
+          </a:effectRef>
+          <a:fontRef idx="minor">
+            <a:schemeClr val="lt1"/>
+          </a:fontRef>
+        </p:style>
+        <p:txBody>
+          <a:bodyPr rtlCol="0" anchor="ctr"/>
+          <a:lstStyle/>
+          <a:p>
+            <a:pPr algn="ctr"/>
+            <a:r>
+              <a:rPr lang="en-GB" sz="1050" dirty="0"/>
+              <a:t>has</a:t>
+            </a:r>
+          </a:p>
+        </p:txBody>
+      </p:sp>
+      <p:cxnSp>
+        <p:nvCxnSpPr>
+          <p:cNvPr id="86" name="Gerader Verbinder 85">
+            <a:extLst>
+              <a:ext uri="{FF2B5EF4-FFF2-40B4-BE49-F238E27FC236}">
+                <a16:creationId xmlns:a16="http://schemas.microsoft.com/office/drawing/2014/main" id="{870CBF37-1A13-4B93-A767-40332558A5F8}"/>
+              </a:ext>
+            </a:extLst>
+          </p:cNvPr>
+          <p:cNvCxnSpPr>
+            <a:cxnSpLocks/>
+            <a:stCxn id="74" idx="3"/>
+            <a:endCxn id="65" idx="0"/>
+          </p:cNvCxnSpPr>
+          <p:nvPr/>
+        </p:nvCxnSpPr>
+        <p:spPr>
+          <a:xfrm>
+            <a:off x="9254431" y="4636629"/>
+            <a:ext cx="2424" cy="635927"/>
+          </a:xfrm>
+          <a:prstGeom prst="line">
+            <a:avLst/>
+          </a:prstGeom>
+        </p:spPr>
+        <p:style>
+          <a:lnRef idx="1">
+            <a:schemeClr val="accent1"/>
+          </a:lnRef>
+          <a:fillRef idx="0">
+            <a:schemeClr val="accent1"/>
+          </a:fillRef>
+          <a:effectRef idx="0">
+            <a:schemeClr val="accent1"/>
+          </a:effectRef>
+          <a:fontRef idx="minor">
+            <a:schemeClr val="tx1"/>
+          </a:fontRef>
+        </p:style>
+      </p:cxnSp>
+      <p:cxnSp>
+        <p:nvCxnSpPr>
+          <p:cNvPr id="93" name="Gerader Verbinder 92">
+            <a:extLst>
+              <a:ext uri="{FF2B5EF4-FFF2-40B4-BE49-F238E27FC236}">
+                <a16:creationId xmlns:a16="http://schemas.microsoft.com/office/drawing/2014/main" id="{BEDC9EE5-6301-4AA4-B763-5FDE758F37CB}"/>
+              </a:ext>
+            </a:extLst>
+          </p:cNvPr>
+          <p:cNvCxnSpPr>
+            <a:stCxn id="10" idx="3"/>
+            <a:endCxn id="84" idx="1"/>
+          </p:cNvCxnSpPr>
+          <p:nvPr/>
+        </p:nvCxnSpPr>
+        <p:spPr>
+          <a:xfrm>
+            <a:off x="7157046" y="3657126"/>
+            <a:ext cx="642999" cy="15115"/>
+          </a:xfrm>
+          <a:prstGeom prst="line">
+            <a:avLst/>
+          </a:prstGeom>
+        </p:spPr>
+        <p:style>
+          <a:lnRef idx="1">
+            <a:schemeClr val="accent1"/>
+          </a:lnRef>
+          <a:fillRef idx="0">
+            <a:schemeClr val="accent1"/>
+          </a:fillRef>
+          <a:effectRef idx="0">
+            <a:schemeClr val="accent1"/>
+          </a:effectRef>
+          <a:fontRef idx="minor">
+            <a:schemeClr val="tx1"/>
+          </a:fontRef>
+        </p:style>
+      </p:cxnSp>
+      <p:cxnSp>
+        <p:nvCxnSpPr>
+          <p:cNvPr id="95" name="Gerader Verbinder 94">
+            <a:extLst>
+              <a:ext uri="{FF2B5EF4-FFF2-40B4-BE49-F238E27FC236}">
+                <a16:creationId xmlns:a16="http://schemas.microsoft.com/office/drawing/2014/main" id="{6091CC31-F304-40D7-BD18-97CCEEBBA1D0}"/>
+              </a:ext>
+            </a:extLst>
+          </p:cNvPr>
+          <p:cNvCxnSpPr>
+            <a:stCxn id="84" idx="3"/>
+            <a:endCxn id="64" idx="1"/>
+          </p:cNvCxnSpPr>
+          <p:nvPr/>
+        </p:nvCxnSpPr>
+        <p:spPr>
+          <a:xfrm>
+            <a:off x="9297791" y="3672241"/>
+            <a:ext cx="332486" cy="9848"/>
+          </a:xfrm>
+          <a:prstGeom prst="line">
+            <a:avLst/>
+          </a:prstGeom>
+        </p:spPr>
+        <p:style>
+          <a:lnRef idx="1">
+            <a:schemeClr val="accent1"/>
+          </a:lnRef>
+          <a:fillRef idx="0">
+            <a:schemeClr val="accent1"/>
+          </a:fillRef>
+          <a:effectRef idx="0">
+            <a:schemeClr val="accent1"/>
+          </a:effectRef>
+          <a:fontRef idx="minor">
+            <a:schemeClr val="tx1"/>
+          </a:fontRef>
+        </p:style>
+      </p:cxnSp>
+      <p:sp>
+        <p:nvSpPr>
+          <p:cNvPr id="102" name="Ellipse 101">
+            <a:extLst>
+              <a:ext uri="{FF2B5EF4-FFF2-40B4-BE49-F238E27FC236}">
+                <a16:creationId xmlns:a16="http://schemas.microsoft.com/office/drawing/2014/main" id="{A628F48C-21B9-44C2-A10F-6002F785705D}"/>
+              </a:ext>
+            </a:extLst>
+          </p:cNvPr>
+          <p:cNvSpPr/>
+          <p:nvPr/>
+        </p:nvSpPr>
+        <p:spPr>
+          <a:xfrm>
+            <a:off x="10096005" y="5231160"/>
+            <a:ext cx="963661" cy="357377"/>
+          </a:xfrm>
+          <a:prstGeom prst="ellipse">
+            <a:avLst/>
+          </a:prstGeom>
+          <a:solidFill>
+            <a:srgbClr val="6269FE"/>
+          </a:solidFill>
+        </p:spPr>
+        <p:style>
+          <a:lnRef idx="2">
+            <a:schemeClr val="accent1">
+              <a:shade val="50000"/>
+            </a:schemeClr>
+          </a:lnRef>
+          <a:fillRef idx="1">
+            <a:schemeClr val="accent1"/>
+          </a:fillRef>
+          <a:effectRef idx="0">
+            <a:schemeClr val="accent1"/>
+          </a:effectRef>
+          <a:fontRef idx="minor">
+            <a:schemeClr val="lt1"/>
+          </a:fontRef>
+        </p:style>
+        <p:txBody>
+          <a:bodyPr rtlCol="0" anchor="ctr"/>
+          <a:lstStyle/>
+          <a:p>
+            <a:pPr algn="ctr"/>
+            <a:r>
+              <a:rPr lang="en-GB" sz="1200"/>
+              <a:t>day</a:t>
+            </a:r>
+          </a:p>
+        </p:txBody>
+      </p:sp>
+      <p:cxnSp>
+        <p:nvCxnSpPr>
+          <p:cNvPr id="109" name="Gerader Verbinder 108">
+            <a:extLst>
+              <a:ext uri="{FF2B5EF4-FFF2-40B4-BE49-F238E27FC236}">
+                <a16:creationId xmlns:a16="http://schemas.microsoft.com/office/drawing/2014/main" id="{CC3F3790-C045-4A41-864B-8C7770ED2B89}"/>
+              </a:ext>
+            </a:extLst>
+          </p:cNvPr>
+          <p:cNvCxnSpPr>
+            <a:cxnSpLocks/>
+            <a:stCxn id="65" idx="3"/>
+            <a:endCxn id="102" idx="2"/>
+          </p:cNvCxnSpPr>
+          <p:nvPr/>
+        </p:nvCxnSpPr>
+        <p:spPr>
+          <a:xfrm flipV="1">
+            <a:off x="9806028" y="5409849"/>
+            <a:ext cx="289977" cy="1"/>
+          </a:xfrm>
+          <a:prstGeom prst="line">
+            <a:avLst/>
+          </a:prstGeom>
+        </p:spPr>
+        <p:style>
+          <a:lnRef idx="1">
+            <a:schemeClr val="accent1"/>
+          </a:lnRef>
+          <a:fillRef idx="0">
+            <a:schemeClr val="accent1"/>
+          </a:fillRef>
+          <a:effectRef idx="0">
+            <a:schemeClr val="accent1"/>
+          </a:effectRef>
+          <a:fontRef idx="minor">
+            <a:schemeClr val="tx1"/>
+          </a:fontRef>
+        </p:style>
+      </p:cxnSp>
+      <p:cxnSp>
+        <p:nvCxnSpPr>
+          <p:cNvPr id="111" name="Gerade Verbindung 1042">
+            <a:extLst>
+              <a:ext uri="{FF2B5EF4-FFF2-40B4-BE49-F238E27FC236}">
+                <a16:creationId xmlns:a16="http://schemas.microsoft.com/office/drawing/2014/main" id="{EC079AB9-667B-4E03-84EC-BDB2D2647E7E}"/>
+              </a:ext>
+            </a:extLst>
+          </p:cNvPr>
+          <p:cNvCxnSpPr>
+            <a:cxnSpLocks/>
+            <a:stCxn id="6" idx="0"/>
+            <a:endCxn id="63" idx="5"/>
+          </p:cNvCxnSpPr>
+          <p:nvPr/>
+        </p:nvCxnSpPr>
+        <p:spPr>
+          <a:xfrm flipH="1" flipV="1">
+            <a:off x="1624014" y="3280392"/>
+            <a:ext cx="627575" cy="364253"/>
+          </a:xfrm>
+          <a:prstGeom prst="line">
+            <a:avLst/>
+          </a:prstGeom>
+        </p:spPr>
+        <p:style>
+          <a:lnRef idx="1">
+            <a:schemeClr val="accent1"/>
+          </a:lnRef>
+          <a:fillRef idx="0">
+            <a:schemeClr val="accent1"/>
+          </a:fillRef>
+          <a:effectRef idx="0">
+            <a:schemeClr val="accent1"/>
+          </a:effectRef>
+          <a:fontRef idx="minor">
+            <a:schemeClr val="tx1"/>
+          </a:fontRef>
+        </p:style>
+      </p:cxnSp>
+      <p:cxnSp>
+        <p:nvCxnSpPr>
+          <p:cNvPr id="114" name="Gerade Verbindung 1042">
+            <a:extLst>
+              <a:ext uri="{FF2B5EF4-FFF2-40B4-BE49-F238E27FC236}">
+                <a16:creationId xmlns:a16="http://schemas.microsoft.com/office/drawing/2014/main" id="{A7FA1CB5-9B41-4E20-ABFA-F4FCDC4DE679}"/>
+              </a:ext>
+            </a:extLst>
+          </p:cNvPr>
+          <p:cNvCxnSpPr>
+            <a:cxnSpLocks/>
+            <a:stCxn id="6" idx="1"/>
+            <a:endCxn id="62" idx="6"/>
+          </p:cNvCxnSpPr>
+          <p:nvPr/>
+        </p:nvCxnSpPr>
+        <p:spPr>
+          <a:xfrm flipH="1">
+            <a:off x="1338330" y="3781939"/>
+            <a:ext cx="538822" cy="7941"/>
+          </a:xfrm>
+          <a:prstGeom prst="line">
+            <a:avLst/>
+          </a:prstGeom>
+        </p:spPr>
+        <p:style>
+          <a:lnRef idx="1">
+            <a:schemeClr val="accent1"/>
+          </a:lnRef>
+          <a:fillRef idx="0">
+            <a:schemeClr val="accent1"/>
+          </a:fillRef>
+          <a:effectRef idx="0">
+            <a:schemeClr val="accent1"/>
+          </a:effectRef>
+          <a:fontRef idx="minor">
+            <a:schemeClr val="tx1"/>
+          </a:fontRef>
+        </p:style>
+      </p:cxnSp>
+      <p:sp>
+        <p:nvSpPr>
+          <p:cNvPr id="120" name="Ellipse 119">
+            <a:extLst>
+              <a:ext uri="{FF2B5EF4-FFF2-40B4-BE49-F238E27FC236}">
+                <a16:creationId xmlns:a16="http://schemas.microsoft.com/office/drawing/2014/main" id="{13C6AA6C-16F6-431F-B9F5-1DEEF52A5B5A}"/>
+              </a:ext>
+            </a:extLst>
+          </p:cNvPr>
+          <p:cNvSpPr/>
+          <p:nvPr/>
+        </p:nvSpPr>
+        <p:spPr>
+          <a:xfrm>
+            <a:off x="9431591" y="2963001"/>
+            <a:ext cx="1146245" cy="317942"/>
+          </a:xfrm>
+          <a:prstGeom prst="ellipse">
+            <a:avLst/>
+          </a:prstGeom>
+          <a:solidFill>
+            <a:srgbClr val="6269FE"/>
+          </a:solidFill>
+        </p:spPr>
+        <p:style>
+          <a:lnRef idx="2">
+            <a:schemeClr val="accent1">
+              <a:shade val="50000"/>
+            </a:schemeClr>
+          </a:lnRef>
+          <a:fillRef idx="1">
+            <a:schemeClr val="accent1"/>
+          </a:fillRef>
+          <a:effectRef idx="0">
+            <a:schemeClr val="accent1"/>
+          </a:effectRef>
+          <a:fontRef idx="minor">
+            <a:schemeClr val="lt1"/>
+          </a:fontRef>
+        </p:style>
+        <p:txBody>
+          <a:bodyPr rtlCol="0" anchor="ctr"/>
+          <a:lstStyle/>
+          <a:p>
+            <a:pPr algn="ctr"/>
+            <a:r>
+              <a:rPr lang="en-GB" sz="1200"/>
+              <a:t>topic</a:t>
+            </a:r>
+          </a:p>
+        </p:txBody>
+      </p:sp>
+      <p:cxnSp>
+        <p:nvCxnSpPr>
+          <p:cNvPr id="122" name="Gerader Verbinder 121">
+            <a:extLst>
+              <a:ext uri="{FF2B5EF4-FFF2-40B4-BE49-F238E27FC236}">
+                <a16:creationId xmlns:a16="http://schemas.microsoft.com/office/drawing/2014/main" id="{A993F23E-EABD-40B5-8774-91BEFFB0F7D2}"/>
+              </a:ext>
+            </a:extLst>
+          </p:cNvPr>
+          <p:cNvCxnSpPr>
+            <a:stCxn id="64" idx="0"/>
+            <a:endCxn id="120" idx="4"/>
+          </p:cNvCxnSpPr>
+          <p:nvPr/>
+        </p:nvCxnSpPr>
+        <p:spPr>
+          <a:xfrm flipV="1">
+            <a:off x="10004713" y="3280943"/>
+            <a:ext cx="0" cy="263852"/>
+          </a:xfrm>
+          <a:prstGeom prst="line">
+            <a:avLst/>
+          </a:prstGeom>
+        </p:spPr>
+        <p:style>
+          <a:lnRef idx="1">
+            <a:schemeClr val="accent1"/>
+          </a:lnRef>
+          <a:fillRef idx="0">
+            <a:schemeClr val="accent1"/>
+          </a:fillRef>
+          <a:effectRef idx="0">
+            <a:schemeClr val="accent1"/>
+          </a:effectRef>
+          <a:fontRef idx="minor">
+            <a:schemeClr val="tx1"/>
+          </a:fontRef>
+        </p:style>
+      </p:cxnSp>
+      <p:sp>
+        <p:nvSpPr>
+          <p:cNvPr id="128" name="Ellipse 127">
+            <a:extLst>
+              <a:ext uri="{FF2B5EF4-FFF2-40B4-BE49-F238E27FC236}">
+                <a16:creationId xmlns:a16="http://schemas.microsoft.com/office/drawing/2014/main" id="{46E07157-41D6-4537-B80B-F399A478107A}"/>
+              </a:ext>
+            </a:extLst>
+          </p:cNvPr>
+          <p:cNvSpPr/>
+          <p:nvPr/>
+        </p:nvSpPr>
+        <p:spPr>
+          <a:xfrm>
+            <a:off x="5995921" y="2058467"/>
+            <a:ext cx="1031134" cy="349474"/>
+          </a:xfrm>
+          <a:prstGeom prst="ellipse">
+            <a:avLst/>
+          </a:prstGeom>
+          <a:solidFill>
+            <a:srgbClr val="6269FE"/>
+          </a:solidFill>
+        </p:spPr>
+        <p:style>
+          <a:lnRef idx="2">
+            <a:schemeClr val="accent1">
+              <a:shade val="50000"/>
+            </a:schemeClr>
+          </a:lnRef>
+          <a:fillRef idx="1">
+            <a:schemeClr val="accent1"/>
+          </a:fillRef>
+          <a:effectRef idx="0">
+            <a:schemeClr val="accent1"/>
+          </a:effectRef>
+          <a:fontRef idx="minor">
+            <a:schemeClr val="lt1"/>
+          </a:fontRef>
+        </p:style>
+        <p:txBody>
+          <a:bodyPr rtlCol="0" anchor="ctr"/>
+          <a:lstStyle/>
+          <a:p>
+            <a:pPr algn="ctr"/>
+            <a:r>
+              <a:rPr lang="en-GB" sz="1200"/>
+              <a:t>token</a:t>
+            </a:r>
+          </a:p>
+        </p:txBody>
+      </p:sp>
+      <p:cxnSp>
+        <p:nvCxnSpPr>
+          <p:cNvPr id="131" name="Gerader Verbinder 130">
+            <a:extLst>
+              <a:ext uri="{FF2B5EF4-FFF2-40B4-BE49-F238E27FC236}">
+                <a16:creationId xmlns:a16="http://schemas.microsoft.com/office/drawing/2014/main" id="{9BA10EFB-7CA1-4D29-A143-8A2F09A84EDF}"/>
+              </a:ext>
+            </a:extLst>
+          </p:cNvPr>
+          <p:cNvCxnSpPr>
+            <a:stCxn id="10" idx="0"/>
+            <a:endCxn id="128" idx="4"/>
+          </p:cNvCxnSpPr>
+          <p:nvPr/>
+        </p:nvCxnSpPr>
+        <p:spPr>
+          <a:xfrm flipH="1" flipV="1">
+            <a:off x="6511488" y="2407941"/>
+            <a:ext cx="271122" cy="1111891"/>
+          </a:xfrm>
+          <a:prstGeom prst="line">
+            <a:avLst/>
+          </a:prstGeom>
+        </p:spPr>
+        <p:style>
+          <a:lnRef idx="1">
+            <a:schemeClr val="accent1"/>
+          </a:lnRef>
+          <a:fillRef idx="0">
+            <a:schemeClr val="accent1"/>
+          </a:fillRef>
+          <a:effectRef idx="0">
+            <a:schemeClr val="accent1"/>
+          </a:effectRef>
+          <a:fontRef idx="minor">
+            <a:schemeClr val="tx1"/>
+          </a:fontRef>
+        </p:style>
+      </p:cxnSp>
+      <p:sp>
+        <p:nvSpPr>
+          <p:cNvPr id="61" name="Ellipse 60">
+            <a:extLst>
+              <a:ext uri="{FF2B5EF4-FFF2-40B4-BE49-F238E27FC236}">
+                <a16:creationId xmlns:a16="http://schemas.microsoft.com/office/drawing/2014/main" id="{4897936C-B071-437C-B1EF-A8250F1F643C}"/>
+              </a:ext>
+            </a:extLst>
+          </p:cNvPr>
+          <p:cNvSpPr/>
+          <p:nvPr/>
+        </p:nvSpPr>
+        <p:spPr>
+          <a:xfrm>
+            <a:off x="10577835" y="3443851"/>
+            <a:ext cx="1447821" cy="449324"/>
+          </a:xfrm>
+          <a:prstGeom prst="ellipse">
+            <a:avLst/>
+          </a:prstGeom>
+          <a:solidFill>
+            <a:srgbClr val="6269FE"/>
+          </a:solidFill>
+        </p:spPr>
+        <p:style>
+          <a:lnRef idx="2">
+            <a:schemeClr val="accent1">
+              <a:shade val="50000"/>
+            </a:schemeClr>
+          </a:lnRef>
+          <a:fillRef idx="1">
+            <a:schemeClr val="accent1"/>
+          </a:fillRef>
+          <a:effectRef idx="0">
+            <a:schemeClr val="accent1"/>
+          </a:effectRef>
+          <a:fontRef idx="minor">
+            <a:schemeClr val="lt1"/>
+          </a:fontRef>
+        </p:style>
+        <p:txBody>
+          <a:bodyPr rtlCol="0" anchor="ctr"/>
+          <a:lstStyle/>
+          <a:p>
+            <a:pPr algn="ctr"/>
+            <a:r>
+              <a:rPr lang="en-GB" sz="1200" u="sng" dirty="0"/>
+              <a:t>EID</a:t>
+            </a:r>
+          </a:p>
+        </p:txBody>
+      </p:sp>
+      <p:cxnSp>
+        <p:nvCxnSpPr>
+          <p:cNvPr id="3" name="Gerader Verbinder 2">
+            <a:extLst>
+              <a:ext uri="{FF2B5EF4-FFF2-40B4-BE49-F238E27FC236}">
+                <a16:creationId xmlns:a16="http://schemas.microsoft.com/office/drawing/2014/main" id="{5051E9AF-B28D-4ADF-B7AB-07D40EE36EA1}"/>
+              </a:ext>
+            </a:extLst>
+          </p:cNvPr>
+          <p:cNvCxnSpPr>
+            <a:stCxn id="64" idx="3"/>
+            <a:endCxn id="61" idx="2"/>
+          </p:cNvCxnSpPr>
+          <p:nvPr/>
+        </p:nvCxnSpPr>
+        <p:spPr>
+          <a:xfrm flipV="1">
+            <a:off x="10379150" y="3668513"/>
+            <a:ext cx="198685" cy="13577"/>
+          </a:xfrm>
+          <a:prstGeom prst="line">
+            <a:avLst/>
+          </a:prstGeom>
+        </p:spPr>
+        <p:style>
+          <a:lnRef idx="1">
+            <a:schemeClr val="accent1"/>
+          </a:lnRef>
+          <a:fillRef idx="0">
+            <a:schemeClr val="accent1"/>
+          </a:fillRef>
+          <a:effectRef idx="0">
+            <a:schemeClr val="accent1"/>
+          </a:effectRef>
+          <a:fontRef idx="minor">
+            <a:schemeClr val="tx1"/>
+          </a:fontRef>
+        </p:style>
+      </p:cxnSp>
+      <p:sp>
+        <p:nvSpPr>
+          <p:cNvPr id="66" name="Rechteck 65">
+            <a:extLst>
+              <a:ext uri="{FF2B5EF4-FFF2-40B4-BE49-F238E27FC236}">
+                <a16:creationId xmlns:a16="http://schemas.microsoft.com/office/drawing/2014/main" id="{E1A832F8-5CB5-4173-9ABC-0836A0CD3615}"/>
+              </a:ext>
+            </a:extLst>
+          </p:cNvPr>
+          <p:cNvSpPr/>
+          <p:nvPr/>
+        </p:nvSpPr>
+        <p:spPr>
+          <a:xfrm>
+            <a:off x="7268453" y="1335601"/>
+            <a:ext cx="886805" cy="274587"/>
+          </a:xfrm>
+          <a:prstGeom prst="rect">
+            <a:avLst/>
+          </a:prstGeom>
+          <a:solidFill>
+            <a:srgbClr val="072ABD"/>
+          </a:solidFill>
+        </p:spPr>
+        <p:style>
+          <a:lnRef idx="2">
+            <a:schemeClr val="accent1">
+              <a:shade val="50000"/>
+            </a:schemeClr>
+          </a:lnRef>
+          <a:fillRef idx="1">
+            <a:schemeClr val="accent1"/>
+          </a:fillRef>
+          <a:effectRef idx="0">
+            <a:schemeClr val="accent1"/>
+          </a:effectRef>
+          <a:fontRef idx="minor">
+            <a:schemeClr val="lt1"/>
+          </a:fontRef>
+        </p:style>
+        <p:txBody>
+          <a:bodyPr rtlCol="0" anchor="ctr"/>
+          <a:lstStyle/>
+          <a:p>
+            <a:pPr algn="ctr"/>
+            <a:r>
+              <a:rPr lang="en-GB" sz="1200" dirty="0"/>
+              <a:t>homework</a:t>
+            </a:r>
+          </a:p>
+        </p:txBody>
+      </p:sp>
+      <p:sp>
+        <p:nvSpPr>
+          <p:cNvPr id="67" name="Ellipse 66">
+            <a:extLst>
+              <a:ext uri="{FF2B5EF4-FFF2-40B4-BE49-F238E27FC236}">
+                <a16:creationId xmlns:a16="http://schemas.microsoft.com/office/drawing/2014/main" id="{CE036C6A-48A7-4885-BC47-54CC21805EC9}"/>
+              </a:ext>
+            </a:extLst>
+          </p:cNvPr>
+          <p:cNvSpPr/>
+          <p:nvPr/>
+        </p:nvSpPr>
+        <p:spPr>
+          <a:xfrm>
+            <a:off x="6987944" y="394175"/>
+            <a:ext cx="1447821" cy="449324"/>
+          </a:xfrm>
+          <a:prstGeom prst="ellipse">
+            <a:avLst/>
+          </a:prstGeom>
+          <a:solidFill>
+            <a:srgbClr val="6269FE"/>
+          </a:solidFill>
+        </p:spPr>
+        <p:style>
+          <a:lnRef idx="2">
+            <a:schemeClr val="accent1">
+              <a:shade val="50000"/>
+            </a:schemeClr>
+          </a:lnRef>
+          <a:fillRef idx="1">
+            <a:schemeClr val="accent1"/>
+          </a:fillRef>
+          <a:effectRef idx="0">
+            <a:schemeClr val="accent1"/>
+          </a:effectRef>
+          <a:fontRef idx="minor">
+            <a:schemeClr val="lt1"/>
+          </a:fontRef>
+        </p:style>
+        <p:txBody>
+          <a:bodyPr rtlCol="0" anchor="ctr"/>
+          <a:lstStyle/>
+          <a:p>
+            <a:pPr algn="ctr"/>
+            <a:r>
+              <a:rPr lang="en-GB" sz="1200" dirty="0"/>
+              <a:t>description</a:t>
+            </a:r>
+          </a:p>
+        </p:txBody>
+      </p:sp>
+      <p:sp>
+        <p:nvSpPr>
+          <p:cNvPr id="68" name="Ellipse 67">
+            <a:extLst>
+              <a:ext uri="{FF2B5EF4-FFF2-40B4-BE49-F238E27FC236}">
+                <a16:creationId xmlns:a16="http://schemas.microsoft.com/office/drawing/2014/main" id="{FB442776-8497-4911-BFC3-DFA251A61CFF}"/>
+              </a:ext>
+            </a:extLst>
+          </p:cNvPr>
+          <p:cNvSpPr/>
+          <p:nvPr/>
+        </p:nvSpPr>
+        <p:spPr>
+          <a:xfrm>
+            <a:off x="7404560" y="5230770"/>
+            <a:ext cx="1040769" cy="357767"/>
+          </a:xfrm>
+          <a:prstGeom prst="ellipse">
+            <a:avLst/>
+          </a:prstGeom>
+          <a:solidFill>
+            <a:srgbClr val="6269FE"/>
+          </a:solidFill>
+        </p:spPr>
+        <p:style>
+          <a:lnRef idx="2">
+            <a:schemeClr val="accent1">
+              <a:shade val="50000"/>
+            </a:schemeClr>
+          </a:lnRef>
+          <a:fillRef idx="1">
+            <a:schemeClr val="accent1"/>
+          </a:fillRef>
+          <a:effectRef idx="0">
+            <a:schemeClr val="accent1"/>
+          </a:effectRef>
+          <a:fontRef idx="minor">
+            <a:schemeClr val="lt1"/>
+          </a:fontRef>
+        </p:style>
+        <p:txBody>
+          <a:bodyPr rtlCol="0" anchor="ctr"/>
+          <a:lstStyle/>
+          <a:p>
+            <a:pPr algn="ctr"/>
+            <a:r>
+              <a:rPr lang="en-GB" sz="1200" u="sng" dirty="0"/>
+              <a:t>AID</a:t>
+            </a:r>
+          </a:p>
+        </p:txBody>
+      </p:sp>
+      <p:sp>
+        <p:nvSpPr>
+          <p:cNvPr id="69" name="Ellipse 68">
+            <a:extLst>
+              <a:ext uri="{FF2B5EF4-FFF2-40B4-BE49-F238E27FC236}">
+                <a16:creationId xmlns:a16="http://schemas.microsoft.com/office/drawing/2014/main" id="{49242896-CF18-418F-9A9C-4D8DD87CB1CA}"/>
+              </a:ext>
+            </a:extLst>
+          </p:cNvPr>
+          <p:cNvSpPr/>
+          <p:nvPr/>
+        </p:nvSpPr>
+        <p:spPr>
+          <a:xfrm>
+            <a:off x="8697419" y="1247741"/>
+            <a:ext cx="1447821" cy="449324"/>
+          </a:xfrm>
+          <a:prstGeom prst="ellipse">
+            <a:avLst/>
+          </a:prstGeom>
+          <a:solidFill>
+            <a:srgbClr val="6269FE"/>
+          </a:solidFill>
+        </p:spPr>
+        <p:style>
+          <a:lnRef idx="2">
+            <a:schemeClr val="accent1">
+              <a:shade val="50000"/>
+            </a:schemeClr>
+          </a:lnRef>
+          <a:fillRef idx="1">
+            <a:schemeClr val="accent1"/>
+          </a:fillRef>
+          <a:effectRef idx="0">
+            <a:schemeClr val="accent1"/>
+          </a:effectRef>
+          <a:fontRef idx="minor">
+            <a:schemeClr val="lt1"/>
+          </a:fontRef>
+        </p:style>
+        <p:txBody>
+          <a:bodyPr rtlCol="0" anchor="ctr"/>
+          <a:lstStyle/>
+          <a:p>
+            <a:pPr algn="ctr"/>
+            <a:r>
+              <a:rPr lang="en-GB" sz="1200" u="sng" dirty="0"/>
+              <a:t>HID</a:t>
+            </a:r>
+          </a:p>
+        </p:txBody>
+      </p:sp>
+      <p:cxnSp>
+        <p:nvCxnSpPr>
+          <p:cNvPr id="48" name="Gerader Verbinder 47">
+            <a:extLst>
+              <a:ext uri="{FF2B5EF4-FFF2-40B4-BE49-F238E27FC236}">
+                <a16:creationId xmlns:a16="http://schemas.microsoft.com/office/drawing/2014/main" id="{C406ACA8-3DFB-45BF-A41D-EB18A4C7D2C6}"/>
+              </a:ext>
+            </a:extLst>
+          </p:cNvPr>
+          <p:cNvCxnSpPr>
+            <a:stCxn id="66" idx="0"/>
+            <a:endCxn id="67" idx="4"/>
+          </p:cNvCxnSpPr>
+          <p:nvPr/>
+        </p:nvCxnSpPr>
+        <p:spPr>
+          <a:xfrm flipH="1" flipV="1">
+            <a:off x="7711855" y="843499"/>
+            <a:ext cx="1" cy="492102"/>
+          </a:xfrm>
+          <a:prstGeom prst="line">
+            <a:avLst/>
+          </a:prstGeom>
+        </p:spPr>
+        <p:style>
+          <a:lnRef idx="1">
+            <a:schemeClr val="accent1"/>
+          </a:lnRef>
+          <a:fillRef idx="0">
+            <a:schemeClr val="accent1"/>
+          </a:fillRef>
+          <a:effectRef idx="0">
+            <a:schemeClr val="accent1"/>
+          </a:effectRef>
+          <a:fontRef idx="minor">
+            <a:schemeClr val="tx1"/>
+          </a:fontRef>
+        </p:style>
+      </p:cxnSp>
+      <p:cxnSp>
+        <p:nvCxnSpPr>
+          <p:cNvPr id="51" name="Gerader Verbinder 50">
+            <a:extLst>
+              <a:ext uri="{FF2B5EF4-FFF2-40B4-BE49-F238E27FC236}">
+                <a16:creationId xmlns:a16="http://schemas.microsoft.com/office/drawing/2014/main" id="{E83A877D-8BF4-42FE-8880-114F769A2494}"/>
+              </a:ext>
+            </a:extLst>
+          </p:cNvPr>
+          <p:cNvCxnSpPr>
+            <a:stCxn id="66" idx="3"/>
+            <a:endCxn id="69" idx="2"/>
+          </p:cNvCxnSpPr>
+          <p:nvPr/>
+        </p:nvCxnSpPr>
+        <p:spPr>
+          <a:xfrm flipV="1">
+            <a:off x="8155258" y="1472403"/>
+            <a:ext cx="542161" cy="492"/>
+          </a:xfrm>
+          <a:prstGeom prst="line">
+            <a:avLst/>
+          </a:prstGeom>
+        </p:spPr>
+        <p:style>
+          <a:lnRef idx="1">
+            <a:schemeClr val="accent1"/>
+          </a:lnRef>
+          <a:fillRef idx="0">
+            <a:schemeClr val="accent1"/>
+          </a:fillRef>
+          <a:effectRef idx="0">
+            <a:schemeClr val="accent1"/>
+          </a:effectRef>
+          <a:fontRef idx="minor">
+            <a:schemeClr val="tx1"/>
+          </a:fontRef>
+        </p:style>
+      </p:cxnSp>
+      <p:sp>
+        <p:nvSpPr>
+          <p:cNvPr id="70" name="Rechteck 69">
+            <a:extLst>
+              <a:ext uri="{FF2B5EF4-FFF2-40B4-BE49-F238E27FC236}">
+                <a16:creationId xmlns:a16="http://schemas.microsoft.com/office/drawing/2014/main" id="{F067219F-9159-48E1-AA01-C648B970AAEC}"/>
+              </a:ext>
+            </a:extLst>
+          </p:cNvPr>
+          <p:cNvSpPr/>
+          <p:nvPr/>
+        </p:nvSpPr>
+        <p:spPr>
+          <a:xfrm>
+            <a:off x="1877151" y="1794847"/>
+            <a:ext cx="748873" cy="274587"/>
+          </a:xfrm>
+          <a:prstGeom prst="rect">
+            <a:avLst/>
+          </a:prstGeom>
+          <a:solidFill>
+            <a:srgbClr val="E33546"/>
+          </a:solidFill>
+          <a:ln>
             <a:solidFill>
-              <a:srgbClr val="072ABD"/>
+              <a:srgbClr val="EE0600"/>
             </a:solidFill>
-          </p:spPr>
-          <p:style>
-            <a:lnRef idx="2">
-              <a:schemeClr val="accent1">
-                <a:shade val="50000"/>
-              </a:schemeClr>
-            </a:lnRef>
-            <a:fillRef idx="1">
-              <a:schemeClr val="accent1"/>
-            </a:fillRef>
-            <a:effectRef idx="0">
-              <a:schemeClr val="accent1"/>
-            </a:effectRef>
-            <a:fontRef idx="minor">
-              <a:schemeClr val="lt1"/>
-            </a:fontRef>
-          </p:style>
-          <p:txBody>
-            <a:bodyPr rtlCol="0" anchor="ctr"/>
-            <a:lstStyle/>
-            <a:p>
-              <a:pPr algn="ctr"/>
-              <a:r>
-                <a:rPr lang="en-GB" sz="1200" dirty="0"/>
-                <a:t>exam</a:t>
-              </a:r>
-            </a:p>
-          </p:txBody>
-        </p:sp>
-        <p:sp>
-          <p:nvSpPr>
-            <p:cNvPr id="65" name="Rechteck 64">
-              <a:extLst>
-                <a:ext uri="{FF2B5EF4-FFF2-40B4-BE49-F238E27FC236}">
-                  <a16:creationId xmlns:a16="http://schemas.microsoft.com/office/drawing/2014/main" id="{8AA59865-F877-4E67-AFE3-ECB1B814804D}"/>
-                </a:ext>
-              </a:extLst>
-            </p:cNvPr>
-            <p:cNvSpPr/>
-            <p:nvPr/>
-          </p:nvSpPr>
-          <p:spPr>
-            <a:xfrm>
-              <a:off x="10467011" y="5369170"/>
-              <a:ext cx="1584176" cy="396045"/>
-            </a:xfrm>
-            <a:prstGeom prst="rect">
-              <a:avLst/>
-            </a:prstGeom>
+          </a:ln>
+        </p:spPr>
+        <p:style>
+          <a:lnRef idx="2">
+            <a:schemeClr val="accent1">
+              <a:shade val="50000"/>
+            </a:schemeClr>
+          </a:lnRef>
+          <a:fillRef idx="1">
+            <a:schemeClr val="accent1"/>
+          </a:fillRef>
+          <a:effectRef idx="0">
+            <a:schemeClr val="accent1"/>
+          </a:effectRef>
+          <a:fontRef idx="minor">
+            <a:schemeClr val="lt1"/>
+          </a:fontRef>
+        </p:style>
+        <p:txBody>
+          <a:bodyPr rtlCol="0" anchor="ctr"/>
+          <a:lstStyle/>
+          <a:p>
+            <a:pPr algn="ctr"/>
+            <a:r>
+              <a:rPr lang="en-GB" sz="1200" dirty="0"/>
+              <a:t>token</a:t>
+            </a:r>
+          </a:p>
+        </p:txBody>
+      </p:sp>
+      <p:sp>
+        <p:nvSpPr>
+          <p:cNvPr id="72" name="Raute 71">
+            <a:extLst>
+              <a:ext uri="{FF2B5EF4-FFF2-40B4-BE49-F238E27FC236}">
+                <a16:creationId xmlns:a16="http://schemas.microsoft.com/office/drawing/2014/main" id="{CAE112FC-7206-4CEB-9C98-1E8BEAC8EDF1}"/>
+              </a:ext>
+            </a:extLst>
+          </p:cNvPr>
+          <p:cNvSpPr/>
+          <p:nvPr/>
+        </p:nvSpPr>
+        <p:spPr>
+          <a:xfrm>
+            <a:off x="1559526" y="2556754"/>
+            <a:ext cx="1394133" cy="440102"/>
+          </a:xfrm>
+          <a:prstGeom prst="diamond">
+            <a:avLst/>
+          </a:prstGeom>
+          <a:solidFill>
+            <a:srgbClr val="F098A5"/>
+          </a:solidFill>
+          <a:ln>
             <a:solidFill>
-              <a:srgbClr val="072ABD"/>
+              <a:srgbClr val="C876A3"/>
             </a:solidFill>
-          </p:spPr>
-          <p:style>
-            <a:lnRef idx="2">
-              <a:schemeClr val="accent1">
-                <a:shade val="50000"/>
-              </a:schemeClr>
-            </a:lnRef>
-            <a:fillRef idx="1">
-              <a:schemeClr val="accent1"/>
-            </a:fillRef>
-            <a:effectRef idx="0">
-              <a:schemeClr val="accent1"/>
-            </a:effectRef>
-            <a:fontRef idx="minor">
-              <a:schemeClr val="lt1"/>
-            </a:fontRef>
-          </p:style>
-          <p:txBody>
-            <a:bodyPr rtlCol="0" anchor="ctr"/>
-            <a:lstStyle/>
-            <a:p>
-              <a:pPr algn="ctr"/>
-              <a:r>
-                <a:rPr lang="en-GB" sz="1200" dirty="0"/>
-                <a:t>appointment</a:t>
-              </a:r>
-            </a:p>
-          </p:txBody>
-        </p:sp>
-        <p:sp>
-          <p:nvSpPr>
-            <p:cNvPr id="74" name="Raute 73">
-              <a:extLst>
-                <a:ext uri="{FF2B5EF4-FFF2-40B4-BE49-F238E27FC236}">
-                  <a16:creationId xmlns:a16="http://schemas.microsoft.com/office/drawing/2014/main" id="{EA498901-AADA-427E-93F1-546BBE02E5DA}"/>
-                </a:ext>
-              </a:extLst>
-            </p:cNvPr>
-            <p:cNvSpPr/>
-            <p:nvPr/>
-          </p:nvSpPr>
-          <p:spPr>
-            <a:xfrm>
-              <a:off x="9095364" y="4133708"/>
-              <a:ext cx="2160240" cy="665681"/>
-            </a:xfrm>
-            <a:prstGeom prst="diamond">
-              <a:avLst/>
-            </a:prstGeom>
+          </a:ln>
+        </p:spPr>
+        <p:style>
+          <a:lnRef idx="2">
+            <a:schemeClr val="accent1">
+              <a:shade val="50000"/>
+            </a:schemeClr>
+          </a:lnRef>
+          <a:fillRef idx="1">
+            <a:schemeClr val="accent1"/>
+          </a:fillRef>
+          <a:effectRef idx="0">
+            <a:schemeClr val="accent1"/>
+          </a:effectRef>
+          <a:fontRef idx="minor">
+            <a:schemeClr val="lt1"/>
+          </a:fontRef>
+        </p:style>
+        <p:txBody>
+          <a:bodyPr rtlCol="0" anchor="ctr"/>
+          <a:lstStyle/>
+          <a:p>
+            <a:pPr algn="ctr"/>
+            <a:r>
+              <a:rPr lang="en-GB" sz="1050" dirty="0" err="1"/>
+              <a:t>isOnline</a:t>
+            </a:r>
+            <a:endParaRPr lang="en-GB" sz="1050" dirty="0"/>
+          </a:p>
+        </p:txBody>
+      </p:sp>
+      <p:cxnSp>
+        <p:nvCxnSpPr>
+          <p:cNvPr id="53" name="Gerader Verbinder 52">
+            <a:extLst>
+              <a:ext uri="{FF2B5EF4-FFF2-40B4-BE49-F238E27FC236}">
+                <a16:creationId xmlns:a16="http://schemas.microsoft.com/office/drawing/2014/main" id="{84A34C80-1474-4332-BB59-42EC780462C0}"/>
+              </a:ext>
+            </a:extLst>
+          </p:cNvPr>
+          <p:cNvCxnSpPr>
+            <a:cxnSpLocks/>
+            <a:stCxn id="6" idx="0"/>
+            <a:endCxn id="72" idx="2"/>
+          </p:cNvCxnSpPr>
+          <p:nvPr/>
+        </p:nvCxnSpPr>
+        <p:spPr>
+          <a:xfrm flipV="1">
+            <a:off x="2251589" y="2996856"/>
+            <a:ext cx="5004" cy="647789"/>
+          </a:xfrm>
+          <a:prstGeom prst="line">
+            <a:avLst/>
+          </a:prstGeom>
+        </p:spPr>
+        <p:style>
+          <a:lnRef idx="1">
+            <a:schemeClr val="accent1"/>
+          </a:lnRef>
+          <a:fillRef idx="0">
+            <a:schemeClr val="accent1"/>
+          </a:fillRef>
+          <a:effectRef idx="0">
+            <a:schemeClr val="accent1"/>
+          </a:effectRef>
+          <a:fontRef idx="minor">
+            <a:schemeClr val="tx1"/>
+          </a:fontRef>
+        </p:style>
+      </p:cxnSp>
+      <p:cxnSp>
+        <p:nvCxnSpPr>
+          <p:cNvPr id="55" name="Gerader Verbinder 54">
+            <a:extLst>
+              <a:ext uri="{FF2B5EF4-FFF2-40B4-BE49-F238E27FC236}">
+                <a16:creationId xmlns:a16="http://schemas.microsoft.com/office/drawing/2014/main" id="{9C655AC0-89C2-416F-BC1B-247F882FA2F1}"/>
+              </a:ext>
+            </a:extLst>
+          </p:cNvPr>
+          <p:cNvCxnSpPr>
+            <a:cxnSpLocks/>
+            <a:stCxn id="72" idx="0"/>
+            <a:endCxn id="70" idx="2"/>
+          </p:cNvCxnSpPr>
+          <p:nvPr/>
+        </p:nvCxnSpPr>
+        <p:spPr>
+          <a:xfrm flipH="1" flipV="1">
+            <a:off x="2251588" y="2069434"/>
+            <a:ext cx="5005" cy="487320"/>
+          </a:xfrm>
+          <a:prstGeom prst="line">
+            <a:avLst/>
+          </a:prstGeom>
+        </p:spPr>
+        <p:style>
+          <a:lnRef idx="1">
+            <a:schemeClr val="accent1"/>
+          </a:lnRef>
+          <a:fillRef idx="0">
+            <a:schemeClr val="accent1"/>
+          </a:fillRef>
+          <a:effectRef idx="0">
+            <a:schemeClr val="accent1"/>
+          </a:effectRef>
+          <a:fontRef idx="minor">
+            <a:schemeClr val="tx1"/>
+          </a:fontRef>
+        </p:style>
+      </p:cxnSp>
+      <p:sp>
+        <p:nvSpPr>
+          <p:cNvPr id="92" name="Ellipse 91">
+            <a:extLst>
+              <a:ext uri="{FF2B5EF4-FFF2-40B4-BE49-F238E27FC236}">
+                <a16:creationId xmlns:a16="http://schemas.microsoft.com/office/drawing/2014/main" id="{8C68C6E0-8588-4834-8005-E4669754C755}"/>
+              </a:ext>
+            </a:extLst>
+          </p:cNvPr>
+          <p:cNvSpPr/>
+          <p:nvPr/>
+        </p:nvSpPr>
+        <p:spPr>
+          <a:xfrm>
+            <a:off x="1111512" y="1173640"/>
+            <a:ext cx="992458" cy="332183"/>
+          </a:xfrm>
+          <a:prstGeom prst="ellipse">
+            <a:avLst/>
+          </a:prstGeom>
+          <a:solidFill>
+            <a:srgbClr val="FC6142"/>
+          </a:solidFill>
+          <a:ln>
             <a:solidFill>
-              <a:schemeClr val="accent4">
-                <a:lumMod val="60000"/>
-                <a:lumOff val="40000"/>
-              </a:schemeClr>
+              <a:srgbClr val="FC6142"/>
             </a:solidFill>
-          </p:spPr>
-          <p:style>
-            <a:lnRef idx="2">
-              <a:schemeClr val="accent1">
-                <a:shade val="50000"/>
-              </a:schemeClr>
-            </a:lnRef>
-            <a:fillRef idx="1">
-              <a:schemeClr val="accent1"/>
-            </a:fillRef>
-            <a:effectRef idx="0">
-              <a:schemeClr val="accent1"/>
-            </a:effectRef>
-            <a:fontRef idx="minor">
-              <a:schemeClr val="lt1"/>
-            </a:fontRef>
-          </p:style>
-          <p:txBody>
-            <a:bodyPr rtlCol="0" anchor="ctr"/>
-            <a:lstStyle/>
-            <a:p>
-              <a:pPr algn="ctr"/>
-              <a:r>
-                <a:rPr lang="en-GB" sz="1050" dirty="0" err="1"/>
-                <a:t>takesPlace</a:t>
-              </a:r>
-              <a:endParaRPr lang="en-GB" sz="1050" dirty="0"/>
-            </a:p>
-          </p:txBody>
-        </p:sp>
-        <p:sp>
-          <p:nvSpPr>
-            <p:cNvPr id="84" name="Raute 83">
-              <a:extLst>
-                <a:ext uri="{FF2B5EF4-FFF2-40B4-BE49-F238E27FC236}">
-                  <a16:creationId xmlns:a16="http://schemas.microsoft.com/office/drawing/2014/main" id="{382E3398-492F-406B-BDD0-FAF81E08328A}"/>
-                </a:ext>
-              </a:extLst>
-            </p:cNvPr>
-            <p:cNvSpPr/>
-            <p:nvPr/>
-          </p:nvSpPr>
-          <p:spPr>
-            <a:xfrm>
-              <a:off x="9157903" y="2728151"/>
-              <a:ext cx="2160240" cy="665681"/>
-            </a:xfrm>
-            <a:prstGeom prst="diamond">
-              <a:avLst/>
-            </a:prstGeom>
+          </a:ln>
+        </p:spPr>
+        <p:style>
+          <a:lnRef idx="2">
+            <a:schemeClr val="accent1">
+              <a:shade val="50000"/>
+            </a:schemeClr>
+          </a:lnRef>
+          <a:fillRef idx="1">
+            <a:schemeClr val="accent1"/>
+          </a:fillRef>
+          <a:effectRef idx="0">
+            <a:schemeClr val="accent1"/>
+          </a:effectRef>
+          <a:fontRef idx="minor">
+            <a:schemeClr val="lt1"/>
+          </a:fontRef>
+        </p:style>
+        <p:txBody>
+          <a:bodyPr rtlCol="0" anchor="ctr"/>
+          <a:lstStyle/>
+          <a:p>
+            <a:pPr algn="ctr"/>
+            <a:r>
+              <a:rPr lang="en-GB" sz="1200" dirty="0" err="1"/>
+              <a:t>looksAt</a:t>
+            </a:r>
+            <a:endParaRPr lang="en-GB" sz="1200" dirty="0"/>
+          </a:p>
+        </p:txBody>
+      </p:sp>
+      <p:sp>
+        <p:nvSpPr>
+          <p:cNvPr id="94" name="Ellipse 93">
+            <a:extLst>
+              <a:ext uri="{FF2B5EF4-FFF2-40B4-BE49-F238E27FC236}">
+                <a16:creationId xmlns:a16="http://schemas.microsoft.com/office/drawing/2014/main" id="{3EB14041-4FD7-4533-8AE9-16B18683287B}"/>
+              </a:ext>
+            </a:extLst>
+          </p:cNvPr>
+          <p:cNvSpPr/>
+          <p:nvPr/>
+        </p:nvSpPr>
+        <p:spPr>
+          <a:xfrm>
+            <a:off x="2629587" y="1182708"/>
+            <a:ext cx="1120685" cy="332183"/>
+          </a:xfrm>
+          <a:prstGeom prst="ellipse">
+            <a:avLst/>
+          </a:prstGeom>
+          <a:solidFill>
+            <a:srgbClr val="FC6142"/>
+          </a:solidFill>
+          <a:ln>
             <a:solidFill>
-              <a:schemeClr val="accent4">
-                <a:lumMod val="60000"/>
-                <a:lumOff val="40000"/>
-              </a:schemeClr>
+              <a:srgbClr val="FC6142"/>
             </a:solidFill>
-          </p:spPr>
-          <p:style>
-            <a:lnRef idx="2">
-              <a:schemeClr val="accent1">
-                <a:shade val="50000"/>
-              </a:schemeClr>
-            </a:lnRef>
-            <a:fillRef idx="1">
-              <a:schemeClr val="accent1"/>
-            </a:fillRef>
-            <a:effectRef idx="0">
-              <a:schemeClr val="accent1"/>
-            </a:effectRef>
-            <a:fontRef idx="minor">
-              <a:schemeClr val="lt1"/>
-            </a:fontRef>
-          </p:style>
-          <p:txBody>
-            <a:bodyPr rtlCol="0" anchor="ctr"/>
-            <a:lstStyle/>
-            <a:p>
-              <a:pPr algn="ctr"/>
-              <a:r>
-                <a:rPr lang="en-GB" sz="1050" dirty="0"/>
-                <a:t>has</a:t>
-              </a:r>
-            </a:p>
-          </p:txBody>
-        </p:sp>
-        <p:cxnSp>
-          <p:nvCxnSpPr>
-            <p:cNvPr id="86" name="Gerader Verbinder 85">
-              <a:extLst>
-                <a:ext uri="{FF2B5EF4-FFF2-40B4-BE49-F238E27FC236}">
-                  <a16:creationId xmlns:a16="http://schemas.microsoft.com/office/drawing/2014/main" id="{870CBF37-1A13-4B93-A767-40332558A5F8}"/>
-                </a:ext>
-              </a:extLst>
-            </p:cNvPr>
-            <p:cNvCxnSpPr>
-              <a:cxnSpLocks/>
-              <a:stCxn id="74" idx="3"/>
-              <a:endCxn id="65" idx="0"/>
-            </p:cNvCxnSpPr>
-            <p:nvPr/>
-          </p:nvCxnSpPr>
-          <p:spPr>
-            <a:xfrm>
-              <a:off x="11255604" y="4466549"/>
-              <a:ext cx="3495" cy="902621"/>
-            </a:xfrm>
-            <a:prstGeom prst="line">
-              <a:avLst/>
-            </a:prstGeom>
-          </p:spPr>
-          <p:style>
-            <a:lnRef idx="1">
-              <a:schemeClr val="accent1"/>
-            </a:lnRef>
-            <a:fillRef idx="0">
-              <a:schemeClr val="accent1"/>
-            </a:fillRef>
-            <a:effectRef idx="0">
-              <a:schemeClr val="accent1"/>
-            </a:effectRef>
-            <a:fontRef idx="minor">
-              <a:schemeClr val="tx1"/>
-            </a:fontRef>
-          </p:style>
-        </p:cxnSp>
-        <p:cxnSp>
-          <p:nvCxnSpPr>
-            <p:cNvPr id="93" name="Gerader Verbinder 92">
-              <a:extLst>
-                <a:ext uri="{FF2B5EF4-FFF2-40B4-BE49-F238E27FC236}">
-                  <a16:creationId xmlns:a16="http://schemas.microsoft.com/office/drawing/2014/main" id="{BEDC9EE5-6301-4AA4-B763-5FDE758F37CB}"/>
-                </a:ext>
-              </a:extLst>
-            </p:cNvPr>
-            <p:cNvCxnSpPr>
-              <a:stCxn id="10" idx="3"/>
-              <a:endCxn id="84" idx="1"/>
-            </p:cNvCxnSpPr>
-            <p:nvPr/>
-          </p:nvCxnSpPr>
-          <p:spPr>
-            <a:xfrm>
-              <a:off x="8230488" y="3039191"/>
-              <a:ext cx="927415" cy="21801"/>
-            </a:xfrm>
-            <a:prstGeom prst="line">
-              <a:avLst/>
-            </a:prstGeom>
-          </p:spPr>
-          <p:style>
-            <a:lnRef idx="1">
-              <a:schemeClr val="accent1"/>
-            </a:lnRef>
-            <a:fillRef idx="0">
-              <a:schemeClr val="accent1"/>
-            </a:fillRef>
-            <a:effectRef idx="0">
-              <a:schemeClr val="accent1"/>
-            </a:effectRef>
-            <a:fontRef idx="minor">
-              <a:schemeClr val="tx1"/>
-            </a:fontRef>
-          </p:style>
-        </p:cxnSp>
-        <p:cxnSp>
-          <p:nvCxnSpPr>
-            <p:cNvPr id="95" name="Gerader Verbinder 94">
-              <a:extLst>
-                <a:ext uri="{FF2B5EF4-FFF2-40B4-BE49-F238E27FC236}">
-                  <a16:creationId xmlns:a16="http://schemas.microsoft.com/office/drawing/2014/main" id="{6091CC31-F304-40D7-BD18-97CCEEBBA1D0}"/>
-                </a:ext>
-              </a:extLst>
-            </p:cNvPr>
-            <p:cNvCxnSpPr>
-              <a:stCxn id="84" idx="3"/>
-              <a:endCxn id="64" idx="1"/>
-            </p:cNvCxnSpPr>
-            <p:nvPr/>
-          </p:nvCxnSpPr>
-          <p:spPr>
-            <a:xfrm>
-              <a:off x="11318143" y="3060992"/>
-              <a:ext cx="479554" cy="14204"/>
-            </a:xfrm>
-            <a:prstGeom prst="line">
-              <a:avLst/>
-            </a:prstGeom>
-          </p:spPr>
-          <p:style>
-            <a:lnRef idx="1">
-              <a:schemeClr val="accent1"/>
-            </a:lnRef>
-            <a:fillRef idx="0">
-              <a:schemeClr val="accent1"/>
-            </a:fillRef>
-            <a:effectRef idx="0">
-              <a:schemeClr val="accent1"/>
-            </a:effectRef>
-            <a:fontRef idx="minor">
-              <a:schemeClr val="tx1"/>
-            </a:fontRef>
-          </p:style>
-        </p:cxnSp>
-        <p:sp>
-          <p:nvSpPr>
-            <p:cNvPr id="102" name="Ellipse 101">
-              <a:extLst>
-                <a:ext uri="{FF2B5EF4-FFF2-40B4-BE49-F238E27FC236}">
-                  <a16:creationId xmlns:a16="http://schemas.microsoft.com/office/drawing/2014/main" id="{A628F48C-21B9-44C2-A10F-6002F785705D}"/>
-                </a:ext>
-              </a:extLst>
-            </p:cNvPr>
-            <p:cNvSpPr/>
-            <p:nvPr/>
-          </p:nvSpPr>
-          <p:spPr>
-            <a:xfrm>
-              <a:off x="12469429" y="5309464"/>
-              <a:ext cx="1389915" cy="515455"/>
-            </a:xfrm>
-            <a:prstGeom prst="ellipse">
-              <a:avLst/>
-            </a:prstGeom>
-            <a:solidFill>
-              <a:srgbClr val="6269FE"/>
-            </a:solidFill>
-          </p:spPr>
-          <p:style>
-            <a:lnRef idx="2">
-              <a:schemeClr val="accent1">
-                <a:shade val="50000"/>
-              </a:schemeClr>
-            </a:lnRef>
-            <a:fillRef idx="1">
-              <a:schemeClr val="accent1"/>
-            </a:fillRef>
-            <a:effectRef idx="0">
-              <a:schemeClr val="accent1"/>
-            </a:effectRef>
-            <a:fontRef idx="minor">
-              <a:schemeClr val="lt1"/>
-            </a:fontRef>
-          </p:style>
-          <p:txBody>
-            <a:bodyPr rtlCol="0" anchor="ctr"/>
-            <a:lstStyle/>
-            <a:p>
-              <a:pPr algn="ctr"/>
-              <a:r>
-                <a:rPr lang="en-GB" sz="1200"/>
-                <a:t>day</a:t>
-              </a:r>
-            </a:p>
-          </p:txBody>
-        </p:sp>
-        <p:cxnSp>
-          <p:nvCxnSpPr>
-            <p:cNvPr id="109" name="Gerader Verbinder 108">
-              <a:extLst>
-                <a:ext uri="{FF2B5EF4-FFF2-40B4-BE49-F238E27FC236}">
-                  <a16:creationId xmlns:a16="http://schemas.microsoft.com/office/drawing/2014/main" id="{CC3F3790-C045-4A41-864B-8C7770ED2B89}"/>
-                </a:ext>
-              </a:extLst>
-            </p:cNvPr>
-            <p:cNvCxnSpPr>
-              <a:cxnSpLocks/>
-              <a:stCxn id="65" idx="3"/>
-              <a:endCxn id="102" idx="2"/>
-            </p:cNvCxnSpPr>
-            <p:nvPr/>
-          </p:nvCxnSpPr>
-          <p:spPr>
-            <a:xfrm flipV="1">
-              <a:off x="12051187" y="5567192"/>
-              <a:ext cx="418242" cy="1"/>
-            </a:xfrm>
-            <a:prstGeom prst="line">
-              <a:avLst/>
-            </a:prstGeom>
-          </p:spPr>
-          <p:style>
-            <a:lnRef idx="1">
-              <a:schemeClr val="accent1"/>
-            </a:lnRef>
-            <a:fillRef idx="0">
-              <a:schemeClr val="accent1"/>
-            </a:fillRef>
-            <a:effectRef idx="0">
-              <a:schemeClr val="accent1"/>
-            </a:effectRef>
-            <a:fontRef idx="minor">
-              <a:schemeClr val="tx1"/>
-            </a:fontRef>
-          </p:style>
-        </p:cxnSp>
-        <p:cxnSp>
-          <p:nvCxnSpPr>
-            <p:cNvPr id="111" name="Gerade Verbindung 1042">
-              <a:extLst>
-                <a:ext uri="{FF2B5EF4-FFF2-40B4-BE49-F238E27FC236}">
-                  <a16:creationId xmlns:a16="http://schemas.microsoft.com/office/drawing/2014/main" id="{EC079AB9-667B-4E03-84EC-BDB2D2647E7E}"/>
-                </a:ext>
-              </a:extLst>
-            </p:cNvPr>
-            <p:cNvCxnSpPr>
-              <a:cxnSpLocks/>
-              <a:stCxn id="6" idx="0"/>
-              <a:endCxn id="63" idx="5"/>
-            </p:cNvCxnSpPr>
-            <p:nvPr/>
-          </p:nvCxnSpPr>
-          <p:spPr>
-            <a:xfrm flipH="1" flipV="1">
-              <a:off x="250044" y="2495817"/>
-              <a:ext cx="905168" cy="525372"/>
-            </a:xfrm>
-            <a:prstGeom prst="line">
-              <a:avLst/>
-            </a:prstGeom>
-          </p:spPr>
-          <p:style>
-            <a:lnRef idx="1">
-              <a:schemeClr val="accent1"/>
-            </a:lnRef>
-            <a:fillRef idx="0">
-              <a:schemeClr val="accent1"/>
-            </a:fillRef>
-            <a:effectRef idx="0">
-              <a:schemeClr val="accent1"/>
-            </a:effectRef>
-            <a:fontRef idx="minor">
-              <a:schemeClr val="tx1"/>
-            </a:fontRef>
-          </p:style>
-        </p:cxnSp>
-        <p:cxnSp>
-          <p:nvCxnSpPr>
-            <p:cNvPr id="114" name="Gerade Verbindung 1042">
-              <a:extLst>
-                <a:ext uri="{FF2B5EF4-FFF2-40B4-BE49-F238E27FC236}">
-                  <a16:creationId xmlns:a16="http://schemas.microsoft.com/office/drawing/2014/main" id="{A7FA1CB5-9B41-4E20-ABFA-F4FCDC4DE679}"/>
-                </a:ext>
-              </a:extLst>
-            </p:cNvPr>
-            <p:cNvCxnSpPr>
-              <a:cxnSpLocks/>
-              <a:stCxn id="6" idx="1"/>
-              <a:endCxn id="62" idx="6"/>
-            </p:cNvCxnSpPr>
-            <p:nvPr/>
-          </p:nvCxnSpPr>
-          <p:spPr>
-            <a:xfrm flipH="1">
-              <a:off x="-162006" y="3219212"/>
-              <a:ext cx="777158" cy="11453"/>
-            </a:xfrm>
-            <a:prstGeom prst="line">
-              <a:avLst/>
-            </a:prstGeom>
-          </p:spPr>
-          <p:style>
-            <a:lnRef idx="1">
-              <a:schemeClr val="accent1"/>
-            </a:lnRef>
-            <a:fillRef idx="0">
-              <a:schemeClr val="accent1"/>
-            </a:fillRef>
-            <a:effectRef idx="0">
-              <a:schemeClr val="accent1"/>
-            </a:effectRef>
-            <a:fontRef idx="minor">
-              <a:schemeClr val="tx1"/>
-            </a:fontRef>
-          </p:style>
-        </p:cxnSp>
-        <p:sp>
-          <p:nvSpPr>
-            <p:cNvPr id="120" name="Ellipse 119">
-              <a:extLst>
-                <a:ext uri="{FF2B5EF4-FFF2-40B4-BE49-F238E27FC236}">
-                  <a16:creationId xmlns:a16="http://schemas.microsoft.com/office/drawing/2014/main" id="{13C6AA6C-16F6-431F-B9F5-1DEEF52A5B5A}"/>
-                </a:ext>
-              </a:extLst>
-            </p:cNvPr>
-            <p:cNvSpPr/>
-            <p:nvPr/>
-          </p:nvSpPr>
-          <p:spPr>
-            <a:xfrm>
-              <a:off x="11511126" y="2038036"/>
-              <a:ext cx="1653261" cy="458576"/>
-            </a:xfrm>
-            <a:prstGeom prst="ellipse">
-              <a:avLst/>
-            </a:prstGeom>
-            <a:solidFill>
-              <a:srgbClr val="6269FE"/>
-            </a:solidFill>
-          </p:spPr>
-          <p:style>
-            <a:lnRef idx="2">
-              <a:schemeClr val="accent1">
-                <a:shade val="50000"/>
-              </a:schemeClr>
-            </a:lnRef>
-            <a:fillRef idx="1">
-              <a:schemeClr val="accent1"/>
-            </a:fillRef>
-            <a:effectRef idx="0">
-              <a:schemeClr val="accent1"/>
-            </a:effectRef>
-            <a:fontRef idx="minor">
-              <a:schemeClr val="lt1"/>
-            </a:fontRef>
-          </p:style>
-          <p:txBody>
-            <a:bodyPr rtlCol="0" anchor="ctr"/>
-            <a:lstStyle/>
-            <a:p>
-              <a:pPr algn="ctr"/>
-              <a:r>
-                <a:rPr lang="en-GB" sz="1200"/>
-                <a:t>topic</a:t>
-              </a:r>
-            </a:p>
-          </p:txBody>
-        </p:sp>
-        <p:cxnSp>
-          <p:nvCxnSpPr>
-            <p:cNvPr id="122" name="Gerader Verbinder 121">
-              <a:extLst>
-                <a:ext uri="{FF2B5EF4-FFF2-40B4-BE49-F238E27FC236}">
-                  <a16:creationId xmlns:a16="http://schemas.microsoft.com/office/drawing/2014/main" id="{A993F23E-EABD-40B5-8774-91BEFFB0F7D2}"/>
-                </a:ext>
-              </a:extLst>
-            </p:cNvPr>
-            <p:cNvCxnSpPr>
-              <a:stCxn id="64" idx="0"/>
-              <a:endCxn id="120" idx="4"/>
-            </p:cNvCxnSpPr>
-            <p:nvPr/>
-          </p:nvCxnSpPr>
-          <p:spPr>
-            <a:xfrm flipV="1">
-              <a:off x="12337757" y="2496612"/>
-              <a:ext cx="0" cy="380561"/>
-            </a:xfrm>
-            <a:prstGeom prst="line">
-              <a:avLst/>
-            </a:prstGeom>
-          </p:spPr>
-          <p:style>
-            <a:lnRef idx="1">
-              <a:schemeClr val="accent1"/>
-            </a:lnRef>
-            <a:fillRef idx="0">
-              <a:schemeClr val="accent1"/>
-            </a:fillRef>
-            <a:effectRef idx="0">
-              <a:schemeClr val="accent1"/>
-            </a:effectRef>
-            <a:fontRef idx="minor">
-              <a:schemeClr val="tx1"/>
-            </a:fontRef>
-          </p:style>
-        </p:cxnSp>
-        <p:sp>
-          <p:nvSpPr>
-            <p:cNvPr id="128" name="Ellipse 127">
-              <a:extLst>
-                <a:ext uri="{FF2B5EF4-FFF2-40B4-BE49-F238E27FC236}">
-                  <a16:creationId xmlns:a16="http://schemas.microsoft.com/office/drawing/2014/main" id="{46E07157-41D6-4537-B80B-F399A478107A}"/>
-                </a:ext>
-              </a:extLst>
-            </p:cNvPr>
-            <p:cNvSpPr/>
-            <p:nvPr/>
-          </p:nvSpPr>
-          <p:spPr>
-            <a:xfrm>
-              <a:off x="6536512" y="623386"/>
-              <a:ext cx="1487233" cy="504056"/>
-            </a:xfrm>
-            <a:prstGeom prst="ellipse">
-              <a:avLst/>
-            </a:prstGeom>
-            <a:solidFill>
-              <a:srgbClr val="6269FE"/>
-            </a:solidFill>
-          </p:spPr>
-          <p:style>
-            <a:lnRef idx="2">
-              <a:schemeClr val="accent1">
-                <a:shade val="50000"/>
-              </a:schemeClr>
-            </a:lnRef>
-            <a:fillRef idx="1">
-              <a:schemeClr val="accent1"/>
-            </a:fillRef>
-            <a:effectRef idx="0">
-              <a:schemeClr val="accent1"/>
-            </a:effectRef>
-            <a:fontRef idx="minor">
-              <a:schemeClr val="lt1"/>
-            </a:fontRef>
-          </p:style>
-          <p:txBody>
-            <a:bodyPr rtlCol="0" anchor="ctr"/>
-            <a:lstStyle/>
-            <a:p>
-              <a:pPr algn="ctr"/>
-              <a:r>
-                <a:rPr lang="en-GB" sz="1200"/>
-                <a:t>token</a:t>
-              </a:r>
-            </a:p>
-          </p:txBody>
-        </p:sp>
-        <p:cxnSp>
-          <p:nvCxnSpPr>
-            <p:cNvPr id="131" name="Gerader Verbinder 130">
-              <a:extLst>
-                <a:ext uri="{FF2B5EF4-FFF2-40B4-BE49-F238E27FC236}">
-                  <a16:creationId xmlns:a16="http://schemas.microsoft.com/office/drawing/2014/main" id="{9BA10EFB-7CA1-4D29-A143-8A2F09A84EDF}"/>
-                </a:ext>
-              </a:extLst>
-            </p:cNvPr>
-            <p:cNvCxnSpPr>
-              <a:stCxn id="10" idx="0"/>
-              <a:endCxn id="128" idx="4"/>
-            </p:cNvCxnSpPr>
-            <p:nvPr/>
-          </p:nvCxnSpPr>
-          <p:spPr>
-            <a:xfrm flipH="1" flipV="1">
-              <a:off x="7280129" y="1127442"/>
-              <a:ext cx="410299" cy="1713726"/>
-            </a:xfrm>
-            <a:prstGeom prst="line">
-              <a:avLst/>
-            </a:prstGeom>
-          </p:spPr>
-          <p:style>
-            <a:lnRef idx="1">
-              <a:schemeClr val="accent1"/>
-            </a:lnRef>
-            <a:fillRef idx="0">
-              <a:schemeClr val="accent1"/>
-            </a:fillRef>
-            <a:effectRef idx="0">
-              <a:schemeClr val="accent1"/>
-            </a:effectRef>
-            <a:fontRef idx="minor">
-              <a:schemeClr val="tx1"/>
-            </a:fontRef>
-          </p:style>
-        </p:cxnSp>
-        <p:sp>
-          <p:nvSpPr>
-            <p:cNvPr id="61" name="Ellipse 60">
-              <a:extLst>
-                <a:ext uri="{FF2B5EF4-FFF2-40B4-BE49-F238E27FC236}">
-                  <a16:creationId xmlns:a16="http://schemas.microsoft.com/office/drawing/2014/main" id="{4897936C-B071-437C-B1EF-A8250F1F643C}"/>
-                </a:ext>
-              </a:extLst>
-            </p:cNvPr>
-            <p:cNvSpPr/>
-            <p:nvPr/>
-          </p:nvSpPr>
-          <p:spPr>
-            <a:xfrm>
-              <a:off x="13164386" y="2731578"/>
-              <a:ext cx="2088232" cy="648072"/>
-            </a:xfrm>
-            <a:prstGeom prst="ellipse">
-              <a:avLst/>
-            </a:prstGeom>
-            <a:solidFill>
-              <a:srgbClr val="6269FE"/>
-            </a:solidFill>
-          </p:spPr>
-          <p:style>
-            <a:lnRef idx="2">
-              <a:schemeClr val="accent1">
-                <a:shade val="50000"/>
-              </a:schemeClr>
-            </a:lnRef>
-            <a:fillRef idx="1">
-              <a:schemeClr val="accent1"/>
-            </a:fillRef>
-            <a:effectRef idx="0">
-              <a:schemeClr val="accent1"/>
-            </a:effectRef>
-            <a:fontRef idx="minor">
-              <a:schemeClr val="lt1"/>
-            </a:fontRef>
-          </p:style>
-          <p:txBody>
-            <a:bodyPr rtlCol="0" anchor="ctr"/>
-            <a:lstStyle/>
-            <a:p>
-              <a:pPr algn="ctr"/>
-              <a:r>
-                <a:rPr lang="en-GB" sz="1200" u="sng" dirty="0"/>
-                <a:t>EID</a:t>
-              </a:r>
-            </a:p>
-          </p:txBody>
-        </p:sp>
-        <p:cxnSp>
-          <p:nvCxnSpPr>
-            <p:cNvPr id="3" name="Gerader Verbinder 2">
-              <a:extLst>
-                <a:ext uri="{FF2B5EF4-FFF2-40B4-BE49-F238E27FC236}">
-                  <a16:creationId xmlns:a16="http://schemas.microsoft.com/office/drawing/2014/main" id="{5051E9AF-B28D-4ADF-B7AB-07D40EE36EA1}"/>
-                </a:ext>
-              </a:extLst>
-            </p:cNvPr>
-            <p:cNvCxnSpPr>
-              <a:stCxn id="64" idx="3"/>
-              <a:endCxn id="61" idx="2"/>
-            </p:cNvCxnSpPr>
-            <p:nvPr/>
-          </p:nvCxnSpPr>
-          <p:spPr>
-            <a:xfrm flipV="1">
-              <a:off x="12877817" y="3055614"/>
-              <a:ext cx="286569" cy="19582"/>
-            </a:xfrm>
-            <a:prstGeom prst="line">
-              <a:avLst/>
-            </a:prstGeom>
-          </p:spPr>
-          <p:style>
-            <a:lnRef idx="1">
-              <a:schemeClr val="accent1"/>
-            </a:lnRef>
-            <a:fillRef idx="0">
-              <a:schemeClr val="accent1"/>
-            </a:fillRef>
-            <a:effectRef idx="0">
-              <a:schemeClr val="accent1"/>
-            </a:effectRef>
-            <a:fontRef idx="minor">
-              <a:schemeClr val="tx1"/>
-            </a:fontRef>
-          </p:style>
-        </p:cxnSp>
-        <p:sp>
-          <p:nvSpPr>
-            <p:cNvPr id="66" name="Rechteck 65">
-              <a:extLst>
-                <a:ext uri="{FF2B5EF4-FFF2-40B4-BE49-F238E27FC236}">
-                  <a16:creationId xmlns:a16="http://schemas.microsoft.com/office/drawing/2014/main" id="{E1A832F8-5CB5-4173-9ABC-0836A0CD3615}"/>
-                </a:ext>
-              </a:extLst>
-            </p:cNvPr>
-            <p:cNvSpPr/>
-            <p:nvPr/>
-          </p:nvSpPr>
-          <p:spPr>
-            <a:xfrm>
-              <a:off x="8955221" y="-298258"/>
-              <a:ext cx="1279063" cy="396045"/>
-            </a:xfrm>
-            <a:prstGeom prst="rect">
-              <a:avLst/>
-            </a:prstGeom>
-            <a:solidFill>
-              <a:srgbClr val="072ABD"/>
-            </a:solidFill>
-          </p:spPr>
-          <p:style>
-            <a:lnRef idx="2">
-              <a:schemeClr val="accent1">
-                <a:shade val="50000"/>
-              </a:schemeClr>
-            </a:lnRef>
-            <a:fillRef idx="1">
-              <a:schemeClr val="accent1"/>
-            </a:fillRef>
-            <a:effectRef idx="0">
-              <a:schemeClr val="accent1"/>
-            </a:effectRef>
-            <a:fontRef idx="minor">
-              <a:schemeClr val="lt1"/>
-            </a:fontRef>
-          </p:style>
-          <p:txBody>
-            <a:bodyPr rtlCol="0" anchor="ctr"/>
-            <a:lstStyle/>
-            <a:p>
-              <a:pPr algn="ctr"/>
-              <a:r>
-                <a:rPr lang="en-GB" sz="1200" dirty="0"/>
-                <a:t>homework</a:t>
-              </a:r>
-            </a:p>
-          </p:txBody>
-        </p:sp>
-        <p:sp>
-          <p:nvSpPr>
-            <p:cNvPr id="67" name="Ellipse 66">
-              <a:extLst>
-                <a:ext uri="{FF2B5EF4-FFF2-40B4-BE49-F238E27FC236}">
-                  <a16:creationId xmlns:a16="http://schemas.microsoft.com/office/drawing/2014/main" id="{CE036C6A-48A7-4885-BC47-54CC21805EC9}"/>
-                </a:ext>
-              </a:extLst>
-            </p:cNvPr>
-            <p:cNvSpPr/>
-            <p:nvPr/>
-          </p:nvSpPr>
-          <p:spPr>
-            <a:xfrm>
-              <a:off x="8378779" y="-1354410"/>
-              <a:ext cx="2088232" cy="648072"/>
-            </a:xfrm>
-            <a:prstGeom prst="ellipse">
-              <a:avLst/>
-            </a:prstGeom>
-            <a:solidFill>
-              <a:srgbClr val="6269FE"/>
-            </a:solidFill>
-          </p:spPr>
-          <p:style>
-            <a:lnRef idx="2">
-              <a:schemeClr val="accent1">
-                <a:shade val="50000"/>
-              </a:schemeClr>
-            </a:lnRef>
-            <a:fillRef idx="1">
-              <a:schemeClr val="accent1"/>
-            </a:fillRef>
-            <a:effectRef idx="0">
-              <a:schemeClr val="accent1"/>
-            </a:effectRef>
-            <a:fontRef idx="minor">
-              <a:schemeClr val="lt1"/>
-            </a:fontRef>
-          </p:style>
-          <p:txBody>
-            <a:bodyPr rtlCol="0" anchor="ctr"/>
-            <a:lstStyle/>
-            <a:p>
-              <a:pPr algn="ctr"/>
-              <a:r>
-                <a:rPr lang="en-GB" sz="1200" dirty="0"/>
-                <a:t>description</a:t>
-              </a:r>
-            </a:p>
-          </p:txBody>
-        </p:sp>
-        <p:sp>
-          <p:nvSpPr>
-            <p:cNvPr id="68" name="Ellipse 67">
-              <a:extLst>
-                <a:ext uri="{FF2B5EF4-FFF2-40B4-BE49-F238E27FC236}">
-                  <a16:creationId xmlns:a16="http://schemas.microsoft.com/office/drawing/2014/main" id="{FB442776-8497-4911-BFC3-DFA251A61CFF}"/>
-                </a:ext>
-              </a:extLst>
-            </p:cNvPr>
-            <p:cNvSpPr/>
-            <p:nvPr/>
-          </p:nvSpPr>
-          <p:spPr>
-            <a:xfrm>
-              <a:off x="8023745" y="5752327"/>
-              <a:ext cx="2088232" cy="648072"/>
-            </a:xfrm>
-            <a:prstGeom prst="ellipse">
-              <a:avLst/>
-            </a:prstGeom>
-            <a:solidFill>
-              <a:srgbClr val="6269FE"/>
-            </a:solidFill>
-          </p:spPr>
-          <p:style>
-            <a:lnRef idx="2">
-              <a:schemeClr val="accent1">
-                <a:shade val="50000"/>
-              </a:schemeClr>
-            </a:lnRef>
-            <a:fillRef idx="1">
-              <a:schemeClr val="accent1"/>
-            </a:fillRef>
-            <a:effectRef idx="0">
-              <a:schemeClr val="accent1"/>
-            </a:effectRef>
-            <a:fontRef idx="minor">
-              <a:schemeClr val="lt1"/>
-            </a:fontRef>
-          </p:style>
-          <p:txBody>
-            <a:bodyPr rtlCol="0" anchor="ctr"/>
-            <a:lstStyle/>
-            <a:p>
-              <a:pPr algn="ctr"/>
-              <a:r>
-                <a:rPr lang="en-GB" sz="1200" u="sng" dirty="0"/>
-                <a:t>AID</a:t>
-              </a:r>
-            </a:p>
-          </p:txBody>
-        </p:sp>
-        <p:sp>
-          <p:nvSpPr>
-            <p:cNvPr id="69" name="Ellipse 68">
-              <a:extLst>
-                <a:ext uri="{FF2B5EF4-FFF2-40B4-BE49-F238E27FC236}">
-                  <a16:creationId xmlns:a16="http://schemas.microsoft.com/office/drawing/2014/main" id="{49242896-CF18-418F-9A9C-4D8DD87CB1CA}"/>
-                </a:ext>
-              </a:extLst>
-            </p:cNvPr>
-            <p:cNvSpPr/>
-            <p:nvPr/>
-          </p:nvSpPr>
-          <p:spPr>
-            <a:xfrm>
-              <a:off x="10753581" y="-294898"/>
-              <a:ext cx="2088232" cy="648072"/>
-            </a:xfrm>
-            <a:prstGeom prst="ellipse">
-              <a:avLst/>
-            </a:prstGeom>
-            <a:solidFill>
-              <a:srgbClr val="6269FE"/>
-            </a:solidFill>
-          </p:spPr>
-          <p:style>
-            <a:lnRef idx="2">
-              <a:schemeClr val="accent1">
-                <a:shade val="50000"/>
-              </a:schemeClr>
-            </a:lnRef>
-            <a:fillRef idx="1">
-              <a:schemeClr val="accent1"/>
-            </a:fillRef>
-            <a:effectRef idx="0">
-              <a:schemeClr val="accent1"/>
-            </a:effectRef>
-            <a:fontRef idx="minor">
-              <a:schemeClr val="lt1"/>
-            </a:fontRef>
-          </p:style>
-          <p:txBody>
-            <a:bodyPr rtlCol="0" anchor="ctr"/>
-            <a:lstStyle/>
-            <a:p>
-              <a:pPr algn="ctr"/>
-              <a:r>
-                <a:rPr lang="en-GB" sz="1200" u="sng" dirty="0"/>
-                <a:t>HID</a:t>
-              </a:r>
-            </a:p>
-          </p:txBody>
-        </p:sp>
-        <p:cxnSp>
-          <p:nvCxnSpPr>
-            <p:cNvPr id="48" name="Gerader Verbinder 47">
-              <a:extLst>
-                <a:ext uri="{FF2B5EF4-FFF2-40B4-BE49-F238E27FC236}">
-                  <a16:creationId xmlns:a16="http://schemas.microsoft.com/office/drawing/2014/main" id="{C406ACA8-3DFB-45BF-A41D-EB18A4C7D2C6}"/>
-                </a:ext>
-              </a:extLst>
-            </p:cNvPr>
-            <p:cNvCxnSpPr>
-              <a:stCxn id="66" idx="0"/>
-              <a:endCxn id="67" idx="4"/>
-            </p:cNvCxnSpPr>
-            <p:nvPr/>
-          </p:nvCxnSpPr>
-          <p:spPr>
-            <a:xfrm flipH="1" flipV="1">
-              <a:off x="9422895" y="-706338"/>
-              <a:ext cx="171858" cy="408080"/>
-            </a:xfrm>
-            <a:prstGeom prst="line">
-              <a:avLst/>
-            </a:prstGeom>
-          </p:spPr>
-          <p:style>
-            <a:lnRef idx="1">
-              <a:schemeClr val="accent1"/>
-            </a:lnRef>
-            <a:fillRef idx="0">
-              <a:schemeClr val="accent1"/>
-            </a:fillRef>
-            <a:effectRef idx="0">
-              <a:schemeClr val="accent1"/>
-            </a:effectRef>
-            <a:fontRef idx="minor">
-              <a:schemeClr val="tx1"/>
-            </a:fontRef>
-          </p:style>
-        </p:cxnSp>
-        <p:cxnSp>
-          <p:nvCxnSpPr>
-            <p:cNvPr id="51" name="Gerader Verbinder 50">
-              <a:extLst>
-                <a:ext uri="{FF2B5EF4-FFF2-40B4-BE49-F238E27FC236}">
-                  <a16:creationId xmlns:a16="http://schemas.microsoft.com/office/drawing/2014/main" id="{E83A877D-8BF4-42FE-8880-114F769A2494}"/>
-                </a:ext>
-              </a:extLst>
-            </p:cNvPr>
-            <p:cNvCxnSpPr>
-              <a:stCxn id="66" idx="3"/>
-              <a:endCxn id="69" idx="2"/>
-            </p:cNvCxnSpPr>
-            <p:nvPr/>
-          </p:nvCxnSpPr>
-          <p:spPr>
-            <a:xfrm>
-              <a:off x="10234284" y="-100235"/>
-              <a:ext cx="519297" cy="129373"/>
-            </a:xfrm>
-            <a:prstGeom prst="line">
-              <a:avLst/>
-            </a:prstGeom>
-          </p:spPr>
-          <p:style>
-            <a:lnRef idx="1">
-              <a:schemeClr val="accent1"/>
-            </a:lnRef>
-            <a:fillRef idx="0">
-              <a:schemeClr val="accent1"/>
-            </a:fillRef>
-            <a:effectRef idx="0">
-              <a:schemeClr val="accent1"/>
-            </a:effectRef>
-            <a:fontRef idx="minor">
-              <a:schemeClr val="tx1"/>
-            </a:fontRef>
-          </p:style>
-        </p:cxnSp>
-      </p:grpSp>
+          </a:ln>
+        </p:spPr>
+        <p:style>
+          <a:lnRef idx="2">
+            <a:schemeClr val="accent1">
+              <a:shade val="50000"/>
+            </a:schemeClr>
+          </a:lnRef>
+          <a:fillRef idx="1">
+            <a:schemeClr val="accent1"/>
+          </a:fillRef>
+          <a:effectRef idx="0">
+            <a:schemeClr val="accent1"/>
+          </a:effectRef>
+          <a:fontRef idx="minor">
+            <a:schemeClr val="lt1"/>
+          </a:fontRef>
+        </p:style>
+        <p:txBody>
+          <a:bodyPr rtlCol="0" anchor="ctr"/>
+          <a:lstStyle/>
+          <a:p>
+            <a:pPr algn="ctr"/>
+            <a:r>
+              <a:rPr lang="en-GB" sz="1200" dirty="0" err="1"/>
+              <a:t>dateTime</a:t>
+            </a:r>
+            <a:endParaRPr lang="en-GB" sz="1200" dirty="0"/>
+          </a:p>
+        </p:txBody>
+      </p:sp>
+      <p:sp>
+        <p:nvSpPr>
+          <p:cNvPr id="80" name="Textfeld 79">
+            <a:extLst>
+              <a:ext uri="{FF2B5EF4-FFF2-40B4-BE49-F238E27FC236}">
+                <a16:creationId xmlns:a16="http://schemas.microsoft.com/office/drawing/2014/main" id="{3489BCC8-64AA-4CDA-AD5E-B0189AB544E7}"/>
+              </a:ext>
+            </a:extLst>
+          </p:cNvPr>
+          <p:cNvSpPr txBox="1"/>
+          <p:nvPr/>
+        </p:nvSpPr>
+        <p:spPr>
+          <a:xfrm>
+            <a:off x="1980808" y="3207220"/>
+            <a:ext cx="327334" cy="307777"/>
+          </a:xfrm>
+          <a:prstGeom prst="rect">
+            <a:avLst/>
+          </a:prstGeom>
+          <a:noFill/>
+        </p:spPr>
+        <p:txBody>
+          <a:bodyPr wrap="none" rtlCol="0">
+            <a:spAutoFit/>
+          </a:bodyPr>
+          <a:lstStyle/>
+          <a:p>
+            <a:r>
+              <a:rPr lang="de-DE" sz="1400" dirty="0"/>
+              <a:t>m</a:t>
+            </a:r>
+          </a:p>
+        </p:txBody>
+      </p:sp>
+      <p:sp>
+        <p:nvSpPr>
+          <p:cNvPr id="96" name="Textfeld 95">
+            <a:extLst>
+              <a:ext uri="{FF2B5EF4-FFF2-40B4-BE49-F238E27FC236}">
+                <a16:creationId xmlns:a16="http://schemas.microsoft.com/office/drawing/2014/main" id="{941EFECB-9F21-413B-AB79-29DC707E6AC0}"/>
+              </a:ext>
+            </a:extLst>
+          </p:cNvPr>
+          <p:cNvSpPr txBox="1"/>
+          <p:nvPr/>
+        </p:nvSpPr>
+        <p:spPr>
+          <a:xfrm>
+            <a:off x="2018989" y="2043912"/>
+            <a:ext cx="279244" cy="307777"/>
+          </a:xfrm>
+          <a:prstGeom prst="rect">
+            <a:avLst/>
+          </a:prstGeom>
+          <a:noFill/>
+        </p:spPr>
+        <p:txBody>
+          <a:bodyPr wrap="none" rtlCol="0">
+            <a:spAutoFit/>
+          </a:bodyPr>
+          <a:lstStyle/>
+          <a:p>
+            <a:r>
+              <a:rPr lang="de-DE" sz="1400" dirty="0"/>
+              <a:t>n</a:t>
+            </a:r>
+          </a:p>
+        </p:txBody>
+      </p:sp>
+      <p:cxnSp>
+        <p:nvCxnSpPr>
+          <p:cNvPr id="82" name="Gerader Verbinder 81">
+            <a:extLst>
+              <a:ext uri="{FF2B5EF4-FFF2-40B4-BE49-F238E27FC236}">
+                <a16:creationId xmlns:a16="http://schemas.microsoft.com/office/drawing/2014/main" id="{33068752-B391-40A4-BFC2-507B566A60A5}"/>
+              </a:ext>
+            </a:extLst>
+          </p:cNvPr>
+          <p:cNvCxnSpPr>
+            <a:stCxn id="70" idx="0"/>
+            <a:endCxn id="94" idx="3"/>
+          </p:cNvCxnSpPr>
+          <p:nvPr/>
+        </p:nvCxnSpPr>
+        <p:spPr>
+          <a:xfrm flipV="1">
+            <a:off x="2251588" y="1466244"/>
+            <a:ext cx="542120" cy="328603"/>
+          </a:xfrm>
+          <a:prstGeom prst="line">
+            <a:avLst/>
+          </a:prstGeom>
+        </p:spPr>
+        <p:style>
+          <a:lnRef idx="1">
+            <a:schemeClr val="accent1"/>
+          </a:lnRef>
+          <a:fillRef idx="0">
+            <a:schemeClr val="accent1"/>
+          </a:fillRef>
+          <a:effectRef idx="0">
+            <a:schemeClr val="accent1"/>
+          </a:effectRef>
+          <a:fontRef idx="minor">
+            <a:schemeClr val="tx1"/>
+          </a:fontRef>
+        </p:style>
+      </p:cxnSp>
+      <p:cxnSp>
+        <p:nvCxnSpPr>
+          <p:cNvPr id="85" name="Gerader Verbinder 84">
+            <a:extLst>
+              <a:ext uri="{FF2B5EF4-FFF2-40B4-BE49-F238E27FC236}">
+                <a16:creationId xmlns:a16="http://schemas.microsoft.com/office/drawing/2014/main" id="{226D8F93-C425-4751-B41E-7AAFC85AFED9}"/>
+              </a:ext>
+            </a:extLst>
+          </p:cNvPr>
+          <p:cNvCxnSpPr>
+            <a:stCxn id="70" idx="0"/>
+            <a:endCxn id="92" idx="5"/>
+          </p:cNvCxnSpPr>
+          <p:nvPr/>
+        </p:nvCxnSpPr>
+        <p:spPr>
+          <a:xfrm flipH="1" flipV="1">
+            <a:off x="1958628" y="1457176"/>
+            <a:ext cx="292960" cy="337671"/>
+          </a:xfrm>
+          <a:prstGeom prst="line">
+            <a:avLst/>
+          </a:prstGeom>
+        </p:spPr>
+        <p:style>
+          <a:lnRef idx="1">
+            <a:schemeClr val="accent1"/>
+          </a:lnRef>
+          <a:fillRef idx="0">
+            <a:schemeClr val="accent1"/>
+          </a:fillRef>
+          <a:effectRef idx="0">
+            <a:schemeClr val="accent1"/>
+          </a:effectRef>
+          <a:fontRef idx="minor">
+            <a:schemeClr val="tx1"/>
+          </a:fontRef>
+        </p:style>
+      </p:cxnSp>
+      <p:sp>
+        <p:nvSpPr>
+          <p:cNvPr id="105" name="Textfeld 104">
+            <a:extLst>
+              <a:ext uri="{FF2B5EF4-FFF2-40B4-BE49-F238E27FC236}">
+                <a16:creationId xmlns:a16="http://schemas.microsoft.com/office/drawing/2014/main" id="{523719C7-9823-4FA5-AAAB-A8C38D94BFDD}"/>
+              </a:ext>
+            </a:extLst>
+          </p:cNvPr>
+          <p:cNvSpPr txBox="1"/>
+          <p:nvPr/>
+        </p:nvSpPr>
+        <p:spPr>
+          <a:xfrm>
+            <a:off x="2187351" y="3223451"/>
+            <a:ext cx="539058" cy="307777"/>
+          </a:xfrm>
+          <a:prstGeom prst="rect">
+            <a:avLst/>
+          </a:prstGeom>
+          <a:noFill/>
+        </p:spPr>
+        <p:txBody>
+          <a:bodyPr wrap="none" rtlCol="0">
+            <a:spAutoFit/>
+          </a:bodyPr>
+          <a:lstStyle/>
+          <a:p>
+            <a:r>
+              <a:rPr lang="de-DE" sz="1400" dirty="0"/>
+              <a:t>kann</a:t>
+            </a:r>
+          </a:p>
+        </p:txBody>
+      </p:sp>
+      <p:sp>
+        <p:nvSpPr>
+          <p:cNvPr id="106" name="Textfeld 105">
+            <a:extLst>
+              <a:ext uri="{FF2B5EF4-FFF2-40B4-BE49-F238E27FC236}">
+                <a16:creationId xmlns:a16="http://schemas.microsoft.com/office/drawing/2014/main" id="{1841EBCC-9F24-48D7-8A32-8A4CC2DC67F2}"/>
+              </a:ext>
+            </a:extLst>
+          </p:cNvPr>
+          <p:cNvSpPr txBox="1"/>
+          <p:nvPr/>
+        </p:nvSpPr>
+        <p:spPr>
+          <a:xfrm>
+            <a:off x="2220017" y="2040328"/>
+            <a:ext cx="562975" cy="307777"/>
+          </a:xfrm>
+          <a:prstGeom prst="rect">
+            <a:avLst/>
+          </a:prstGeom>
+          <a:noFill/>
+        </p:spPr>
+        <p:txBody>
+          <a:bodyPr wrap="none" rtlCol="0">
+            <a:spAutoFit/>
+          </a:bodyPr>
+          <a:lstStyle/>
+          <a:p>
+            <a:r>
+              <a:rPr lang="de-DE" sz="1400" dirty="0"/>
+              <a:t>muss</a:t>
+            </a:r>
+          </a:p>
+        </p:txBody>
+      </p:sp>
+      <p:sp>
+        <p:nvSpPr>
+          <p:cNvPr id="107" name="Textfeld 106">
+            <a:extLst>
+              <a:ext uri="{FF2B5EF4-FFF2-40B4-BE49-F238E27FC236}">
+                <a16:creationId xmlns:a16="http://schemas.microsoft.com/office/drawing/2014/main" id="{B27D85E0-24DD-4647-BDFC-ACD94ED73A22}"/>
+              </a:ext>
+            </a:extLst>
+          </p:cNvPr>
+          <p:cNvSpPr txBox="1"/>
+          <p:nvPr/>
+        </p:nvSpPr>
+        <p:spPr>
+          <a:xfrm>
+            <a:off x="4879679" y="3119081"/>
+            <a:ext cx="279244" cy="307777"/>
+          </a:xfrm>
+          <a:prstGeom prst="rect">
+            <a:avLst/>
+          </a:prstGeom>
+          <a:noFill/>
+        </p:spPr>
+        <p:txBody>
+          <a:bodyPr wrap="none" rtlCol="0">
+            <a:spAutoFit/>
+          </a:bodyPr>
+          <a:lstStyle/>
+          <a:p>
+            <a:r>
+              <a:rPr lang="de-DE" sz="1400" dirty="0"/>
+              <a:t>n</a:t>
+            </a:r>
+          </a:p>
+        </p:txBody>
+      </p:sp>
+      <p:sp>
+        <p:nvSpPr>
+          <p:cNvPr id="108" name="Textfeld 107">
+            <a:extLst>
+              <a:ext uri="{FF2B5EF4-FFF2-40B4-BE49-F238E27FC236}">
+                <a16:creationId xmlns:a16="http://schemas.microsoft.com/office/drawing/2014/main" id="{3614590C-8453-4332-B3DA-F110655FED13}"/>
+              </a:ext>
+            </a:extLst>
+          </p:cNvPr>
+          <p:cNvSpPr txBox="1"/>
+          <p:nvPr/>
+        </p:nvSpPr>
+        <p:spPr>
+          <a:xfrm>
+            <a:off x="4879378" y="3420501"/>
+            <a:ext cx="539058" cy="307777"/>
+          </a:xfrm>
+          <a:prstGeom prst="rect">
+            <a:avLst/>
+          </a:prstGeom>
+          <a:noFill/>
+        </p:spPr>
+        <p:txBody>
+          <a:bodyPr wrap="none" rtlCol="0">
+            <a:spAutoFit/>
+          </a:bodyPr>
+          <a:lstStyle/>
+          <a:p>
+            <a:r>
+              <a:rPr lang="de-DE" sz="1400" dirty="0"/>
+              <a:t>kann</a:t>
+            </a:r>
+          </a:p>
+        </p:txBody>
+      </p:sp>
+      <p:sp>
+        <p:nvSpPr>
+          <p:cNvPr id="110" name="Textfeld 109">
+            <a:extLst>
+              <a:ext uri="{FF2B5EF4-FFF2-40B4-BE49-F238E27FC236}">
+                <a16:creationId xmlns:a16="http://schemas.microsoft.com/office/drawing/2014/main" id="{D1A2E4B6-5E79-4B64-9A68-902CBC0E40EF}"/>
+              </a:ext>
+            </a:extLst>
+          </p:cNvPr>
+          <p:cNvSpPr txBox="1"/>
+          <p:nvPr/>
+        </p:nvSpPr>
+        <p:spPr>
+          <a:xfrm>
+            <a:off x="4803270" y="3701837"/>
+            <a:ext cx="279244" cy="307777"/>
+          </a:xfrm>
+          <a:prstGeom prst="rect">
+            <a:avLst/>
+          </a:prstGeom>
+          <a:noFill/>
+        </p:spPr>
+        <p:txBody>
+          <a:bodyPr wrap="none" rtlCol="0">
+            <a:spAutoFit/>
+          </a:bodyPr>
+          <a:lstStyle/>
+          <a:p>
+            <a:r>
+              <a:rPr lang="de-DE" sz="1400" dirty="0"/>
+              <a:t>n</a:t>
+            </a:r>
+          </a:p>
+        </p:txBody>
+      </p:sp>
+      <p:sp>
+        <p:nvSpPr>
+          <p:cNvPr id="112" name="Textfeld 111">
+            <a:extLst>
+              <a:ext uri="{FF2B5EF4-FFF2-40B4-BE49-F238E27FC236}">
+                <a16:creationId xmlns:a16="http://schemas.microsoft.com/office/drawing/2014/main" id="{A31C3589-6FFC-48F9-833F-E63797AFB908}"/>
+              </a:ext>
+            </a:extLst>
+          </p:cNvPr>
+          <p:cNvSpPr txBox="1"/>
+          <p:nvPr/>
+        </p:nvSpPr>
+        <p:spPr>
+          <a:xfrm>
+            <a:off x="4755410" y="4002571"/>
+            <a:ext cx="539058" cy="307777"/>
+          </a:xfrm>
+          <a:prstGeom prst="rect">
+            <a:avLst/>
+          </a:prstGeom>
+          <a:noFill/>
+        </p:spPr>
+        <p:txBody>
+          <a:bodyPr wrap="none" rtlCol="0">
+            <a:spAutoFit/>
+          </a:bodyPr>
+          <a:lstStyle/>
+          <a:p>
+            <a:r>
+              <a:rPr lang="de-DE" sz="1400" dirty="0"/>
+              <a:t>kann</a:t>
+            </a:r>
+          </a:p>
+        </p:txBody>
+      </p:sp>
+      <p:sp>
+        <p:nvSpPr>
+          <p:cNvPr id="113" name="Textfeld 112">
+            <a:extLst>
+              <a:ext uri="{FF2B5EF4-FFF2-40B4-BE49-F238E27FC236}">
+                <a16:creationId xmlns:a16="http://schemas.microsoft.com/office/drawing/2014/main" id="{C940807D-D9FB-4009-AC6B-1936835C9CF9}"/>
+              </a:ext>
+            </a:extLst>
+          </p:cNvPr>
+          <p:cNvSpPr txBox="1"/>
+          <p:nvPr/>
+        </p:nvSpPr>
+        <p:spPr>
+          <a:xfrm>
+            <a:off x="6199025" y="3730835"/>
+            <a:ext cx="327334" cy="307777"/>
+          </a:xfrm>
+          <a:prstGeom prst="rect">
+            <a:avLst/>
+          </a:prstGeom>
+          <a:noFill/>
+        </p:spPr>
+        <p:txBody>
+          <a:bodyPr wrap="none" rtlCol="0">
+            <a:spAutoFit/>
+          </a:bodyPr>
+          <a:lstStyle/>
+          <a:p>
+            <a:r>
+              <a:rPr lang="de-DE" sz="1400" dirty="0"/>
+              <a:t>m</a:t>
+            </a:r>
+          </a:p>
+        </p:txBody>
+      </p:sp>
+      <p:sp>
+        <p:nvSpPr>
+          <p:cNvPr id="115" name="Textfeld 114">
+            <a:extLst>
+              <a:ext uri="{FF2B5EF4-FFF2-40B4-BE49-F238E27FC236}">
+                <a16:creationId xmlns:a16="http://schemas.microsoft.com/office/drawing/2014/main" id="{353B3C22-3B5D-464A-823C-A9DB74F9C80C}"/>
+              </a:ext>
+            </a:extLst>
+          </p:cNvPr>
+          <p:cNvSpPr txBox="1"/>
+          <p:nvPr/>
+        </p:nvSpPr>
+        <p:spPr>
+          <a:xfrm>
+            <a:off x="6164859" y="4025322"/>
+            <a:ext cx="539058" cy="307777"/>
+          </a:xfrm>
+          <a:prstGeom prst="rect">
+            <a:avLst/>
+          </a:prstGeom>
+          <a:noFill/>
+        </p:spPr>
+        <p:txBody>
+          <a:bodyPr wrap="square" rtlCol="0">
+            <a:spAutoFit/>
+          </a:bodyPr>
+          <a:lstStyle/>
+          <a:p>
+            <a:r>
+              <a:rPr lang="de-DE" sz="1400" dirty="0"/>
+              <a:t>kann</a:t>
+            </a:r>
+          </a:p>
+        </p:txBody>
+      </p:sp>
+      <p:sp>
+        <p:nvSpPr>
+          <p:cNvPr id="116" name="Textfeld 115">
+            <a:extLst>
+              <a:ext uri="{FF2B5EF4-FFF2-40B4-BE49-F238E27FC236}">
+                <a16:creationId xmlns:a16="http://schemas.microsoft.com/office/drawing/2014/main" id="{FD9B5627-266D-4CF0-9C9B-ECFB4D23147A}"/>
+              </a:ext>
+            </a:extLst>
+          </p:cNvPr>
+          <p:cNvSpPr txBox="1"/>
+          <p:nvPr/>
+        </p:nvSpPr>
+        <p:spPr>
+          <a:xfrm>
+            <a:off x="6084910" y="3112724"/>
+            <a:ext cx="327334" cy="307777"/>
+          </a:xfrm>
+          <a:prstGeom prst="rect">
+            <a:avLst/>
+          </a:prstGeom>
+          <a:noFill/>
+        </p:spPr>
+        <p:txBody>
+          <a:bodyPr wrap="none" rtlCol="0">
+            <a:spAutoFit/>
+          </a:bodyPr>
+          <a:lstStyle/>
+          <a:p>
+            <a:r>
+              <a:rPr lang="de-DE" sz="1400" dirty="0"/>
+              <a:t>m</a:t>
+            </a:r>
+          </a:p>
+        </p:txBody>
+      </p:sp>
+      <p:sp>
+        <p:nvSpPr>
+          <p:cNvPr id="117" name="Textfeld 116">
+            <a:extLst>
+              <a:ext uri="{FF2B5EF4-FFF2-40B4-BE49-F238E27FC236}">
+                <a16:creationId xmlns:a16="http://schemas.microsoft.com/office/drawing/2014/main" id="{0568D284-B298-4310-9992-2965A0D4CA5C}"/>
+              </a:ext>
+            </a:extLst>
+          </p:cNvPr>
+          <p:cNvSpPr txBox="1"/>
+          <p:nvPr/>
+        </p:nvSpPr>
+        <p:spPr>
+          <a:xfrm>
+            <a:off x="5837651" y="3430122"/>
+            <a:ext cx="539058" cy="307777"/>
+          </a:xfrm>
+          <a:prstGeom prst="rect">
+            <a:avLst/>
+          </a:prstGeom>
+          <a:noFill/>
+        </p:spPr>
+        <p:txBody>
+          <a:bodyPr wrap="none" rtlCol="0">
+            <a:spAutoFit/>
+          </a:bodyPr>
+          <a:lstStyle/>
+          <a:p>
+            <a:r>
+              <a:rPr lang="de-DE" sz="1400" dirty="0"/>
+              <a:t>kann</a:t>
+            </a:r>
+          </a:p>
+        </p:txBody>
+      </p:sp>
+      <p:sp>
+        <p:nvSpPr>
+          <p:cNvPr id="119" name="Raute 118">
+            <a:extLst>
+              <a:ext uri="{FF2B5EF4-FFF2-40B4-BE49-F238E27FC236}">
+                <a16:creationId xmlns:a16="http://schemas.microsoft.com/office/drawing/2014/main" id="{F7D0847B-F133-4109-98CB-0C30143B64BF}"/>
+              </a:ext>
+            </a:extLst>
+          </p:cNvPr>
+          <p:cNvSpPr/>
+          <p:nvPr/>
+        </p:nvSpPr>
+        <p:spPr>
+          <a:xfrm>
+            <a:off x="7112656" y="2025179"/>
+            <a:ext cx="1198401" cy="461532"/>
+          </a:xfrm>
+          <a:prstGeom prst="diamond">
+            <a:avLst/>
+          </a:prstGeom>
+          <a:solidFill>
+            <a:schemeClr val="accent4">
+              <a:lumMod val="60000"/>
+              <a:lumOff val="40000"/>
+            </a:schemeClr>
+          </a:solidFill>
+        </p:spPr>
+        <p:style>
+          <a:lnRef idx="2">
+            <a:schemeClr val="accent1">
+              <a:shade val="50000"/>
+            </a:schemeClr>
+          </a:lnRef>
+          <a:fillRef idx="1">
+            <a:schemeClr val="accent1"/>
+          </a:fillRef>
+          <a:effectRef idx="0">
+            <a:schemeClr val="accent1"/>
+          </a:effectRef>
+          <a:fontRef idx="minor">
+            <a:schemeClr val="lt1"/>
+          </a:fontRef>
+        </p:style>
+        <p:txBody>
+          <a:bodyPr rtlCol="0" anchor="ctr"/>
+          <a:lstStyle/>
+          <a:p>
+            <a:pPr algn="ctr"/>
+            <a:r>
+              <a:rPr lang="en-GB" sz="1050" dirty="0"/>
+              <a:t>has</a:t>
+            </a:r>
+          </a:p>
+        </p:txBody>
+      </p:sp>
+      <p:cxnSp>
+        <p:nvCxnSpPr>
+          <p:cNvPr id="100" name="Gerader Verbinder 99">
+            <a:extLst>
+              <a:ext uri="{FF2B5EF4-FFF2-40B4-BE49-F238E27FC236}">
+                <a16:creationId xmlns:a16="http://schemas.microsoft.com/office/drawing/2014/main" id="{2AD797A0-466E-4821-8DF4-72310CA4D213}"/>
+              </a:ext>
+            </a:extLst>
+          </p:cNvPr>
+          <p:cNvCxnSpPr>
+            <a:cxnSpLocks/>
+            <a:stCxn id="119" idx="0"/>
+            <a:endCxn id="66" idx="2"/>
+          </p:cNvCxnSpPr>
+          <p:nvPr/>
+        </p:nvCxnSpPr>
+        <p:spPr>
+          <a:xfrm flipH="1" flipV="1">
+            <a:off x="7711856" y="1610188"/>
+            <a:ext cx="1" cy="414991"/>
+          </a:xfrm>
+          <a:prstGeom prst="line">
+            <a:avLst/>
+          </a:prstGeom>
+        </p:spPr>
+        <p:style>
+          <a:lnRef idx="1">
+            <a:schemeClr val="accent1"/>
+          </a:lnRef>
+          <a:fillRef idx="0">
+            <a:schemeClr val="accent1"/>
+          </a:fillRef>
+          <a:effectRef idx="0">
+            <a:schemeClr val="accent1"/>
+          </a:effectRef>
+          <a:fontRef idx="minor">
+            <a:schemeClr val="tx1"/>
+          </a:fontRef>
+        </p:style>
+      </p:cxnSp>
+      <p:cxnSp>
+        <p:nvCxnSpPr>
+          <p:cNvPr id="140" name="Gerader Verbinder 139">
+            <a:extLst>
+              <a:ext uri="{FF2B5EF4-FFF2-40B4-BE49-F238E27FC236}">
+                <a16:creationId xmlns:a16="http://schemas.microsoft.com/office/drawing/2014/main" id="{2F66CA31-4EFC-4940-8F7E-B1426AC79F3A}"/>
+              </a:ext>
+            </a:extLst>
+          </p:cNvPr>
+          <p:cNvCxnSpPr>
+            <a:cxnSpLocks/>
+            <a:stCxn id="68" idx="6"/>
+            <a:endCxn id="65" idx="1"/>
+          </p:cNvCxnSpPr>
+          <p:nvPr/>
+        </p:nvCxnSpPr>
+        <p:spPr>
+          <a:xfrm>
+            <a:off x="8445329" y="5409654"/>
+            <a:ext cx="262352" cy="196"/>
+          </a:xfrm>
+          <a:prstGeom prst="line">
+            <a:avLst/>
+          </a:prstGeom>
+        </p:spPr>
+        <p:style>
+          <a:lnRef idx="1">
+            <a:schemeClr val="accent1"/>
+          </a:lnRef>
+          <a:fillRef idx="0">
+            <a:schemeClr val="accent1"/>
+          </a:fillRef>
+          <a:effectRef idx="0">
+            <a:schemeClr val="accent1"/>
+          </a:effectRef>
+          <a:fontRef idx="minor">
+            <a:schemeClr val="tx1"/>
+          </a:fontRef>
+        </p:style>
+      </p:cxnSp>
     </p:spTree>
     <p:extLst>
       <p:ext uri="{BB962C8B-B14F-4D97-AF65-F5344CB8AC3E}">
